--- a/2018/PolicyGraphs.pptx
+++ b/2018/PolicyGraphs.pptx
@@ -5,7 +5,7 @@
     <p:sldMasterId id="2147483648" r:id="rId1"/>
   </p:sldMasterIdLst>
   <p:notesMasterIdLst>
-    <p:notesMasterId r:id="rId17"/>
+    <p:notesMasterId r:id="rId23"/>
   </p:notesMasterIdLst>
   <p:sldIdLst>
     <p:sldId id="257" r:id="rId2"/>
@@ -23,6 +23,12 @@
     <p:sldId id="259" r:id="rId14"/>
     <p:sldId id="261" r:id="rId15"/>
     <p:sldId id="262" r:id="rId16"/>
+    <p:sldId id="274" r:id="rId17"/>
+    <p:sldId id="275" r:id="rId18"/>
+    <p:sldId id="277" r:id="rId19"/>
+    <p:sldId id="278" r:id="rId20"/>
+    <p:sldId id="276" r:id="rId21"/>
+    <p:sldId id="279" r:id="rId22"/>
   </p:sldIdLst>
   <p:sldSz cx="9144000" cy="6858000" type="screen4x3"/>
   <p:notesSz cx="6858000" cy="9144000"/>
@@ -123,7 +129,7 @@
   </p:defaultTextStyle>
   <p:extLst>
     <p:ext uri="{EFAFB233-063F-42B5-8137-9DF3F51BA10A}">
-      <p15:sldGuideLst xmlns:p15="http://schemas.microsoft.com/office/powerpoint/2012/main">
+      <p15:sldGuideLst xmlns:p15="http://schemas.microsoft.com/office/powerpoint/2012/main" xmlns="">
         <p15:guide id="1" orient="horz" pos="2160">
           <p15:clr>
             <a:srgbClr val="A4A3A4"/>
@@ -222,7 +228,7 @@
           <a:p>
             <a:fld id="{923AD9A0-7C28-45B2-8C5B-BC4A6147786B}" type="datetimeFigureOut">
               <a:rPr lang="en-NZ" smtClean="0"/>
-              <a:t>12/03/2018</a:t>
+              <a:t>13/03/2018</a:t>
             </a:fld>
             <a:endParaRPr lang="en-NZ"/>
           </a:p>
@@ -755,7 +761,7 @@
           <a:p>
             <a:fld id="{1CDF7B74-3234-421C-A60D-9AFB2D5D5689}" type="datetimeFigureOut">
               <a:rPr lang="en-NZ" smtClean="0"/>
-              <a:t>12/03/2018</a:t>
+              <a:t>13/03/2018</a:t>
             </a:fld>
             <a:endParaRPr lang="en-NZ"/>
           </a:p>
@@ -925,7 +931,7 @@
           <a:p>
             <a:fld id="{1CDF7B74-3234-421C-A60D-9AFB2D5D5689}" type="datetimeFigureOut">
               <a:rPr lang="en-NZ" smtClean="0"/>
-              <a:t>12/03/2018</a:t>
+              <a:t>13/03/2018</a:t>
             </a:fld>
             <a:endParaRPr lang="en-NZ"/>
           </a:p>
@@ -1105,7 +1111,7 @@
           <a:p>
             <a:fld id="{1CDF7B74-3234-421C-A60D-9AFB2D5D5689}" type="datetimeFigureOut">
               <a:rPr lang="en-NZ" smtClean="0"/>
-              <a:t>12/03/2018</a:t>
+              <a:t>13/03/2018</a:t>
             </a:fld>
             <a:endParaRPr lang="en-NZ"/>
           </a:p>
@@ -1275,7 +1281,7 @@
           <a:p>
             <a:fld id="{1CDF7B74-3234-421C-A60D-9AFB2D5D5689}" type="datetimeFigureOut">
               <a:rPr lang="en-NZ" smtClean="0"/>
-              <a:t>12/03/2018</a:t>
+              <a:t>13/03/2018</a:t>
             </a:fld>
             <a:endParaRPr lang="en-NZ"/>
           </a:p>
@@ -1521,7 +1527,7 @@
           <a:p>
             <a:fld id="{1CDF7B74-3234-421C-A60D-9AFB2D5D5689}" type="datetimeFigureOut">
               <a:rPr lang="en-NZ" smtClean="0"/>
-              <a:t>12/03/2018</a:t>
+              <a:t>13/03/2018</a:t>
             </a:fld>
             <a:endParaRPr lang="en-NZ"/>
           </a:p>
@@ -1809,7 +1815,7 @@
           <a:p>
             <a:fld id="{1CDF7B74-3234-421C-A60D-9AFB2D5D5689}" type="datetimeFigureOut">
               <a:rPr lang="en-NZ" smtClean="0"/>
-              <a:t>12/03/2018</a:t>
+              <a:t>13/03/2018</a:t>
             </a:fld>
             <a:endParaRPr lang="en-NZ"/>
           </a:p>
@@ -2231,7 +2237,7 @@
           <a:p>
             <a:fld id="{1CDF7B74-3234-421C-A60D-9AFB2D5D5689}" type="datetimeFigureOut">
               <a:rPr lang="en-NZ" smtClean="0"/>
-              <a:t>12/03/2018</a:t>
+              <a:t>13/03/2018</a:t>
             </a:fld>
             <a:endParaRPr lang="en-NZ"/>
           </a:p>
@@ -2349,7 +2355,7 @@
           <a:p>
             <a:fld id="{1CDF7B74-3234-421C-A60D-9AFB2D5D5689}" type="datetimeFigureOut">
               <a:rPr lang="en-NZ" smtClean="0"/>
-              <a:t>12/03/2018</a:t>
+              <a:t>13/03/2018</a:t>
             </a:fld>
             <a:endParaRPr lang="en-NZ"/>
           </a:p>
@@ -2444,7 +2450,7 @@
           <a:p>
             <a:fld id="{1CDF7B74-3234-421C-A60D-9AFB2D5D5689}" type="datetimeFigureOut">
               <a:rPr lang="en-NZ" smtClean="0"/>
-              <a:t>12/03/2018</a:t>
+              <a:t>13/03/2018</a:t>
             </a:fld>
             <a:endParaRPr lang="en-NZ"/>
           </a:p>
@@ -2721,7 +2727,7 @@
           <a:p>
             <a:fld id="{1CDF7B74-3234-421C-A60D-9AFB2D5D5689}" type="datetimeFigureOut">
               <a:rPr lang="en-NZ" smtClean="0"/>
-              <a:t>12/03/2018</a:t>
+              <a:t>13/03/2018</a:t>
             </a:fld>
             <a:endParaRPr lang="en-NZ"/>
           </a:p>
@@ -2978,7 +2984,7 @@
           <a:p>
             <a:fld id="{1CDF7B74-3234-421C-A60D-9AFB2D5D5689}" type="datetimeFigureOut">
               <a:rPr lang="en-NZ" smtClean="0"/>
-              <a:t>12/03/2018</a:t>
+              <a:t>13/03/2018</a:t>
             </a:fld>
             <a:endParaRPr lang="en-NZ"/>
           </a:p>
@@ -3191,7 +3197,7 @@
           <a:p>
             <a:fld id="{1CDF7B74-3234-421C-A60D-9AFB2D5D5689}" type="datetimeFigureOut">
               <a:rPr lang="en-NZ" smtClean="0"/>
-              <a:t>12/03/2018</a:t>
+              <a:t>13/03/2018</a:t>
             </a:fld>
             <a:endParaRPr lang="en-NZ"/>
           </a:p>
@@ -3611,6 +3617,14 @@
               </a:rPr>
               <a:t>Clearing the Jungle of Stochastic Optimization</a:t>
             </a:r>
+            <a:r>
+              <a:rPr lang="en-NZ" sz="3600" dirty="0">
+                <a:solidFill>
+                  <a:srgbClr val="1F497D"/>
+                </a:solidFill>
+              </a:rPr>
+              <a:t/>
+            </a:r>
             <a:br>
               <a:rPr lang="en-NZ" sz="3600" dirty="0">
                 <a:solidFill>
@@ -3618,6 +3632,14 @@
                 </a:solidFill>
               </a:rPr>
             </a:br>
+            <a:r>
+              <a:rPr lang="en-NZ" sz="4000" cap="none" dirty="0">
+                <a:solidFill>
+                  <a:srgbClr val="1F497D"/>
+                </a:solidFill>
+              </a:rPr>
+              <a:t/>
+            </a:r>
             <a:br>
               <a:rPr lang="en-NZ" sz="4000" cap="none" dirty="0">
                 <a:solidFill>
@@ -3653,6 +3675,14 @@
               </a:rPr>
               <a:t>a</a:t>
             </a:r>
+            <a:r>
+              <a:rPr lang="en-NZ" sz="2000" dirty="0">
+                <a:solidFill>
+                  <a:srgbClr val="1F497D"/>
+                </a:solidFill>
+              </a:rPr>
+              <a:t/>
+            </a:r>
             <a:br>
               <a:rPr lang="en-NZ" sz="2000" dirty="0">
                 <a:solidFill>
@@ -3660,6 +3690,14 @@
                 </a:solidFill>
               </a:rPr>
             </a:br>
+            <a:r>
+              <a:rPr lang="en-NZ" sz="1600" i="1" dirty="0">
+                <a:solidFill>
+                  <a:srgbClr val="1F497D"/>
+                </a:solidFill>
+              </a:rPr>
+              <a:t/>
+            </a:r>
             <a:br>
               <a:rPr lang="en-NZ" sz="1600" i="1" dirty="0">
                 <a:solidFill>
@@ -3696,6 +3734,14 @@
                 </a:solidFill>
               </a:rPr>
             </a:br>
+            <a:r>
+              <a:rPr lang="en-NZ" sz="1200" i="1" dirty="0">
+                <a:solidFill>
+                  <a:srgbClr val="1F497D"/>
+                </a:solidFill>
+              </a:rPr>
+              <a:t/>
+            </a:r>
             <a:br>
               <a:rPr lang="en-NZ" sz="1200" i="1" dirty="0">
                 <a:solidFill>
@@ -3802,14 +3848,14 @@
           <a:chExt cx="0" cy="0"/>
         </a:xfrm>
       </p:grpSpPr>
-      <mc:AlternateContent xmlns:mc="http://schemas.openxmlformats.org/markup-compatibility/2006">
-        <mc:Choice xmlns:a14="http://schemas.microsoft.com/office/drawing/2010/main" Requires="a14">
+      <mc:AlternateContent xmlns:mc="http://schemas.openxmlformats.org/markup-compatibility/2006" xmlns:a14="http://schemas.microsoft.com/office/drawing/2010/main">
+        <mc:Choice Requires="a14">
           <p:sp>
             <p:nvSpPr>
               <p:cNvPr id="4" name="TextBox 3">
                 <a:extLst>
                   <a:ext uri="{FF2B5EF4-FFF2-40B4-BE49-F238E27FC236}">
-                    <a16:creationId xmlns:a16="http://schemas.microsoft.com/office/drawing/2014/main" id="{6A003F16-90A5-4089-A690-8028B99A5A2A}"/>
+                    <a16:creationId xmlns:a16="http://schemas.microsoft.com/office/drawing/2014/main" xmlns="" id="{6A003F16-90A5-4089-A690-8028B99A5A2A}"/>
                   </a:ext>
                 </a:extLst>
               </p:cNvPr>
@@ -3863,7 +3909,7 @@
                       <m:sSubPr>
                         <m:ctrlPr>
                           <a:rPr lang="en-NZ" i="1">
-                            <a:latin typeface="Cambria Math" panose="02040503050406030204" pitchFamily="18" charset="0"/>
+                            <a:latin typeface="Cambria Math"/>
                           </a:rPr>
                         </m:ctrlPr>
                       </m:sSubPr>
@@ -3896,7 +3942,7 @@
                       <m:sSubPr>
                         <m:ctrlPr>
                           <a:rPr lang="en-NZ" b="0" i="1" smtClean="0">
-                            <a:latin typeface="Cambria Math" panose="02040503050406030204" pitchFamily="18" charset="0"/>
+                            <a:latin typeface="Cambria Math"/>
                           </a:rPr>
                         </m:ctrlPr>
                       </m:sSubPr>
@@ -3929,7 +3975,7 @@
                       <m:sSubPr>
                         <m:ctrlPr>
                           <a:rPr lang="en-NZ" i="1">
-                            <a:latin typeface="Cambria Math" panose="02040503050406030204" pitchFamily="18" charset="0"/>
+                            <a:latin typeface="Cambria Math"/>
                           </a:rPr>
                         </m:ctrlPr>
                       </m:sSubPr>
@@ -3984,7 +4030,7 @@
                       <m:sSubPr>
                         <m:ctrlPr>
                           <a:rPr lang="en-NZ" i="1">
-                            <a:latin typeface="Cambria Math" panose="02040503050406030204" pitchFamily="18" charset="0"/>
+                            <a:latin typeface="Cambria Math"/>
                           </a:rPr>
                         </m:ctrlPr>
                       </m:sSubPr>
@@ -4015,7 +4061,7 @@
                       <m:sSubPr>
                         <m:ctrlPr>
                           <a:rPr lang="en-NZ" i="1">
-                            <a:latin typeface="Cambria Math" panose="02040503050406030204" pitchFamily="18" charset="0"/>
+                            <a:latin typeface="Cambria Math"/>
                           </a:rPr>
                         </m:ctrlPr>
                       </m:sSubPr>
@@ -4046,7 +4092,7 @@
                       <m:sSubPr>
                         <m:ctrlPr>
                           <a:rPr lang="en-NZ" b="0" i="1" smtClean="0">
-                            <a:latin typeface="Cambria Math" panose="02040503050406030204" pitchFamily="18" charset="0"/>
+                            <a:latin typeface="Cambria Math"/>
                           </a:rPr>
                         </m:ctrlPr>
                       </m:sSubPr>
@@ -4077,7 +4123,7 @@
                       <m:sSubPr>
                         <m:ctrlPr>
                           <a:rPr lang="en-NZ" b="0" i="1" smtClean="0">
-                            <a:latin typeface="Cambria Math" panose="02040503050406030204" pitchFamily="18" charset="0"/>
+                            <a:latin typeface="Cambria Math"/>
                           </a:rPr>
                         </m:ctrlPr>
                       </m:sSubPr>
@@ -4114,7 +4160,7 @@
             </p:txBody>
           </p:sp>
         </mc:Choice>
-        <mc:Fallback>
+        <mc:Fallback xmlns="">
           <p:sp>
             <p:nvSpPr>
               <p:cNvPr id="4" name="TextBox 3">
@@ -4194,7 +4240,7 @@
           <p:cNvPr id="2" name="Rectangle 1">
             <a:extLst>
               <a:ext uri="{FF2B5EF4-FFF2-40B4-BE49-F238E27FC236}">
-                <a16:creationId xmlns:a16="http://schemas.microsoft.com/office/drawing/2014/main" id="{13A35C6F-D2F4-467F-AAB3-0CFEDFA06766}"/>
+                <a16:creationId xmlns:a16="http://schemas.microsoft.com/office/drawing/2014/main" xmlns="" id="{13A35C6F-D2F4-467F-AAB3-0CFEDFA06766}"/>
               </a:ext>
             </a:extLst>
           </p:cNvPr>
@@ -4243,7 +4289,7 @@
           <p:cNvPr id="4" name="Straight Arrow Connector 3">
             <a:extLst>
               <a:ext uri="{FF2B5EF4-FFF2-40B4-BE49-F238E27FC236}">
-                <a16:creationId xmlns:a16="http://schemas.microsoft.com/office/drawing/2014/main" id="{B3D889F0-E9B8-4E90-B852-8B03A7C116FE}"/>
+                <a16:creationId xmlns:a16="http://schemas.microsoft.com/office/drawing/2014/main" xmlns="" id="{B3D889F0-E9B8-4E90-B852-8B03A7C116FE}"/>
               </a:ext>
             </a:extLst>
           </p:cNvPr>
@@ -4287,7 +4333,7 @@
           <p:cNvPr id="5" name="Straight Arrow Connector 4">
             <a:extLst>
               <a:ext uri="{FF2B5EF4-FFF2-40B4-BE49-F238E27FC236}">
-                <a16:creationId xmlns:a16="http://schemas.microsoft.com/office/drawing/2014/main" id="{98408B9B-AEB6-46AB-972E-A5F98770635C}"/>
+                <a16:creationId xmlns:a16="http://schemas.microsoft.com/office/drawing/2014/main" xmlns="" id="{98408B9B-AEB6-46AB-972E-A5F98770635C}"/>
               </a:ext>
             </a:extLst>
           </p:cNvPr>
@@ -4329,7 +4375,7 @@
           <p:cNvPr id="9" name="Freeform: Shape 8">
             <a:extLst>
               <a:ext uri="{FF2B5EF4-FFF2-40B4-BE49-F238E27FC236}">
-                <a16:creationId xmlns:a16="http://schemas.microsoft.com/office/drawing/2014/main" id="{11EAF84D-B1B6-4C71-949A-59C9197BBA18}"/>
+                <a16:creationId xmlns:a16="http://schemas.microsoft.com/office/drawing/2014/main" xmlns="" id="{11EAF84D-B1B6-4C71-949A-59C9197BBA18}"/>
               </a:ext>
             </a:extLst>
           </p:cNvPr>
@@ -4445,14 +4491,14 @@
           </a:p>
         </p:txBody>
       </p:sp>
-      <mc:AlternateContent xmlns:mc="http://schemas.openxmlformats.org/markup-compatibility/2006">
-        <mc:Choice xmlns:a14="http://schemas.microsoft.com/office/drawing/2010/main" Requires="a14">
+      <mc:AlternateContent xmlns:mc="http://schemas.openxmlformats.org/markup-compatibility/2006" xmlns:a14="http://schemas.microsoft.com/office/drawing/2010/main">
+        <mc:Choice Requires="a14">
           <p:sp>
             <p:nvSpPr>
               <p:cNvPr id="11" name="TextBox 10">
                 <a:extLst>
                   <a:ext uri="{FF2B5EF4-FFF2-40B4-BE49-F238E27FC236}">
-                    <a16:creationId xmlns:a16="http://schemas.microsoft.com/office/drawing/2014/main" id="{2FBF04D2-A634-4449-A3C9-F7D410B952C2}"/>
+                    <a16:creationId xmlns:a16="http://schemas.microsoft.com/office/drawing/2014/main" xmlns="" id="{2FBF04D2-A634-4449-A3C9-F7D410B952C2}"/>
                   </a:ext>
                 </a:extLst>
               </p:cNvPr>
@@ -4475,6 +4521,7 @@
               </a:bodyPr>
               <a:lstStyle/>
               <a:p>
+                <a:pPr/>
                 <a14:m>
                   <m:oMathPara xmlns:m="http://schemas.openxmlformats.org/officeDocument/2006/math">
                     <m:oMathParaPr>
@@ -4485,7 +4532,7 @@
                         <m:sSubPr>
                           <m:ctrlPr>
                             <a:rPr lang="en-NZ" sz="4400" b="0" i="1" smtClean="0">
-                              <a:latin typeface="Cambria Math" panose="02040503050406030204" pitchFamily="18" charset="0"/>
+                              <a:latin typeface="Cambria Math"/>
                             </a:rPr>
                           </m:ctrlPr>
                         </m:sSubPr>
@@ -4514,7 +4561,7 @@
             </p:txBody>
           </p:sp>
         </mc:Choice>
-        <mc:Fallback>
+        <mc:Fallback xmlns="">
           <p:sp>
             <p:nvSpPr>
               <p:cNvPr id="11" name="TextBox 10">
@@ -4559,14 +4606,14 @@
           </p:sp>
         </mc:Fallback>
       </mc:AlternateContent>
-      <mc:AlternateContent xmlns:mc="http://schemas.openxmlformats.org/markup-compatibility/2006">
-        <mc:Choice xmlns:a14="http://schemas.microsoft.com/office/drawing/2010/main" Requires="a14">
+      <mc:AlternateContent xmlns:mc="http://schemas.openxmlformats.org/markup-compatibility/2006" xmlns:a14="http://schemas.microsoft.com/office/drawing/2010/main">
+        <mc:Choice Requires="a14">
           <p:sp>
             <p:nvSpPr>
               <p:cNvPr id="12" name="TextBox 11">
                 <a:extLst>
                   <a:ext uri="{FF2B5EF4-FFF2-40B4-BE49-F238E27FC236}">
-                    <a16:creationId xmlns:a16="http://schemas.microsoft.com/office/drawing/2014/main" id="{83AFA357-4D26-4AD4-8B25-EB94B0D360CC}"/>
+                    <a16:creationId xmlns:a16="http://schemas.microsoft.com/office/drawing/2014/main" xmlns="" id="{83AFA357-4D26-4AD4-8B25-EB94B0D360CC}"/>
                   </a:ext>
                 </a:extLst>
               </p:cNvPr>
@@ -4589,6 +4636,7 @@
               </a:bodyPr>
               <a:lstStyle/>
               <a:p>
+                <a:pPr/>
                 <a14:m>
                   <m:oMathPara xmlns:m="http://schemas.openxmlformats.org/officeDocument/2006/math">
                     <m:oMathParaPr>
@@ -4599,7 +4647,7 @@
                         <m:sSubSupPr>
                           <m:ctrlPr>
                             <a:rPr lang="en-NZ" sz="4400" b="0" i="1" smtClean="0">
-                              <a:latin typeface="Cambria Math" panose="02040503050406030204" pitchFamily="18" charset="0"/>
+                              <a:latin typeface="Cambria Math"/>
                             </a:rPr>
                           </m:ctrlPr>
                         </m:sSubSupPr>
@@ -4636,7 +4684,7 @@
             </p:txBody>
           </p:sp>
         </mc:Choice>
-        <mc:Fallback>
+        <mc:Fallback xmlns="">
           <p:sp>
             <p:nvSpPr>
               <p:cNvPr id="12" name="TextBox 11">
@@ -4681,14 +4729,14 @@
           </p:sp>
         </mc:Fallback>
       </mc:AlternateContent>
-      <mc:AlternateContent xmlns:mc="http://schemas.openxmlformats.org/markup-compatibility/2006">
-        <mc:Choice xmlns:a14="http://schemas.microsoft.com/office/drawing/2010/main" Requires="a14">
+      <mc:AlternateContent xmlns:mc="http://schemas.openxmlformats.org/markup-compatibility/2006" xmlns:a14="http://schemas.microsoft.com/office/drawing/2010/main">
+        <mc:Choice Requires="a14">
           <p:sp>
             <p:nvSpPr>
               <p:cNvPr id="13" name="TextBox 12">
                 <a:extLst>
                   <a:ext uri="{FF2B5EF4-FFF2-40B4-BE49-F238E27FC236}">
-                    <a16:creationId xmlns:a16="http://schemas.microsoft.com/office/drawing/2014/main" id="{8C00AAF7-BBD0-4D0E-8636-AB888C18EF7C}"/>
+                    <a16:creationId xmlns:a16="http://schemas.microsoft.com/office/drawing/2014/main" xmlns="" id="{8C00AAF7-BBD0-4D0E-8636-AB888C18EF7C}"/>
                   </a:ext>
                 </a:extLst>
               </p:cNvPr>
@@ -4711,6 +4759,7 @@
               </a:bodyPr>
               <a:lstStyle/>
               <a:p>
+                <a:pPr/>
                 <a14:m>
                   <m:oMathPara xmlns:m="http://schemas.openxmlformats.org/officeDocument/2006/math">
                     <m:oMathParaPr>
@@ -4721,7 +4770,7 @@
                         <m:sSubPr>
                           <m:ctrlPr>
                             <a:rPr lang="en-NZ" sz="3600" b="0" i="1" smtClean="0">
-                              <a:latin typeface="Cambria Math" panose="02040503050406030204" pitchFamily="18" charset="0"/>
+                              <a:latin typeface="Cambria Math"/>
                             </a:rPr>
                           </m:ctrlPr>
                         </m:sSubPr>
@@ -4752,7 +4801,7 @@
                         <m:sSubPr>
                           <m:ctrlPr>
                             <a:rPr lang="en-NZ" sz="3600" b="0" i="1" smtClean="0">
-                              <a:latin typeface="Cambria Math" panose="02040503050406030204" pitchFamily="18" charset="0"/>
+                              <a:latin typeface="Cambria Math"/>
                             </a:rPr>
                           </m:ctrlPr>
                         </m:sSubPr>
@@ -4783,7 +4832,7 @@
                         <m:sSubPr>
                           <m:ctrlPr>
                             <a:rPr lang="en-NZ" sz="3600" b="0" i="1" smtClean="0">
-                              <a:latin typeface="Cambria Math" panose="02040503050406030204" pitchFamily="18" charset="0"/>
+                              <a:latin typeface="Cambria Math"/>
                             </a:rPr>
                           </m:ctrlPr>
                         </m:sSubPr>
@@ -4817,7 +4866,7 @@
                               <a:solidFill>
                                 <a:schemeClr val="tx1"/>
                               </a:solidFill>
-                              <a:latin typeface="Cambria Math" panose="02040503050406030204" pitchFamily="18" charset="0"/>
+                              <a:latin typeface="Cambria Math"/>
                             </a:rPr>
                           </m:ctrlPr>
                         </m:sSubPr>
@@ -4858,7 +4907,7 @@
             </p:txBody>
           </p:sp>
         </mc:Choice>
-        <mc:Fallback>
+        <mc:Fallback xmlns="">
           <p:sp>
             <p:nvSpPr>
               <p:cNvPr id="13" name="TextBox 12">
@@ -4903,14 +4952,14 @@
           </p:sp>
         </mc:Fallback>
       </mc:AlternateContent>
-      <mc:AlternateContent xmlns:mc="http://schemas.openxmlformats.org/markup-compatibility/2006">
-        <mc:Choice xmlns:a14="http://schemas.microsoft.com/office/drawing/2010/main" Requires="a14">
+      <mc:AlternateContent xmlns:mc="http://schemas.openxmlformats.org/markup-compatibility/2006" xmlns:a14="http://schemas.microsoft.com/office/drawing/2010/main">
+        <mc:Choice Requires="a14">
           <p:sp>
             <p:nvSpPr>
               <p:cNvPr id="14" name="TextBox 13">
                 <a:extLst>
                   <a:ext uri="{FF2B5EF4-FFF2-40B4-BE49-F238E27FC236}">
-                    <a16:creationId xmlns:a16="http://schemas.microsoft.com/office/drawing/2014/main" id="{B383B56A-6AEA-4A4E-866B-F06D906D641C}"/>
+                    <a16:creationId xmlns:a16="http://schemas.microsoft.com/office/drawing/2014/main" xmlns="" id="{B383B56A-6AEA-4A4E-866B-F06D906D641C}"/>
                   </a:ext>
                 </a:extLst>
               </p:cNvPr>
@@ -4933,6 +4982,7 @@
               </a:bodyPr>
               <a:lstStyle/>
               <a:p>
+                <a:pPr/>
                 <a14:m>
                   <m:oMathPara xmlns:m="http://schemas.openxmlformats.org/officeDocument/2006/math">
                     <m:oMathParaPr>
@@ -4943,7 +4993,7 @@
                         <m:sSubSupPr>
                           <m:ctrlPr>
                             <a:rPr lang="en-NZ" sz="3600" b="0" i="1" smtClean="0">
-                              <a:latin typeface="Cambria Math" panose="02040503050406030204" pitchFamily="18" charset="0"/>
+                              <a:latin typeface="Cambria Math"/>
                             </a:rPr>
                           </m:ctrlPr>
                         </m:sSubSupPr>
@@ -4982,7 +5032,7 @@
                         <m:sSubPr>
                           <m:ctrlPr>
                             <a:rPr lang="en-NZ" sz="3600" b="0" i="1" smtClean="0">
-                              <a:latin typeface="Cambria Math" panose="02040503050406030204" pitchFamily="18" charset="0"/>
+                              <a:latin typeface="Cambria Math"/>
                             </a:rPr>
                           </m:ctrlPr>
                         </m:sSubPr>
@@ -5013,7 +5063,7 @@
                         <m:sSubPr>
                           <m:ctrlPr>
                             <a:rPr lang="en-NZ" sz="3600" b="0" i="1" smtClean="0">
-                              <a:latin typeface="Cambria Math" panose="02040503050406030204" pitchFamily="18" charset="0"/>
+                              <a:latin typeface="Cambria Math"/>
                             </a:rPr>
                           </m:ctrlPr>
                         </m:sSubPr>
@@ -5044,7 +5094,7 @@
                         <m:sSubPr>
                           <m:ctrlPr>
                             <a:rPr lang="en-NZ" sz="3600" b="0" i="1" smtClean="0">
-                              <a:latin typeface="Cambria Math" panose="02040503050406030204" pitchFamily="18" charset="0"/>
+                              <a:latin typeface="Cambria Math"/>
                             </a:rPr>
                           </m:ctrlPr>
                         </m:sSubPr>
@@ -5075,7 +5125,7 @@
                         <m:sSubPr>
                           <m:ctrlPr>
                             <a:rPr lang="en-NZ" sz="3600" b="0" i="1" smtClean="0">
-                              <a:latin typeface="Cambria Math" panose="02040503050406030204" pitchFamily="18" charset="0"/>
+                              <a:latin typeface="Cambria Math"/>
                             </a:rPr>
                           </m:ctrlPr>
                         </m:sSubPr>
@@ -5110,7 +5160,7 @@
             </p:txBody>
           </p:sp>
         </mc:Choice>
-        <mc:Fallback>
+        <mc:Fallback xmlns="">
           <p:sp>
             <p:nvSpPr>
               <p:cNvPr id="14" name="TextBox 13">
@@ -5155,14 +5205,14 @@
           </p:sp>
         </mc:Fallback>
       </mc:AlternateContent>
-      <mc:AlternateContent xmlns:mc="http://schemas.openxmlformats.org/markup-compatibility/2006">
-        <mc:Choice xmlns:a14="http://schemas.microsoft.com/office/drawing/2010/main" Requires="a14">
+      <mc:AlternateContent xmlns:mc="http://schemas.openxmlformats.org/markup-compatibility/2006" xmlns:a14="http://schemas.microsoft.com/office/drawing/2010/main">
+        <mc:Choice Requires="a14">
           <p:sp>
             <p:nvSpPr>
               <p:cNvPr id="15" name="TextBox 14">
                 <a:extLst>
                   <a:ext uri="{FF2B5EF4-FFF2-40B4-BE49-F238E27FC236}">
-                    <a16:creationId xmlns:a16="http://schemas.microsoft.com/office/drawing/2014/main" id="{FC355C08-F709-432D-98AE-1C6B9D77222B}"/>
+                    <a16:creationId xmlns:a16="http://schemas.microsoft.com/office/drawing/2014/main" xmlns="" id="{FC355C08-F709-432D-98AE-1C6B9D77222B}"/>
                   </a:ext>
                 </a:extLst>
               </p:cNvPr>
@@ -5185,6 +5235,7 @@
               </a:bodyPr>
               <a:lstStyle/>
               <a:p>
+                <a:pPr/>
                 <a14:m>
                   <m:oMathPara xmlns:m="http://schemas.openxmlformats.org/officeDocument/2006/math">
                     <m:oMathParaPr>
@@ -5195,7 +5246,7 @@
                         <m:sSubPr>
                           <m:ctrlPr>
                             <a:rPr lang="en-NZ" sz="4400" b="0" i="1" smtClean="0">
-                              <a:latin typeface="Cambria Math" panose="02040503050406030204" pitchFamily="18" charset="0"/>
+                              <a:latin typeface="Cambria Math"/>
                             </a:rPr>
                           </m:ctrlPr>
                         </m:sSubPr>
@@ -5224,7 +5275,7 @@
             </p:txBody>
           </p:sp>
         </mc:Choice>
-        <mc:Fallback>
+        <mc:Fallback xmlns="">
           <p:sp>
             <p:nvSpPr>
               <p:cNvPr id="15" name="TextBox 14">
@@ -5269,14 +5320,14 @@
           </p:sp>
         </mc:Fallback>
       </mc:AlternateContent>
-      <mc:AlternateContent xmlns:mc="http://schemas.openxmlformats.org/markup-compatibility/2006">
-        <mc:Choice xmlns:a14="http://schemas.microsoft.com/office/drawing/2010/main" Requires="a14">
+      <mc:AlternateContent xmlns:mc="http://schemas.openxmlformats.org/markup-compatibility/2006" xmlns:a14="http://schemas.microsoft.com/office/drawing/2010/main">
+        <mc:Choice Requires="a14">
           <p:sp>
             <p:nvSpPr>
               <p:cNvPr id="16" name="TextBox 15">
                 <a:extLst>
                   <a:ext uri="{FF2B5EF4-FFF2-40B4-BE49-F238E27FC236}">
-                    <a16:creationId xmlns:a16="http://schemas.microsoft.com/office/drawing/2014/main" id="{28D121F1-E103-4F6D-AD6A-E4640D030687}"/>
+                    <a16:creationId xmlns:a16="http://schemas.microsoft.com/office/drawing/2014/main" xmlns="" id="{28D121F1-E103-4F6D-AD6A-E4640D030687}"/>
                   </a:ext>
                 </a:extLst>
               </p:cNvPr>
@@ -5299,6 +5350,7 @@
               </a:bodyPr>
               <a:lstStyle/>
               <a:p>
+                <a:pPr/>
                 <a14:m>
                   <m:oMathPara xmlns:m="http://schemas.openxmlformats.org/officeDocument/2006/math">
                     <m:oMathParaPr>
@@ -5309,7 +5361,7 @@
                         <m:sSubPr>
                           <m:ctrlPr>
                             <a:rPr lang="en-NZ" sz="4400" b="0" i="1" smtClean="0">
-                              <a:latin typeface="Cambria Math" panose="02040503050406030204" pitchFamily="18" charset="0"/>
+                              <a:latin typeface="Cambria Math"/>
                             </a:rPr>
                           </m:ctrlPr>
                         </m:sSubPr>
@@ -5341,7 +5393,7 @@
             </p:txBody>
           </p:sp>
         </mc:Choice>
-        <mc:Fallback>
+        <mc:Fallback xmlns="">
           <p:sp>
             <p:nvSpPr>
               <p:cNvPr id="16" name="TextBox 15">
@@ -5391,7 +5443,7 @@
           <p:cNvPr id="17" name="Straight Arrow Connector 16">
             <a:extLst>
               <a:ext uri="{FF2B5EF4-FFF2-40B4-BE49-F238E27FC236}">
-                <a16:creationId xmlns:a16="http://schemas.microsoft.com/office/drawing/2014/main" id="{8A8AC623-5B31-4E42-9416-C82D2E67B442}"/>
+                <a16:creationId xmlns:a16="http://schemas.microsoft.com/office/drawing/2014/main" xmlns="" id="{8A8AC623-5B31-4E42-9416-C82D2E67B442}"/>
               </a:ext>
             </a:extLst>
           </p:cNvPr>
@@ -5430,14 +5482,14 @@
           </a:fontRef>
         </p:style>
       </p:cxnSp>
-      <mc:AlternateContent xmlns:mc="http://schemas.openxmlformats.org/markup-compatibility/2006">
-        <mc:Choice xmlns:a14="http://schemas.microsoft.com/office/drawing/2010/main" Requires="a14">
+      <mc:AlternateContent xmlns:mc="http://schemas.openxmlformats.org/markup-compatibility/2006" xmlns:a14="http://schemas.microsoft.com/office/drawing/2010/main">
+        <mc:Choice Requires="a14">
           <p:sp>
             <p:nvSpPr>
               <p:cNvPr id="18" name="TextBox 17">
                 <a:extLst>
                   <a:ext uri="{FF2B5EF4-FFF2-40B4-BE49-F238E27FC236}">
-                    <a16:creationId xmlns:a16="http://schemas.microsoft.com/office/drawing/2014/main" id="{DF23C3BC-78FD-4315-B54C-A4F10B845A7A}"/>
+                    <a16:creationId xmlns:a16="http://schemas.microsoft.com/office/drawing/2014/main" xmlns="" id="{DF23C3BC-78FD-4315-B54C-A4F10B845A7A}"/>
                   </a:ext>
                 </a:extLst>
               </p:cNvPr>
@@ -5460,6 +5512,7 @@
               </a:bodyPr>
               <a:lstStyle/>
               <a:p>
+                <a:pPr/>
                 <a14:m>
                   <m:oMathPara xmlns:m="http://schemas.openxmlformats.org/officeDocument/2006/math">
                     <m:oMathParaPr>
@@ -5470,7 +5523,7 @@
                         <m:sSubPr>
                           <m:ctrlPr>
                             <a:rPr lang="en-NZ" sz="3600" b="0" i="1" smtClean="0">
-                              <a:latin typeface="Cambria Math" panose="02040503050406030204" pitchFamily="18" charset="0"/>
+                              <a:latin typeface="Cambria Math"/>
                             </a:rPr>
                           </m:ctrlPr>
                         </m:sSubPr>
@@ -5501,7 +5554,7 @@
                         <m:sSubPr>
                           <m:ctrlPr>
                             <a:rPr lang="en-NZ" sz="3600" b="0" i="1" smtClean="0">
-                              <a:latin typeface="Cambria Math" panose="02040503050406030204" pitchFamily="18" charset="0"/>
+                              <a:latin typeface="Cambria Math"/>
                             </a:rPr>
                           </m:ctrlPr>
                         </m:sSubPr>
@@ -5532,7 +5585,7 @@
                         <m:sSubPr>
                           <m:ctrlPr>
                             <a:rPr lang="en-NZ" sz="3600" b="0" i="1" smtClean="0">
-                              <a:latin typeface="Cambria Math" panose="02040503050406030204" pitchFamily="18" charset="0"/>
+                              <a:latin typeface="Cambria Math"/>
                             </a:rPr>
                           </m:ctrlPr>
                         </m:sSubPr>
@@ -5563,7 +5616,7 @@
                         <m:sSubPr>
                           <m:ctrlPr>
                             <a:rPr lang="en-NZ" sz="3600" b="0" i="1" smtClean="0">
-                              <a:latin typeface="Cambria Math" panose="02040503050406030204" pitchFamily="18" charset="0"/>
+                              <a:latin typeface="Cambria Math"/>
                             </a:rPr>
                           </m:ctrlPr>
                         </m:sSubPr>
@@ -5598,7 +5651,7 @@
             </p:txBody>
           </p:sp>
         </mc:Choice>
-        <mc:Fallback>
+        <mc:Fallback xmlns="">
           <p:sp>
             <p:nvSpPr>
               <p:cNvPr id="18" name="TextBox 17">
@@ -5678,7 +5731,7 @@
           <p:cNvPr id="2" name="Rectangle 1">
             <a:extLst>
               <a:ext uri="{FF2B5EF4-FFF2-40B4-BE49-F238E27FC236}">
-                <a16:creationId xmlns:a16="http://schemas.microsoft.com/office/drawing/2014/main" id="{13A35C6F-D2F4-467F-AAB3-0CFEDFA06766}"/>
+                <a16:creationId xmlns:a16="http://schemas.microsoft.com/office/drawing/2014/main" xmlns="" id="{13A35C6F-D2F4-467F-AAB3-0CFEDFA06766}"/>
               </a:ext>
             </a:extLst>
           </p:cNvPr>
@@ -5727,7 +5780,7 @@
           <p:cNvPr id="4" name="Straight Arrow Connector 3">
             <a:extLst>
               <a:ext uri="{FF2B5EF4-FFF2-40B4-BE49-F238E27FC236}">
-                <a16:creationId xmlns:a16="http://schemas.microsoft.com/office/drawing/2014/main" id="{B3D889F0-E9B8-4E90-B852-8B03A7C116FE}"/>
+                <a16:creationId xmlns:a16="http://schemas.microsoft.com/office/drawing/2014/main" xmlns="" id="{B3D889F0-E9B8-4E90-B852-8B03A7C116FE}"/>
               </a:ext>
             </a:extLst>
           </p:cNvPr>
@@ -5771,7 +5824,7 @@
           <p:cNvPr id="5" name="Straight Arrow Connector 4">
             <a:extLst>
               <a:ext uri="{FF2B5EF4-FFF2-40B4-BE49-F238E27FC236}">
-                <a16:creationId xmlns:a16="http://schemas.microsoft.com/office/drawing/2014/main" id="{98408B9B-AEB6-46AB-972E-A5F98770635C}"/>
+                <a16:creationId xmlns:a16="http://schemas.microsoft.com/office/drawing/2014/main" xmlns="" id="{98408B9B-AEB6-46AB-972E-A5F98770635C}"/>
               </a:ext>
             </a:extLst>
           </p:cNvPr>
@@ -5813,7 +5866,7 @@
           <p:cNvPr id="9" name="Freeform: Shape 8">
             <a:extLst>
               <a:ext uri="{FF2B5EF4-FFF2-40B4-BE49-F238E27FC236}">
-                <a16:creationId xmlns:a16="http://schemas.microsoft.com/office/drawing/2014/main" id="{11EAF84D-B1B6-4C71-949A-59C9197BBA18}"/>
+                <a16:creationId xmlns:a16="http://schemas.microsoft.com/office/drawing/2014/main" xmlns="" id="{11EAF84D-B1B6-4C71-949A-59C9197BBA18}"/>
               </a:ext>
             </a:extLst>
           </p:cNvPr>
@@ -5929,14 +5982,14 @@
           </a:p>
         </p:txBody>
       </p:sp>
-      <mc:AlternateContent xmlns:mc="http://schemas.openxmlformats.org/markup-compatibility/2006">
-        <mc:Choice xmlns:a14="http://schemas.microsoft.com/office/drawing/2010/main" Requires="a14">
+      <mc:AlternateContent xmlns:mc="http://schemas.openxmlformats.org/markup-compatibility/2006" xmlns:a14="http://schemas.microsoft.com/office/drawing/2010/main">
+        <mc:Choice Requires="a14">
           <p:sp>
             <p:nvSpPr>
               <p:cNvPr id="11" name="TextBox 10">
                 <a:extLst>
                   <a:ext uri="{FF2B5EF4-FFF2-40B4-BE49-F238E27FC236}">
-                    <a16:creationId xmlns:a16="http://schemas.microsoft.com/office/drawing/2014/main" id="{2FBF04D2-A634-4449-A3C9-F7D410B952C2}"/>
+                    <a16:creationId xmlns:a16="http://schemas.microsoft.com/office/drawing/2014/main" xmlns="" id="{2FBF04D2-A634-4449-A3C9-F7D410B952C2}"/>
                   </a:ext>
                 </a:extLst>
               </p:cNvPr>
@@ -5959,6 +6012,7 @@
               </a:bodyPr>
               <a:lstStyle/>
               <a:p>
+                <a:pPr/>
                 <a14:m>
                   <m:oMathPara xmlns:m="http://schemas.openxmlformats.org/officeDocument/2006/math">
                     <m:oMathParaPr>
@@ -5969,7 +6023,7 @@
                         <m:sSubPr>
                           <m:ctrlPr>
                             <a:rPr lang="en-NZ" sz="4400" b="0" i="1" smtClean="0">
-                              <a:latin typeface="Cambria Math" panose="02040503050406030204" pitchFamily="18" charset="0"/>
+                              <a:latin typeface="Cambria Math"/>
                             </a:rPr>
                           </m:ctrlPr>
                         </m:sSubPr>
@@ -5998,7 +6052,7 @@
             </p:txBody>
           </p:sp>
         </mc:Choice>
-        <mc:Fallback>
+        <mc:Fallback xmlns="">
           <p:sp>
             <p:nvSpPr>
               <p:cNvPr id="11" name="TextBox 10">
@@ -6043,14 +6097,14 @@
           </p:sp>
         </mc:Fallback>
       </mc:AlternateContent>
-      <mc:AlternateContent xmlns:mc="http://schemas.openxmlformats.org/markup-compatibility/2006">
-        <mc:Choice xmlns:a14="http://schemas.microsoft.com/office/drawing/2010/main" Requires="a14">
+      <mc:AlternateContent xmlns:mc="http://schemas.openxmlformats.org/markup-compatibility/2006" xmlns:a14="http://schemas.microsoft.com/office/drawing/2010/main">
+        <mc:Choice Requires="a14">
           <p:sp>
             <p:nvSpPr>
               <p:cNvPr id="12" name="TextBox 11">
                 <a:extLst>
                   <a:ext uri="{FF2B5EF4-FFF2-40B4-BE49-F238E27FC236}">
-                    <a16:creationId xmlns:a16="http://schemas.microsoft.com/office/drawing/2014/main" id="{83AFA357-4D26-4AD4-8B25-EB94B0D360CC}"/>
+                    <a16:creationId xmlns:a16="http://schemas.microsoft.com/office/drawing/2014/main" xmlns="" id="{83AFA357-4D26-4AD4-8B25-EB94B0D360CC}"/>
                   </a:ext>
                 </a:extLst>
               </p:cNvPr>
@@ -6073,6 +6127,7 @@
               </a:bodyPr>
               <a:lstStyle/>
               <a:p>
+                <a:pPr/>
                 <a14:m>
                   <m:oMathPara xmlns:m="http://schemas.openxmlformats.org/officeDocument/2006/math">
                     <m:oMathParaPr>
@@ -6083,7 +6138,7 @@
                         <m:sSubSupPr>
                           <m:ctrlPr>
                             <a:rPr lang="en-NZ" sz="4400" b="0" i="1" smtClean="0">
-                              <a:latin typeface="Cambria Math" panose="02040503050406030204" pitchFamily="18" charset="0"/>
+                              <a:latin typeface="Cambria Math"/>
                             </a:rPr>
                           </m:ctrlPr>
                         </m:sSubSupPr>
@@ -6120,7 +6175,7 @@
             </p:txBody>
           </p:sp>
         </mc:Choice>
-        <mc:Fallback>
+        <mc:Fallback xmlns="">
           <p:sp>
             <p:nvSpPr>
               <p:cNvPr id="12" name="TextBox 11">
@@ -6165,14 +6220,14 @@
           </p:sp>
         </mc:Fallback>
       </mc:AlternateContent>
-      <mc:AlternateContent xmlns:mc="http://schemas.openxmlformats.org/markup-compatibility/2006">
-        <mc:Choice xmlns:a14="http://schemas.microsoft.com/office/drawing/2010/main" Requires="a14">
+      <mc:AlternateContent xmlns:mc="http://schemas.openxmlformats.org/markup-compatibility/2006" xmlns:a14="http://schemas.microsoft.com/office/drawing/2010/main">
+        <mc:Choice Requires="a14">
           <p:sp>
             <p:nvSpPr>
               <p:cNvPr id="13" name="TextBox 12">
                 <a:extLst>
                   <a:ext uri="{FF2B5EF4-FFF2-40B4-BE49-F238E27FC236}">
-                    <a16:creationId xmlns:a16="http://schemas.microsoft.com/office/drawing/2014/main" id="{8C00AAF7-BBD0-4D0E-8636-AB888C18EF7C}"/>
+                    <a16:creationId xmlns:a16="http://schemas.microsoft.com/office/drawing/2014/main" xmlns="" id="{8C00AAF7-BBD0-4D0E-8636-AB888C18EF7C}"/>
                   </a:ext>
                 </a:extLst>
               </p:cNvPr>
@@ -6195,6 +6250,7 @@
               </a:bodyPr>
               <a:lstStyle/>
               <a:p>
+                <a:pPr/>
                 <a14:m>
                   <m:oMathPara xmlns:m="http://schemas.openxmlformats.org/officeDocument/2006/math">
                     <m:oMathParaPr>
@@ -6205,7 +6261,7 @@
                         <m:sSubPr>
                           <m:ctrlPr>
                             <a:rPr lang="en-NZ" sz="3600" b="0" i="1" smtClean="0">
-                              <a:latin typeface="Cambria Math" panose="02040503050406030204" pitchFamily="18" charset="0"/>
+                              <a:latin typeface="Cambria Math"/>
                             </a:rPr>
                           </m:ctrlPr>
                         </m:sSubPr>
@@ -6236,7 +6292,7 @@
                         <m:sSubPr>
                           <m:ctrlPr>
                             <a:rPr lang="en-NZ" sz="3600" b="0" i="1" smtClean="0">
-                              <a:latin typeface="Cambria Math" panose="02040503050406030204" pitchFamily="18" charset="0"/>
+                              <a:latin typeface="Cambria Math"/>
                             </a:rPr>
                           </m:ctrlPr>
                         </m:sSubPr>
@@ -6267,7 +6323,7 @@
                         <m:sSubPr>
                           <m:ctrlPr>
                             <a:rPr lang="en-NZ" sz="3600" b="0" i="1" smtClean="0">
-                              <a:latin typeface="Cambria Math" panose="02040503050406030204" pitchFamily="18" charset="0"/>
+                              <a:latin typeface="Cambria Math"/>
                             </a:rPr>
                           </m:ctrlPr>
                         </m:sSubPr>
@@ -6301,7 +6357,7 @@
                               <a:solidFill>
                                 <a:srgbClr val="FF0000"/>
                               </a:solidFill>
-                              <a:latin typeface="Cambria Math" panose="02040503050406030204" pitchFamily="18" charset="0"/>
+                              <a:latin typeface="Cambria Math"/>
                             </a:rPr>
                           </m:ctrlPr>
                         </m:sSubPr>
@@ -6342,7 +6398,7 @@
             </p:txBody>
           </p:sp>
         </mc:Choice>
-        <mc:Fallback>
+        <mc:Fallback xmlns="">
           <p:sp>
             <p:nvSpPr>
               <p:cNvPr id="13" name="TextBox 12">
@@ -6387,14 +6443,14 @@
           </p:sp>
         </mc:Fallback>
       </mc:AlternateContent>
-      <mc:AlternateContent xmlns:mc="http://schemas.openxmlformats.org/markup-compatibility/2006">
-        <mc:Choice xmlns:a14="http://schemas.microsoft.com/office/drawing/2010/main" Requires="a14">
+      <mc:AlternateContent xmlns:mc="http://schemas.openxmlformats.org/markup-compatibility/2006" xmlns:a14="http://schemas.microsoft.com/office/drawing/2010/main">
+        <mc:Choice Requires="a14">
           <p:sp>
             <p:nvSpPr>
               <p:cNvPr id="14" name="TextBox 13">
                 <a:extLst>
                   <a:ext uri="{FF2B5EF4-FFF2-40B4-BE49-F238E27FC236}">
-                    <a16:creationId xmlns:a16="http://schemas.microsoft.com/office/drawing/2014/main" id="{B383B56A-6AEA-4A4E-866B-F06D906D641C}"/>
+                    <a16:creationId xmlns:a16="http://schemas.microsoft.com/office/drawing/2014/main" xmlns="" id="{B383B56A-6AEA-4A4E-866B-F06D906D641C}"/>
                   </a:ext>
                 </a:extLst>
               </p:cNvPr>
@@ -6417,6 +6473,7 @@
               </a:bodyPr>
               <a:lstStyle/>
               <a:p>
+                <a:pPr/>
                 <a14:m>
                   <m:oMathPara xmlns:m="http://schemas.openxmlformats.org/officeDocument/2006/math">
                     <m:oMathParaPr>
@@ -6427,7 +6484,7 @@
                         <m:sSubSupPr>
                           <m:ctrlPr>
                             <a:rPr lang="en-NZ" sz="3600" b="0" i="1" smtClean="0">
-                              <a:latin typeface="Cambria Math" panose="02040503050406030204" pitchFamily="18" charset="0"/>
+                              <a:latin typeface="Cambria Math"/>
                             </a:rPr>
                           </m:ctrlPr>
                         </m:sSubSupPr>
@@ -6466,7 +6523,7 @@
                         <m:sSubPr>
                           <m:ctrlPr>
                             <a:rPr lang="en-NZ" sz="3600" b="0" i="1" smtClean="0">
-                              <a:latin typeface="Cambria Math" panose="02040503050406030204" pitchFamily="18" charset="0"/>
+                              <a:latin typeface="Cambria Math"/>
                             </a:rPr>
                           </m:ctrlPr>
                         </m:sSubPr>
@@ -6497,7 +6554,7 @@
                         <m:sSubPr>
                           <m:ctrlPr>
                             <a:rPr lang="en-NZ" sz="3600" b="0" i="1" smtClean="0">
-                              <a:latin typeface="Cambria Math" panose="02040503050406030204" pitchFamily="18" charset="0"/>
+                              <a:latin typeface="Cambria Math"/>
                             </a:rPr>
                           </m:ctrlPr>
                         </m:sSubPr>
@@ -6528,7 +6585,7 @@
                         <m:sSubPr>
                           <m:ctrlPr>
                             <a:rPr lang="en-NZ" sz="3600" b="0" i="1" smtClean="0">
-                              <a:latin typeface="Cambria Math" panose="02040503050406030204" pitchFamily="18" charset="0"/>
+                              <a:latin typeface="Cambria Math"/>
                             </a:rPr>
                           </m:ctrlPr>
                         </m:sSubPr>
@@ -6559,7 +6616,7 @@
                         <m:sSubPr>
                           <m:ctrlPr>
                             <a:rPr lang="en-NZ" sz="3600" b="0" i="1" smtClean="0">
-                              <a:latin typeface="Cambria Math" panose="02040503050406030204" pitchFamily="18" charset="0"/>
+                              <a:latin typeface="Cambria Math"/>
                             </a:rPr>
                           </m:ctrlPr>
                         </m:sSubPr>
@@ -6594,7 +6651,7 @@
             </p:txBody>
           </p:sp>
         </mc:Choice>
-        <mc:Fallback>
+        <mc:Fallback xmlns="">
           <p:sp>
             <p:nvSpPr>
               <p:cNvPr id="14" name="TextBox 13">
@@ -6639,14 +6696,14 @@
           </p:sp>
         </mc:Fallback>
       </mc:AlternateContent>
-      <mc:AlternateContent xmlns:mc="http://schemas.openxmlformats.org/markup-compatibility/2006">
-        <mc:Choice xmlns:a14="http://schemas.microsoft.com/office/drawing/2010/main" Requires="a14">
+      <mc:AlternateContent xmlns:mc="http://schemas.openxmlformats.org/markup-compatibility/2006" xmlns:a14="http://schemas.microsoft.com/office/drawing/2010/main">
+        <mc:Choice Requires="a14">
           <p:sp>
             <p:nvSpPr>
               <p:cNvPr id="15" name="TextBox 14">
                 <a:extLst>
                   <a:ext uri="{FF2B5EF4-FFF2-40B4-BE49-F238E27FC236}">
-                    <a16:creationId xmlns:a16="http://schemas.microsoft.com/office/drawing/2014/main" id="{FC355C08-F709-432D-98AE-1C6B9D77222B}"/>
+                    <a16:creationId xmlns:a16="http://schemas.microsoft.com/office/drawing/2014/main" xmlns="" id="{FC355C08-F709-432D-98AE-1C6B9D77222B}"/>
                   </a:ext>
                 </a:extLst>
               </p:cNvPr>
@@ -6669,6 +6726,7 @@
               </a:bodyPr>
               <a:lstStyle/>
               <a:p>
+                <a:pPr/>
                 <a14:m>
                   <m:oMathPara xmlns:m="http://schemas.openxmlformats.org/officeDocument/2006/math">
                     <m:oMathParaPr>
@@ -6679,7 +6737,7 @@
                         <m:sSubPr>
                           <m:ctrlPr>
                             <a:rPr lang="en-NZ" sz="4400" b="0" i="1" smtClean="0">
-                              <a:latin typeface="Cambria Math" panose="02040503050406030204" pitchFamily="18" charset="0"/>
+                              <a:latin typeface="Cambria Math"/>
                             </a:rPr>
                           </m:ctrlPr>
                         </m:sSubPr>
@@ -6708,7 +6766,7 @@
             </p:txBody>
           </p:sp>
         </mc:Choice>
-        <mc:Fallback>
+        <mc:Fallback xmlns="">
           <p:sp>
             <p:nvSpPr>
               <p:cNvPr id="15" name="TextBox 14">
@@ -6753,14 +6811,14 @@
           </p:sp>
         </mc:Fallback>
       </mc:AlternateContent>
-      <mc:AlternateContent xmlns:mc="http://schemas.openxmlformats.org/markup-compatibility/2006">
-        <mc:Choice xmlns:a14="http://schemas.microsoft.com/office/drawing/2010/main" Requires="a14">
+      <mc:AlternateContent xmlns:mc="http://schemas.openxmlformats.org/markup-compatibility/2006" xmlns:a14="http://schemas.microsoft.com/office/drawing/2010/main">
+        <mc:Choice Requires="a14">
           <p:sp>
             <p:nvSpPr>
               <p:cNvPr id="16" name="TextBox 15">
                 <a:extLst>
                   <a:ext uri="{FF2B5EF4-FFF2-40B4-BE49-F238E27FC236}">
-                    <a16:creationId xmlns:a16="http://schemas.microsoft.com/office/drawing/2014/main" id="{28D121F1-E103-4F6D-AD6A-E4640D030687}"/>
+                    <a16:creationId xmlns:a16="http://schemas.microsoft.com/office/drawing/2014/main" xmlns="" id="{28D121F1-E103-4F6D-AD6A-E4640D030687}"/>
                   </a:ext>
                 </a:extLst>
               </p:cNvPr>
@@ -6783,6 +6841,7 @@
               </a:bodyPr>
               <a:lstStyle/>
               <a:p>
+                <a:pPr/>
                 <a14:m>
                   <m:oMathPara xmlns:m="http://schemas.openxmlformats.org/officeDocument/2006/math">
                     <m:oMathParaPr>
@@ -6793,7 +6852,7 @@
                         <m:sSubPr>
                           <m:ctrlPr>
                             <a:rPr lang="en-NZ" sz="4400" b="0" i="1" smtClean="0">
-                              <a:latin typeface="Cambria Math" panose="02040503050406030204" pitchFamily="18" charset="0"/>
+                              <a:latin typeface="Cambria Math"/>
                             </a:rPr>
                           </m:ctrlPr>
                         </m:sSubPr>
@@ -6825,7 +6884,7 @@
             </p:txBody>
           </p:sp>
         </mc:Choice>
-        <mc:Fallback>
+        <mc:Fallback xmlns="">
           <p:sp>
             <p:nvSpPr>
               <p:cNvPr id="16" name="TextBox 15">
@@ -6875,7 +6934,7 @@
           <p:cNvPr id="17" name="Straight Arrow Connector 16">
             <a:extLst>
               <a:ext uri="{FF2B5EF4-FFF2-40B4-BE49-F238E27FC236}">
-                <a16:creationId xmlns:a16="http://schemas.microsoft.com/office/drawing/2014/main" id="{8A8AC623-5B31-4E42-9416-C82D2E67B442}"/>
+                <a16:creationId xmlns:a16="http://schemas.microsoft.com/office/drawing/2014/main" xmlns="" id="{8A8AC623-5B31-4E42-9416-C82D2E67B442}"/>
               </a:ext>
             </a:extLst>
           </p:cNvPr>
@@ -6914,14 +6973,14 @@
           </a:fontRef>
         </p:style>
       </p:cxnSp>
-      <mc:AlternateContent xmlns:mc="http://schemas.openxmlformats.org/markup-compatibility/2006">
-        <mc:Choice xmlns:a14="http://schemas.microsoft.com/office/drawing/2010/main" Requires="a14">
+      <mc:AlternateContent xmlns:mc="http://schemas.openxmlformats.org/markup-compatibility/2006" xmlns:a14="http://schemas.microsoft.com/office/drawing/2010/main">
+        <mc:Choice Requires="a14">
           <p:sp>
             <p:nvSpPr>
               <p:cNvPr id="18" name="TextBox 17">
                 <a:extLst>
                   <a:ext uri="{FF2B5EF4-FFF2-40B4-BE49-F238E27FC236}">
-                    <a16:creationId xmlns:a16="http://schemas.microsoft.com/office/drawing/2014/main" id="{DF23C3BC-78FD-4315-B54C-A4F10B845A7A}"/>
+                    <a16:creationId xmlns:a16="http://schemas.microsoft.com/office/drawing/2014/main" xmlns="" id="{DF23C3BC-78FD-4315-B54C-A4F10B845A7A}"/>
                   </a:ext>
                 </a:extLst>
               </p:cNvPr>
@@ -6944,6 +7003,7 @@
               </a:bodyPr>
               <a:lstStyle/>
               <a:p>
+                <a:pPr/>
                 <a14:m>
                   <m:oMathPara xmlns:m="http://schemas.openxmlformats.org/officeDocument/2006/math">
                     <m:oMathParaPr>
@@ -6954,7 +7014,7 @@
                         <m:sSubPr>
                           <m:ctrlPr>
                             <a:rPr lang="en-NZ" sz="3600" b="0" i="1" smtClean="0">
-                              <a:latin typeface="Cambria Math" panose="02040503050406030204" pitchFamily="18" charset="0"/>
+                              <a:latin typeface="Cambria Math"/>
                             </a:rPr>
                           </m:ctrlPr>
                         </m:sSubPr>
@@ -6985,7 +7045,7 @@
                         <m:sSubPr>
                           <m:ctrlPr>
                             <a:rPr lang="en-NZ" sz="3600" b="0" i="1" smtClean="0">
-                              <a:latin typeface="Cambria Math" panose="02040503050406030204" pitchFamily="18" charset="0"/>
+                              <a:latin typeface="Cambria Math"/>
                             </a:rPr>
                           </m:ctrlPr>
                         </m:sSubPr>
@@ -7016,7 +7076,7 @@
                         <m:sSubPr>
                           <m:ctrlPr>
                             <a:rPr lang="en-NZ" sz="3600" b="0" i="1" smtClean="0">
-                              <a:latin typeface="Cambria Math" panose="02040503050406030204" pitchFamily="18" charset="0"/>
+                              <a:latin typeface="Cambria Math"/>
                             </a:rPr>
                           </m:ctrlPr>
                         </m:sSubPr>
@@ -7047,7 +7107,7 @@
                         <m:sSubPr>
                           <m:ctrlPr>
                             <a:rPr lang="en-NZ" sz="3600" b="0" i="1" smtClean="0">
-                              <a:latin typeface="Cambria Math" panose="02040503050406030204" pitchFamily="18" charset="0"/>
+                              <a:latin typeface="Cambria Math"/>
                             </a:rPr>
                           </m:ctrlPr>
                         </m:sSubPr>
@@ -7082,7 +7142,7 @@
             </p:txBody>
           </p:sp>
         </mc:Choice>
-        <mc:Fallback>
+        <mc:Fallback xmlns="">
           <p:sp>
             <p:nvSpPr>
               <p:cNvPr id="18" name="TextBox 17">
@@ -7162,7 +7222,7 @@
           <p:cNvPr id="2" name="Rectangle 1">
             <a:extLst>
               <a:ext uri="{FF2B5EF4-FFF2-40B4-BE49-F238E27FC236}">
-                <a16:creationId xmlns:a16="http://schemas.microsoft.com/office/drawing/2014/main" id="{13A35C6F-D2F4-467F-AAB3-0CFEDFA06766}"/>
+                <a16:creationId xmlns:a16="http://schemas.microsoft.com/office/drawing/2014/main" xmlns="" id="{13A35C6F-D2F4-467F-AAB3-0CFEDFA06766}"/>
               </a:ext>
             </a:extLst>
           </p:cNvPr>
@@ -7211,7 +7271,7 @@
           <p:cNvPr id="4" name="Straight Arrow Connector 3">
             <a:extLst>
               <a:ext uri="{FF2B5EF4-FFF2-40B4-BE49-F238E27FC236}">
-                <a16:creationId xmlns:a16="http://schemas.microsoft.com/office/drawing/2014/main" id="{B3D889F0-E9B8-4E90-B852-8B03A7C116FE}"/>
+                <a16:creationId xmlns:a16="http://schemas.microsoft.com/office/drawing/2014/main" xmlns="" id="{B3D889F0-E9B8-4E90-B852-8B03A7C116FE}"/>
               </a:ext>
             </a:extLst>
           </p:cNvPr>
@@ -7255,7 +7315,7 @@
           <p:cNvPr id="5" name="Straight Arrow Connector 4">
             <a:extLst>
               <a:ext uri="{FF2B5EF4-FFF2-40B4-BE49-F238E27FC236}">
-                <a16:creationId xmlns:a16="http://schemas.microsoft.com/office/drawing/2014/main" id="{98408B9B-AEB6-46AB-972E-A5F98770635C}"/>
+                <a16:creationId xmlns:a16="http://schemas.microsoft.com/office/drawing/2014/main" xmlns="" id="{98408B9B-AEB6-46AB-972E-A5F98770635C}"/>
               </a:ext>
             </a:extLst>
           </p:cNvPr>
@@ -7297,7 +7357,7 @@
           <p:cNvPr id="9" name="Freeform: Shape 8">
             <a:extLst>
               <a:ext uri="{FF2B5EF4-FFF2-40B4-BE49-F238E27FC236}">
-                <a16:creationId xmlns:a16="http://schemas.microsoft.com/office/drawing/2014/main" id="{11EAF84D-B1B6-4C71-949A-59C9197BBA18}"/>
+                <a16:creationId xmlns:a16="http://schemas.microsoft.com/office/drawing/2014/main" xmlns="" id="{11EAF84D-B1B6-4C71-949A-59C9197BBA18}"/>
               </a:ext>
             </a:extLst>
           </p:cNvPr>
@@ -7413,14 +7473,14 @@
           </a:p>
         </p:txBody>
       </p:sp>
-      <mc:AlternateContent xmlns:mc="http://schemas.openxmlformats.org/markup-compatibility/2006">
-        <mc:Choice xmlns:a14="http://schemas.microsoft.com/office/drawing/2010/main" Requires="a14">
+      <mc:AlternateContent xmlns:mc="http://schemas.openxmlformats.org/markup-compatibility/2006" xmlns:a14="http://schemas.microsoft.com/office/drawing/2010/main">
+        <mc:Choice Requires="a14">
           <p:sp>
             <p:nvSpPr>
               <p:cNvPr id="11" name="TextBox 10">
                 <a:extLst>
                   <a:ext uri="{FF2B5EF4-FFF2-40B4-BE49-F238E27FC236}">
-                    <a16:creationId xmlns:a16="http://schemas.microsoft.com/office/drawing/2014/main" id="{2FBF04D2-A634-4449-A3C9-F7D410B952C2}"/>
+                    <a16:creationId xmlns:a16="http://schemas.microsoft.com/office/drawing/2014/main" xmlns="" id="{2FBF04D2-A634-4449-A3C9-F7D410B952C2}"/>
                   </a:ext>
                 </a:extLst>
               </p:cNvPr>
@@ -7443,6 +7503,7 @@
               </a:bodyPr>
               <a:lstStyle/>
               <a:p>
+                <a:pPr/>
                 <a14:m>
                   <m:oMathPara xmlns:m="http://schemas.openxmlformats.org/officeDocument/2006/math">
                     <m:oMathParaPr>
@@ -7453,7 +7514,7 @@
                         <m:sSubPr>
                           <m:ctrlPr>
                             <a:rPr lang="en-NZ" sz="4400" b="0" i="1" smtClean="0">
-                              <a:latin typeface="Cambria Math" panose="02040503050406030204" pitchFamily="18" charset="0"/>
+                              <a:latin typeface="Cambria Math"/>
                             </a:rPr>
                           </m:ctrlPr>
                         </m:sSubPr>
@@ -7482,7 +7543,7 @@
             </p:txBody>
           </p:sp>
         </mc:Choice>
-        <mc:Fallback>
+        <mc:Fallback xmlns="">
           <p:sp>
             <p:nvSpPr>
               <p:cNvPr id="11" name="TextBox 10">
@@ -7527,14 +7588,14 @@
           </p:sp>
         </mc:Fallback>
       </mc:AlternateContent>
-      <mc:AlternateContent xmlns:mc="http://schemas.openxmlformats.org/markup-compatibility/2006">
-        <mc:Choice xmlns:a14="http://schemas.microsoft.com/office/drawing/2010/main" Requires="a14">
+      <mc:AlternateContent xmlns:mc="http://schemas.openxmlformats.org/markup-compatibility/2006" xmlns:a14="http://schemas.microsoft.com/office/drawing/2010/main">
+        <mc:Choice Requires="a14">
           <p:sp>
             <p:nvSpPr>
               <p:cNvPr id="12" name="TextBox 11">
                 <a:extLst>
                   <a:ext uri="{FF2B5EF4-FFF2-40B4-BE49-F238E27FC236}">
-                    <a16:creationId xmlns:a16="http://schemas.microsoft.com/office/drawing/2014/main" id="{83AFA357-4D26-4AD4-8B25-EB94B0D360CC}"/>
+                    <a16:creationId xmlns:a16="http://schemas.microsoft.com/office/drawing/2014/main" xmlns="" id="{83AFA357-4D26-4AD4-8B25-EB94B0D360CC}"/>
                   </a:ext>
                 </a:extLst>
               </p:cNvPr>
@@ -7557,6 +7618,7 @@
               </a:bodyPr>
               <a:lstStyle/>
               <a:p>
+                <a:pPr/>
                 <a14:m>
                   <m:oMathPara xmlns:m="http://schemas.openxmlformats.org/officeDocument/2006/math">
                     <m:oMathParaPr>
@@ -7567,7 +7629,7 @@
                         <m:sSubSupPr>
                           <m:ctrlPr>
                             <a:rPr lang="en-NZ" sz="4400" b="0" i="1" smtClean="0">
-                              <a:latin typeface="Cambria Math" panose="02040503050406030204" pitchFamily="18" charset="0"/>
+                              <a:latin typeface="Cambria Math"/>
                             </a:rPr>
                           </m:ctrlPr>
                         </m:sSubSupPr>
@@ -7604,7 +7666,7 @@
             </p:txBody>
           </p:sp>
         </mc:Choice>
-        <mc:Fallback>
+        <mc:Fallback xmlns="">
           <p:sp>
             <p:nvSpPr>
               <p:cNvPr id="12" name="TextBox 11">
@@ -7649,14 +7711,14 @@
           </p:sp>
         </mc:Fallback>
       </mc:AlternateContent>
-      <mc:AlternateContent xmlns:mc="http://schemas.openxmlformats.org/markup-compatibility/2006">
-        <mc:Choice xmlns:a14="http://schemas.microsoft.com/office/drawing/2010/main" Requires="a14">
+      <mc:AlternateContent xmlns:mc="http://schemas.openxmlformats.org/markup-compatibility/2006" xmlns:a14="http://schemas.microsoft.com/office/drawing/2010/main">
+        <mc:Choice Requires="a14">
           <p:sp>
             <p:nvSpPr>
               <p:cNvPr id="13" name="TextBox 12">
                 <a:extLst>
                   <a:ext uri="{FF2B5EF4-FFF2-40B4-BE49-F238E27FC236}">
-                    <a16:creationId xmlns:a16="http://schemas.microsoft.com/office/drawing/2014/main" id="{8C00AAF7-BBD0-4D0E-8636-AB888C18EF7C}"/>
+                    <a16:creationId xmlns:a16="http://schemas.microsoft.com/office/drawing/2014/main" xmlns="" id="{8C00AAF7-BBD0-4D0E-8636-AB888C18EF7C}"/>
                   </a:ext>
                 </a:extLst>
               </p:cNvPr>
@@ -7679,6 +7741,7 @@
               </a:bodyPr>
               <a:lstStyle/>
               <a:p>
+                <a:pPr/>
                 <a14:m>
                   <m:oMathPara xmlns:m="http://schemas.openxmlformats.org/officeDocument/2006/math">
                     <m:oMathParaPr>
@@ -7692,7 +7755,7 @@
                               <a:solidFill>
                                 <a:schemeClr val="tx1"/>
                               </a:solidFill>
-                              <a:latin typeface="Cambria Math" panose="02040503050406030204" pitchFamily="18" charset="0"/>
+                              <a:latin typeface="Cambria Math"/>
                             </a:rPr>
                           </m:ctrlPr>
                         </m:sSubPr>
@@ -7735,7 +7798,7 @@
                               <a:solidFill>
                                 <a:schemeClr val="tx1"/>
                               </a:solidFill>
-                              <a:latin typeface="Cambria Math" panose="02040503050406030204" pitchFamily="18" charset="0"/>
+                              <a:latin typeface="Cambria Math"/>
                             </a:rPr>
                           </m:ctrlPr>
                         </m:sSubPr>
@@ -7778,7 +7841,7 @@
                               <a:solidFill>
                                 <a:schemeClr val="tx1"/>
                               </a:solidFill>
-                              <a:latin typeface="Cambria Math" panose="02040503050406030204" pitchFamily="18" charset="0"/>
+                              <a:latin typeface="Cambria Math"/>
                             </a:rPr>
                           </m:ctrlPr>
                         </m:sSubPr>
@@ -7826,7 +7889,7 @@
             </p:txBody>
           </p:sp>
         </mc:Choice>
-        <mc:Fallback>
+        <mc:Fallback xmlns="">
           <p:sp>
             <p:nvSpPr>
               <p:cNvPr id="13" name="TextBox 12">
@@ -7871,14 +7934,14 @@
           </p:sp>
         </mc:Fallback>
       </mc:AlternateContent>
-      <mc:AlternateContent xmlns:mc="http://schemas.openxmlformats.org/markup-compatibility/2006">
-        <mc:Choice xmlns:a14="http://schemas.microsoft.com/office/drawing/2010/main" Requires="a14">
+      <mc:AlternateContent xmlns:mc="http://schemas.openxmlformats.org/markup-compatibility/2006" xmlns:a14="http://schemas.microsoft.com/office/drawing/2010/main">
+        <mc:Choice Requires="a14">
           <p:sp>
             <p:nvSpPr>
               <p:cNvPr id="14" name="TextBox 13">
                 <a:extLst>
                   <a:ext uri="{FF2B5EF4-FFF2-40B4-BE49-F238E27FC236}">
-                    <a16:creationId xmlns:a16="http://schemas.microsoft.com/office/drawing/2014/main" id="{B383B56A-6AEA-4A4E-866B-F06D906D641C}"/>
+                    <a16:creationId xmlns:a16="http://schemas.microsoft.com/office/drawing/2014/main" xmlns="" id="{B383B56A-6AEA-4A4E-866B-F06D906D641C}"/>
                   </a:ext>
                 </a:extLst>
               </p:cNvPr>
@@ -7901,6 +7964,7 @@
               </a:bodyPr>
               <a:lstStyle/>
               <a:p>
+                <a:pPr/>
                 <a14:m>
                   <m:oMathPara xmlns:m="http://schemas.openxmlformats.org/officeDocument/2006/math">
                     <m:oMathParaPr>
@@ -7911,7 +7975,7 @@
                         <m:sSubSupPr>
                           <m:ctrlPr>
                             <a:rPr lang="en-NZ" sz="3600" b="0" i="1" smtClean="0">
-                              <a:latin typeface="Cambria Math" panose="02040503050406030204" pitchFamily="18" charset="0"/>
+                              <a:latin typeface="Cambria Math"/>
                             </a:rPr>
                           </m:ctrlPr>
                         </m:sSubSupPr>
@@ -7950,7 +8014,7 @@
                         <m:sSubPr>
                           <m:ctrlPr>
                             <a:rPr lang="en-NZ" sz="3600" b="0" i="1" smtClean="0">
-                              <a:latin typeface="Cambria Math" panose="02040503050406030204" pitchFamily="18" charset="0"/>
+                              <a:latin typeface="Cambria Math"/>
                             </a:rPr>
                           </m:ctrlPr>
                         </m:sSubPr>
@@ -7981,7 +8045,7 @@
                         <m:sSubPr>
                           <m:ctrlPr>
                             <a:rPr lang="en-NZ" sz="3600" b="0" i="1" smtClean="0">
-                              <a:latin typeface="Cambria Math" panose="02040503050406030204" pitchFamily="18" charset="0"/>
+                              <a:latin typeface="Cambria Math"/>
                             </a:rPr>
                           </m:ctrlPr>
                         </m:sSubPr>
@@ -8012,7 +8076,7 @@
                         <m:sSubPr>
                           <m:ctrlPr>
                             <a:rPr lang="en-NZ" sz="3600" b="0" i="1" smtClean="0">
-                              <a:latin typeface="Cambria Math" panose="02040503050406030204" pitchFamily="18" charset="0"/>
+                              <a:latin typeface="Cambria Math"/>
                             </a:rPr>
                           </m:ctrlPr>
                         </m:sSubPr>
@@ -8043,7 +8107,7 @@
                         <m:sSubPr>
                           <m:ctrlPr>
                             <a:rPr lang="en-NZ" sz="3600" b="0" i="1" smtClean="0">
-                              <a:latin typeface="Cambria Math" panose="02040503050406030204" pitchFamily="18" charset="0"/>
+                              <a:latin typeface="Cambria Math"/>
                             </a:rPr>
                           </m:ctrlPr>
                         </m:sSubPr>
@@ -8078,7 +8142,7 @@
             </p:txBody>
           </p:sp>
         </mc:Choice>
-        <mc:Fallback>
+        <mc:Fallback xmlns="">
           <p:sp>
             <p:nvSpPr>
               <p:cNvPr id="14" name="TextBox 13">
@@ -8123,14 +8187,14 @@
           </p:sp>
         </mc:Fallback>
       </mc:AlternateContent>
-      <mc:AlternateContent xmlns:mc="http://schemas.openxmlformats.org/markup-compatibility/2006">
-        <mc:Choice xmlns:a14="http://schemas.microsoft.com/office/drawing/2010/main" Requires="a14">
+      <mc:AlternateContent xmlns:mc="http://schemas.openxmlformats.org/markup-compatibility/2006" xmlns:a14="http://schemas.microsoft.com/office/drawing/2010/main">
+        <mc:Choice Requires="a14">
           <p:sp>
             <p:nvSpPr>
               <p:cNvPr id="15" name="TextBox 14">
                 <a:extLst>
                   <a:ext uri="{FF2B5EF4-FFF2-40B4-BE49-F238E27FC236}">
-                    <a16:creationId xmlns:a16="http://schemas.microsoft.com/office/drawing/2014/main" id="{FC355C08-F709-432D-98AE-1C6B9D77222B}"/>
+                    <a16:creationId xmlns:a16="http://schemas.microsoft.com/office/drawing/2014/main" xmlns="" id="{FC355C08-F709-432D-98AE-1C6B9D77222B}"/>
                   </a:ext>
                 </a:extLst>
               </p:cNvPr>
@@ -8153,6 +8217,7 @@
               </a:bodyPr>
               <a:lstStyle/>
               <a:p>
+                <a:pPr/>
                 <a14:m>
                   <m:oMathPara xmlns:m="http://schemas.openxmlformats.org/officeDocument/2006/math">
                     <m:oMathParaPr>
@@ -8163,7 +8228,7 @@
                         <m:sSubPr>
                           <m:ctrlPr>
                             <a:rPr lang="en-NZ" sz="4400" b="0" i="1" smtClean="0">
-                              <a:latin typeface="Cambria Math" panose="02040503050406030204" pitchFamily="18" charset="0"/>
+                              <a:latin typeface="Cambria Math"/>
                             </a:rPr>
                           </m:ctrlPr>
                         </m:sSubPr>
@@ -8192,7 +8257,7 @@
             </p:txBody>
           </p:sp>
         </mc:Choice>
-        <mc:Fallback>
+        <mc:Fallback xmlns="">
           <p:sp>
             <p:nvSpPr>
               <p:cNvPr id="15" name="TextBox 14">
@@ -8237,14 +8302,14 @@
           </p:sp>
         </mc:Fallback>
       </mc:AlternateContent>
-      <mc:AlternateContent xmlns:mc="http://schemas.openxmlformats.org/markup-compatibility/2006">
-        <mc:Choice xmlns:a14="http://schemas.microsoft.com/office/drawing/2010/main" Requires="a14">
+      <mc:AlternateContent xmlns:mc="http://schemas.openxmlformats.org/markup-compatibility/2006" xmlns:a14="http://schemas.microsoft.com/office/drawing/2010/main">
+        <mc:Choice Requires="a14">
           <p:sp>
             <p:nvSpPr>
               <p:cNvPr id="16" name="TextBox 15">
                 <a:extLst>
                   <a:ext uri="{FF2B5EF4-FFF2-40B4-BE49-F238E27FC236}">
-                    <a16:creationId xmlns:a16="http://schemas.microsoft.com/office/drawing/2014/main" id="{28D121F1-E103-4F6D-AD6A-E4640D030687}"/>
+                    <a16:creationId xmlns:a16="http://schemas.microsoft.com/office/drawing/2014/main" xmlns="" id="{28D121F1-E103-4F6D-AD6A-E4640D030687}"/>
                   </a:ext>
                 </a:extLst>
               </p:cNvPr>
@@ -8267,6 +8332,7 @@
               </a:bodyPr>
               <a:lstStyle/>
               <a:p>
+                <a:pPr/>
                 <a14:m>
                   <m:oMathPara xmlns:m="http://schemas.openxmlformats.org/officeDocument/2006/math">
                     <m:oMathParaPr>
@@ -8277,7 +8343,7 @@
                         <m:sSubPr>
                           <m:ctrlPr>
                             <a:rPr lang="en-NZ" sz="4400" b="0" i="1" smtClean="0">
-                              <a:latin typeface="Cambria Math" panose="02040503050406030204" pitchFamily="18" charset="0"/>
+                              <a:latin typeface="Cambria Math"/>
                             </a:rPr>
                           </m:ctrlPr>
                         </m:sSubPr>
@@ -8309,7 +8375,7 @@
             </p:txBody>
           </p:sp>
         </mc:Choice>
-        <mc:Fallback>
+        <mc:Fallback xmlns="">
           <p:sp>
             <p:nvSpPr>
               <p:cNvPr id="16" name="TextBox 15">
@@ -8359,7 +8425,7 @@
           <p:cNvPr id="17" name="Straight Arrow Connector 16">
             <a:extLst>
               <a:ext uri="{FF2B5EF4-FFF2-40B4-BE49-F238E27FC236}">
-                <a16:creationId xmlns:a16="http://schemas.microsoft.com/office/drawing/2014/main" id="{8A8AC623-5B31-4E42-9416-C82D2E67B442}"/>
+                <a16:creationId xmlns:a16="http://schemas.microsoft.com/office/drawing/2014/main" xmlns="" id="{8A8AC623-5B31-4E42-9416-C82D2E67B442}"/>
               </a:ext>
             </a:extLst>
           </p:cNvPr>
@@ -8398,14 +8464,14 @@
           </a:fontRef>
         </p:style>
       </p:cxnSp>
-      <mc:AlternateContent xmlns:mc="http://schemas.openxmlformats.org/markup-compatibility/2006">
-        <mc:Choice xmlns:a14="http://schemas.microsoft.com/office/drawing/2010/main" Requires="a14">
+      <mc:AlternateContent xmlns:mc="http://schemas.openxmlformats.org/markup-compatibility/2006" xmlns:a14="http://schemas.microsoft.com/office/drawing/2010/main">
+        <mc:Choice Requires="a14">
           <p:sp>
             <p:nvSpPr>
               <p:cNvPr id="18" name="TextBox 17">
                 <a:extLst>
                   <a:ext uri="{FF2B5EF4-FFF2-40B4-BE49-F238E27FC236}">
-                    <a16:creationId xmlns:a16="http://schemas.microsoft.com/office/drawing/2014/main" id="{DF23C3BC-78FD-4315-B54C-A4F10B845A7A}"/>
+                    <a16:creationId xmlns:a16="http://schemas.microsoft.com/office/drawing/2014/main" xmlns="" id="{DF23C3BC-78FD-4315-B54C-A4F10B845A7A}"/>
                   </a:ext>
                 </a:extLst>
               </p:cNvPr>
@@ -8428,6 +8494,7 @@
               </a:bodyPr>
               <a:lstStyle/>
               <a:p>
+                <a:pPr/>
                 <a14:m>
                   <m:oMathPara xmlns:m="http://schemas.openxmlformats.org/officeDocument/2006/math">
                     <m:oMathParaPr>
@@ -8438,7 +8505,7 @@
                         <m:sSubPr>
                           <m:ctrlPr>
                             <a:rPr lang="en-NZ" sz="3600" b="0" i="1" smtClean="0">
-                              <a:latin typeface="Cambria Math" panose="02040503050406030204" pitchFamily="18" charset="0"/>
+                              <a:latin typeface="Cambria Math"/>
                             </a:rPr>
                           </m:ctrlPr>
                         </m:sSubPr>
@@ -8469,7 +8536,7 @@
                         <m:sSubPr>
                           <m:ctrlPr>
                             <a:rPr lang="en-NZ" sz="3600" b="0" i="1" smtClean="0">
-                              <a:latin typeface="Cambria Math" panose="02040503050406030204" pitchFamily="18" charset="0"/>
+                              <a:latin typeface="Cambria Math"/>
                             </a:rPr>
                           </m:ctrlPr>
                         </m:sSubPr>
@@ -8500,7 +8567,7 @@
                         <m:sSubPr>
                           <m:ctrlPr>
                             <a:rPr lang="en-NZ" sz="3600" b="0" i="1" smtClean="0">
-                              <a:latin typeface="Cambria Math" panose="02040503050406030204" pitchFamily="18" charset="0"/>
+                              <a:latin typeface="Cambria Math"/>
                             </a:rPr>
                           </m:ctrlPr>
                         </m:sSubPr>
@@ -8531,7 +8598,7 @@
                         <m:sSubPr>
                           <m:ctrlPr>
                             <a:rPr lang="en-NZ" sz="3600" b="0" i="1" smtClean="0">
-                              <a:latin typeface="Cambria Math" panose="02040503050406030204" pitchFamily="18" charset="0"/>
+                              <a:latin typeface="Cambria Math"/>
                             </a:rPr>
                           </m:ctrlPr>
                         </m:sSubPr>
@@ -8566,7 +8633,7 @@
             </p:txBody>
           </p:sp>
         </mc:Choice>
-        <mc:Fallback>
+        <mc:Fallback xmlns="">
           <p:sp>
             <p:nvSpPr>
               <p:cNvPr id="18" name="TextBox 17">
@@ -8646,7 +8713,7 @@
           <p:cNvPr id="14" name="Group 13">
             <a:extLst>
               <a:ext uri="{FF2B5EF4-FFF2-40B4-BE49-F238E27FC236}">
-                <a16:creationId xmlns:a16="http://schemas.microsoft.com/office/drawing/2014/main" id="{63D857CF-AEC5-4917-9C5E-02569147FAFE}"/>
+                <a16:creationId xmlns:a16="http://schemas.microsoft.com/office/drawing/2014/main" xmlns="" id="{63D857CF-AEC5-4917-9C5E-02569147FAFE}"/>
               </a:ext>
             </a:extLst>
           </p:cNvPr>
@@ -8666,7 +8733,7 @@
             <p:cNvPr id="2" name="Rectangle 1">
               <a:extLst>
                 <a:ext uri="{FF2B5EF4-FFF2-40B4-BE49-F238E27FC236}">
-                  <a16:creationId xmlns:a16="http://schemas.microsoft.com/office/drawing/2014/main" id="{F7065316-8F5D-46F1-A742-E6FA5559EABB}"/>
+                  <a16:creationId xmlns:a16="http://schemas.microsoft.com/office/drawing/2014/main" xmlns="" id="{F7065316-8F5D-46F1-A742-E6FA5559EABB}"/>
                 </a:ext>
               </a:extLst>
             </p:cNvPr>
@@ -8715,7 +8782,7 @@
             <p:cNvPr id="3" name="Straight Arrow Connector 2">
               <a:extLst>
                 <a:ext uri="{FF2B5EF4-FFF2-40B4-BE49-F238E27FC236}">
-                  <a16:creationId xmlns:a16="http://schemas.microsoft.com/office/drawing/2014/main" id="{0F731F2B-7E72-45C1-AF32-63AA315E2591}"/>
+                  <a16:creationId xmlns:a16="http://schemas.microsoft.com/office/drawing/2014/main" xmlns="" id="{0F731F2B-7E72-45C1-AF32-63AA315E2591}"/>
                 </a:ext>
               </a:extLst>
             </p:cNvPr>
@@ -8759,7 +8826,7 @@
             <p:cNvPr id="4" name="Straight Arrow Connector 3">
               <a:extLst>
                 <a:ext uri="{FF2B5EF4-FFF2-40B4-BE49-F238E27FC236}">
-                  <a16:creationId xmlns:a16="http://schemas.microsoft.com/office/drawing/2014/main" id="{298B9854-3B7A-45D5-A473-D6FA88E16889}"/>
+                  <a16:creationId xmlns:a16="http://schemas.microsoft.com/office/drawing/2014/main" xmlns="" id="{298B9854-3B7A-45D5-A473-D6FA88E16889}"/>
                 </a:ext>
               </a:extLst>
             </p:cNvPr>
@@ -8801,7 +8868,7 @@
             <p:cNvPr id="5" name="Freeform: Shape 4">
               <a:extLst>
                 <a:ext uri="{FF2B5EF4-FFF2-40B4-BE49-F238E27FC236}">
-                  <a16:creationId xmlns:a16="http://schemas.microsoft.com/office/drawing/2014/main" id="{3B80B115-5104-4FC2-A5D5-F1ED50A897DB}"/>
+                  <a16:creationId xmlns:a16="http://schemas.microsoft.com/office/drawing/2014/main" xmlns="" id="{3B80B115-5104-4FC2-A5D5-F1ED50A897DB}"/>
                 </a:ext>
               </a:extLst>
             </p:cNvPr>
@@ -8923,7 +8990,7 @@
           <p:cNvPr id="27" name="Group 26">
             <a:extLst>
               <a:ext uri="{FF2B5EF4-FFF2-40B4-BE49-F238E27FC236}">
-                <a16:creationId xmlns:a16="http://schemas.microsoft.com/office/drawing/2014/main" id="{37454BB8-36B0-4E7B-81CD-2EF6A4F9EAF5}"/>
+                <a16:creationId xmlns:a16="http://schemas.microsoft.com/office/drawing/2014/main" xmlns="" id="{37454BB8-36B0-4E7B-81CD-2EF6A4F9EAF5}"/>
               </a:ext>
             </a:extLst>
           </p:cNvPr>
@@ -8943,7 +9010,7 @@
             <p:cNvPr id="15" name="Rectangle 14">
               <a:extLst>
                 <a:ext uri="{FF2B5EF4-FFF2-40B4-BE49-F238E27FC236}">
-                  <a16:creationId xmlns:a16="http://schemas.microsoft.com/office/drawing/2014/main" id="{0B77A1BB-FD6F-43E0-843B-261E078D33DB}"/>
+                  <a16:creationId xmlns:a16="http://schemas.microsoft.com/office/drawing/2014/main" xmlns="" id="{0B77A1BB-FD6F-43E0-843B-261E078D33DB}"/>
                 </a:ext>
               </a:extLst>
             </p:cNvPr>
@@ -8992,7 +9059,7 @@
             <p:cNvPr id="16" name="Straight Arrow Connector 15">
               <a:extLst>
                 <a:ext uri="{FF2B5EF4-FFF2-40B4-BE49-F238E27FC236}">
-                  <a16:creationId xmlns:a16="http://schemas.microsoft.com/office/drawing/2014/main" id="{B520EB9C-46F4-4615-A674-136C940634F3}"/>
+                  <a16:creationId xmlns:a16="http://schemas.microsoft.com/office/drawing/2014/main" xmlns="" id="{B520EB9C-46F4-4615-A674-136C940634F3}"/>
                 </a:ext>
               </a:extLst>
             </p:cNvPr>
@@ -9036,7 +9103,7 @@
             <p:cNvPr id="17" name="Straight Arrow Connector 16">
               <a:extLst>
                 <a:ext uri="{FF2B5EF4-FFF2-40B4-BE49-F238E27FC236}">
-                  <a16:creationId xmlns:a16="http://schemas.microsoft.com/office/drawing/2014/main" id="{3894CDAF-0DBC-48E5-820C-9784826118DB}"/>
+                  <a16:creationId xmlns:a16="http://schemas.microsoft.com/office/drawing/2014/main" xmlns="" id="{3894CDAF-0DBC-48E5-820C-9784826118DB}"/>
                 </a:ext>
               </a:extLst>
             </p:cNvPr>
@@ -9078,7 +9145,7 @@
             <p:cNvPr id="18" name="Freeform: Shape 17">
               <a:extLst>
                 <a:ext uri="{FF2B5EF4-FFF2-40B4-BE49-F238E27FC236}">
-                  <a16:creationId xmlns:a16="http://schemas.microsoft.com/office/drawing/2014/main" id="{87D83083-5C19-4C65-AF47-A2F162FD0427}"/>
+                  <a16:creationId xmlns:a16="http://schemas.microsoft.com/office/drawing/2014/main" xmlns="" id="{87D83083-5C19-4C65-AF47-A2F162FD0427}"/>
                 </a:ext>
               </a:extLst>
             </p:cNvPr>
@@ -9200,7 +9267,7 @@
           <p:cNvPr id="28" name="Group 27">
             <a:extLst>
               <a:ext uri="{FF2B5EF4-FFF2-40B4-BE49-F238E27FC236}">
-                <a16:creationId xmlns:a16="http://schemas.microsoft.com/office/drawing/2014/main" id="{E625E3EC-3F05-4173-A314-0201CF70206A}"/>
+                <a16:creationId xmlns:a16="http://schemas.microsoft.com/office/drawing/2014/main" xmlns="" id="{E625E3EC-3F05-4173-A314-0201CF70206A}"/>
               </a:ext>
             </a:extLst>
           </p:cNvPr>
@@ -9220,7 +9287,7 @@
             <p:cNvPr id="29" name="Rectangle 28">
               <a:extLst>
                 <a:ext uri="{FF2B5EF4-FFF2-40B4-BE49-F238E27FC236}">
-                  <a16:creationId xmlns:a16="http://schemas.microsoft.com/office/drawing/2014/main" id="{1DC7980E-38BF-4DAB-8A4D-AB72AAD0C655}"/>
+                  <a16:creationId xmlns:a16="http://schemas.microsoft.com/office/drawing/2014/main" xmlns="" id="{1DC7980E-38BF-4DAB-8A4D-AB72AAD0C655}"/>
                 </a:ext>
               </a:extLst>
             </p:cNvPr>
@@ -9269,7 +9336,7 @@
             <p:cNvPr id="30" name="Straight Arrow Connector 29">
               <a:extLst>
                 <a:ext uri="{FF2B5EF4-FFF2-40B4-BE49-F238E27FC236}">
-                  <a16:creationId xmlns:a16="http://schemas.microsoft.com/office/drawing/2014/main" id="{4E7AD613-C790-430E-899C-243F9DDC2CE5}"/>
+                  <a16:creationId xmlns:a16="http://schemas.microsoft.com/office/drawing/2014/main" xmlns="" id="{4E7AD613-C790-430E-899C-243F9DDC2CE5}"/>
                 </a:ext>
               </a:extLst>
             </p:cNvPr>
@@ -9313,7 +9380,7 @@
             <p:cNvPr id="31" name="Straight Arrow Connector 30">
               <a:extLst>
                 <a:ext uri="{FF2B5EF4-FFF2-40B4-BE49-F238E27FC236}">
-                  <a16:creationId xmlns:a16="http://schemas.microsoft.com/office/drawing/2014/main" id="{D6021C87-38B3-4CF2-B47E-D445E78B0848}"/>
+                  <a16:creationId xmlns:a16="http://schemas.microsoft.com/office/drawing/2014/main" xmlns="" id="{D6021C87-38B3-4CF2-B47E-D445E78B0848}"/>
                 </a:ext>
               </a:extLst>
             </p:cNvPr>
@@ -9386,7 +9453,7 @@
           <p:cNvPr id="16" name="Group 15">
             <a:extLst>
               <a:ext uri="{FF2B5EF4-FFF2-40B4-BE49-F238E27FC236}">
-                <a16:creationId xmlns:a16="http://schemas.microsoft.com/office/drawing/2014/main" id="{59A0DF96-3167-4938-9578-61DB3E76387F}"/>
+                <a16:creationId xmlns:a16="http://schemas.microsoft.com/office/drawing/2014/main" xmlns="" id="{59A0DF96-3167-4938-9578-61DB3E76387F}"/>
               </a:ext>
             </a:extLst>
           </p:cNvPr>
@@ -9406,7 +9473,7 @@
             <p:cNvPr id="2" name="Group 1">
               <a:extLst>
                 <a:ext uri="{FF2B5EF4-FFF2-40B4-BE49-F238E27FC236}">
-                  <a16:creationId xmlns:a16="http://schemas.microsoft.com/office/drawing/2014/main" id="{5F983A16-F716-41BA-B955-53B27E2124A8}"/>
+                  <a16:creationId xmlns:a16="http://schemas.microsoft.com/office/drawing/2014/main" xmlns="" id="{5F983A16-F716-41BA-B955-53B27E2124A8}"/>
                 </a:ext>
               </a:extLst>
             </p:cNvPr>
@@ -9426,7 +9493,7 @@
               <p:cNvPr id="3" name="Rectangle 2">
                 <a:extLst>
                   <a:ext uri="{FF2B5EF4-FFF2-40B4-BE49-F238E27FC236}">
-                    <a16:creationId xmlns:a16="http://schemas.microsoft.com/office/drawing/2014/main" id="{E9AAB40C-9AB0-4193-AF99-3BBDB72687CC}"/>
+                    <a16:creationId xmlns:a16="http://schemas.microsoft.com/office/drawing/2014/main" xmlns="" id="{E9AAB40C-9AB0-4193-AF99-3BBDB72687CC}"/>
                   </a:ext>
                 </a:extLst>
               </p:cNvPr>
@@ -9475,7 +9542,7 @@
               <p:cNvPr id="4" name="Straight Arrow Connector 3">
                 <a:extLst>
                   <a:ext uri="{FF2B5EF4-FFF2-40B4-BE49-F238E27FC236}">
-                    <a16:creationId xmlns:a16="http://schemas.microsoft.com/office/drawing/2014/main" id="{62ACEE98-BEE5-49B6-BA8C-13BB0B757132}"/>
+                    <a16:creationId xmlns:a16="http://schemas.microsoft.com/office/drawing/2014/main" xmlns="" id="{62ACEE98-BEE5-49B6-BA8C-13BB0B757132}"/>
                   </a:ext>
                 </a:extLst>
               </p:cNvPr>
@@ -9519,7 +9586,7 @@
               <p:cNvPr id="5" name="Straight Arrow Connector 4">
                 <a:extLst>
                   <a:ext uri="{FF2B5EF4-FFF2-40B4-BE49-F238E27FC236}">
-                    <a16:creationId xmlns:a16="http://schemas.microsoft.com/office/drawing/2014/main" id="{F86A276F-58CC-44AB-B619-618DA5671AA2}"/>
+                    <a16:creationId xmlns:a16="http://schemas.microsoft.com/office/drawing/2014/main" xmlns="" id="{F86A276F-58CC-44AB-B619-618DA5671AA2}"/>
                   </a:ext>
                 </a:extLst>
               </p:cNvPr>
@@ -9561,7 +9628,7 @@
               <p:cNvPr id="6" name="Freeform: Shape 5">
                 <a:extLst>
                   <a:ext uri="{FF2B5EF4-FFF2-40B4-BE49-F238E27FC236}">
-                    <a16:creationId xmlns:a16="http://schemas.microsoft.com/office/drawing/2014/main" id="{22E2F5B9-5AB0-48E7-93E8-7F1D28222840}"/>
+                    <a16:creationId xmlns:a16="http://schemas.microsoft.com/office/drawing/2014/main" xmlns="" id="{22E2F5B9-5AB0-48E7-93E8-7F1D28222840}"/>
                   </a:ext>
                 </a:extLst>
               </p:cNvPr>
@@ -9683,7 +9750,7 @@
             <p:cNvPr id="12" name="Group 11">
               <a:extLst>
                 <a:ext uri="{FF2B5EF4-FFF2-40B4-BE49-F238E27FC236}">
-                  <a16:creationId xmlns:a16="http://schemas.microsoft.com/office/drawing/2014/main" id="{45F03716-9E92-4FA1-9A31-A7E48ECF65AA}"/>
+                  <a16:creationId xmlns:a16="http://schemas.microsoft.com/office/drawing/2014/main" xmlns="" id="{45F03716-9E92-4FA1-9A31-A7E48ECF65AA}"/>
                 </a:ext>
               </a:extLst>
             </p:cNvPr>
@@ -9703,7 +9770,7 @@
               <p:cNvPr id="13" name="Rectangle 12">
                 <a:extLst>
                   <a:ext uri="{FF2B5EF4-FFF2-40B4-BE49-F238E27FC236}">
-                    <a16:creationId xmlns:a16="http://schemas.microsoft.com/office/drawing/2014/main" id="{D6550D2B-743E-4BD1-9DE6-7698B5C5AD68}"/>
+                    <a16:creationId xmlns:a16="http://schemas.microsoft.com/office/drawing/2014/main" xmlns="" id="{D6550D2B-743E-4BD1-9DE6-7698B5C5AD68}"/>
                   </a:ext>
                 </a:extLst>
               </p:cNvPr>
@@ -9752,7 +9819,7 @@
               <p:cNvPr id="14" name="Straight Arrow Connector 13">
                 <a:extLst>
                   <a:ext uri="{FF2B5EF4-FFF2-40B4-BE49-F238E27FC236}">
-                    <a16:creationId xmlns:a16="http://schemas.microsoft.com/office/drawing/2014/main" id="{F16272F1-E463-43B9-99D9-B9525966D0CA}"/>
+                    <a16:creationId xmlns:a16="http://schemas.microsoft.com/office/drawing/2014/main" xmlns="" id="{F16272F1-E463-43B9-99D9-B9525966D0CA}"/>
                   </a:ext>
                 </a:extLst>
               </p:cNvPr>
@@ -9796,7 +9863,7 @@
               <p:cNvPr id="15" name="Straight Arrow Connector 14">
                 <a:extLst>
                   <a:ext uri="{FF2B5EF4-FFF2-40B4-BE49-F238E27FC236}">
-                    <a16:creationId xmlns:a16="http://schemas.microsoft.com/office/drawing/2014/main" id="{98C38396-F925-4357-8924-F3165A365EB9}"/>
+                    <a16:creationId xmlns:a16="http://schemas.microsoft.com/office/drawing/2014/main" xmlns="" id="{98C38396-F925-4357-8924-F3165A365EB9}"/>
                   </a:ext>
                 </a:extLst>
               </p:cNvPr>
@@ -9848,6 +9915,3019 @@
 </p:sld>
 </file>
 
+<file path=ppt/slides/slide16.xml><?xml version="1.0" encoding="utf-8"?>
+<p:sld xmlns:a="http://schemas.openxmlformats.org/drawingml/2006/main" xmlns:r="http://schemas.openxmlformats.org/officeDocument/2006/relationships" xmlns:p="http://schemas.openxmlformats.org/presentationml/2006/main">
+  <p:cSld>
+    <p:spTree>
+      <p:nvGrpSpPr>
+        <p:cNvPr id="1" name=""/>
+        <p:cNvGrpSpPr/>
+        <p:nvPr/>
+      </p:nvGrpSpPr>
+      <p:grpSpPr>
+        <a:xfrm>
+          <a:off x="0" y="0"/>
+          <a:ext cx="0" cy="0"/>
+          <a:chOff x="0" y="0"/>
+          <a:chExt cx="0" cy="0"/>
+        </a:xfrm>
+      </p:grpSpPr>
+      <p:grpSp>
+        <p:nvGrpSpPr>
+          <p:cNvPr id="16" name="Group 15">
+            <a:extLst>
+              <a:ext uri="{FF2B5EF4-FFF2-40B4-BE49-F238E27FC236}">
+                <a16:creationId xmlns:a16="http://schemas.microsoft.com/office/drawing/2014/main" xmlns="" id="{59A0DF96-3167-4938-9578-61DB3E76387F}"/>
+              </a:ext>
+            </a:extLst>
+          </p:cNvPr>
+          <p:cNvGrpSpPr/>
+          <p:nvPr/>
+        </p:nvGrpSpPr>
+        <p:grpSpPr>
+          <a:xfrm>
+            <a:off x="1316044" y="2509719"/>
+            <a:ext cx="6511913" cy="1838562"/>
+            <a:chOff x="1228439" y="2132856"/>
+            <a:chExt cx="6511913" cy="1838562"/>
+          </a:xfrm>
+        </p:grpSpPr>
+        <p:grpSp>
+          <p:nvGrpSpPr>
+            <p:cNvPr id="2" name="Group 1">
+              <a:extLst>
+                <a:ext uri="{FF2B5EF4-FFF2-40B4-BE49-F238E27FC236}">
+                  <a16:creationId xmlns:a16="http://schemas.microsoft.com/office/drawing/2014/main" xmlns="" id="{5F983A16-F716-41BA-B955-53B27E2124A8}"/>
+                </a:ext>
+              </a:extLst>
+            </p:cNvPr>
+            <p:cNvGrpSpPr/>
+            <p:nvPr/>
+          </p:nvGrpSpPr>
+          <p:grpSpPr>
+            <a:xfrm>
+              <a:off x="4082752" y="2132856"/>
+              <a:ext cx="3657600" cy="1828800"/>
+              <a:chOff x="611560" y="726516"/>
+              <a:chExt cx="8136904" cy="3842018"/>
+            </a:xfrm>
+          </p:grpSpPr>
+          <p:sp>
+            <p:nvSpPr>
+              <p:cNvPr id="3" name="Rectangle 2">
+                <a:extLst>
+                  <a:ext uri="{FF2B5EF4-FFF2-40B4-BE49-F238E27FC236}">
+                    <a16:creationId xmlns:a16="http://schemas.microsoft.com/office/drawing/2014/main" xmlns="" id="{E9AAB40C-9AB0-4193-AF99-3BBDB72687CC}"/>
+                  </a:ext>
+                </a:extLst>
+              </p:cNvPr>
+              <p:cNvSpPr/>
+              <p:nvPr/>
+            </p:nvSpPr>
+            <p:spPr>
+              <a:xfrm flipH="1" flipV="1">
+                <a:off x="2432292" y="2289463"/>
+                <a:ext cx="4562827" cy="2279071"/>
+              </a:xfrm>
+              <a:prstGeom prst="rect">
+                <a:avLst/>
+              </a:prstGeom>
+              <a:ln w="57150">
+                <a:solidFill>
+                  <a:schemeClr val="tx1"/>
+                </a:solidFill>
+              </a:ln>
+            </p:spPr>
+            <p:style>
+              <a:lnRef idx="2">
+                <a:schemeClr val="accent6"/>
+              </a:lnRef>
+              <a:fillRef idx="1">
+                <a:schemeClr val="lt1"/>
+              </a:fillRef>
+              <a:effectRef idx="0">
+                <a:schemeClr val="accent6"/>
+              </a:effectRef>
+              <a:fontRef idx="minor">
+                <a:schemeClr val="dk1"/>
+              </a:fontRef>
+            </p:style>
+            <p:txBody>
+              <a:bodyPr rtlCol="0" anchor="ctr"/>
+              <a:lstStyle/>
+              <a:p>
+                <a:pPr algn="ctr"/>
+                <a:endParaRPr lang="en-US"/>
+              </a:p>
+            </p:txBody>
+          </p:sp>
+          <p:cxnSp>
+            <p:nvCxnSpPr>
+              <p:cNvPr id="4" name="Straight Arrow Connector 3">
+                <a:extLst>
+                  <a:ext uri="{FF2B5EF4-FFF2-40B4-BE49-F238E27FC236}">
+                    <a16:creationId xmlns:a16="http://schemas.microsoft.com/office/drawing/2014/main" xmlns="" id="{62ACEE98-BEE5-49B6-BA8C-13BB0B757132}"/>
+                  </a:ext>
+                </a:extLst>
+              </p:cNvPr>
+              <p:cNvCxnSpPr>
+                <a:cxnSpLocks/>
+              </p:cNvCxnSpPr>
+              <p:nvPr/>
+            </p:nvCxnSpPr>
+            <p:spPr>
+              <a:xfrm>
+                <a:off x="611560" y="3429000"/>
+                <a:ext cx="1753344" cy="0"/>
+              </a:xfrm>
+              <a:prstGeom prst="straightConnector1">
+                <a:avLst/>
+              </a:prstGeom>
+              <a:ln w="76200">
+                <a:solidFill>
+                  <a:schemeClr val="tx1"/>
+                </a:solidFill>
+                <a:tailEnd type="triangle"/>
+              </a:ln>
+            </p:spPr>
+            <p:style>
+              <a:lnRef idx="1">
+                <a:schemeClr val="accent1"/>
+              </a:lnRef>
+              <a:fillRef idx="0">
+                <a:schemeClr val="accent1"/>
+              </a:fillRef>
+              <a:effectRef idx="0">
+                <a:schemeClr val="accent1"/>
+              </a:effectRef>
+              <a:fontRef idx="minor">
+                <a:schemeClr val="tx1"/>
+              </a:fontRef>
+            </p:style>
+          </p:cxnSp>
+          <p:cxnSp>
+            <p:nvCxnSpPr>
+              <p:cNvPr id="5" name="Straight Arrow Connector 4">
+                <a:extLst>
+                  <a:ext uri="{FF2B5EF4-FFF2-40B4-BE49-F238E27FC236}">
+                    <a16:creationId xmlns:a16="http://schemas.microsoft.com/office/drawing/2014/main" xmlns="" id="{F86A276F-58CC-44AB-B619-618DA5671AA2}"/>
+                  </a:ext>
+                </a:extLst>
+              </p:cNvPr>
+              <p:cNvCxnSpPr/>
+              <p:nvPr/>
+            </p:nvCxnSpPr>
+            <p:spPr>
+              <a:xfrm>
+                <a:off x="6995120" y="3429000"/>
+                <a:ext cx="1753344" cy="0"/>
+              </a:xfrm>
+              <a:prstGeom prst="straightConnector1">
+                <a:avLst/>
+              </a:prstGeom>
+              <a:ln w="76200">
+                <a:solidFill>
+                  <a:schemeClr val="tx1"/>
+                </a:solidFill>
+                <a:tailEnd type="triangle"/>
+              </a:ln>
+            </p:spPr>
+            <p:style>
+              <a:lnRef idx="1">
+                <a:schemeClr val="accent1"/>
+              </a:lnRef>
+              <a:fillRef idx="0">
+                <a:schemeClr val="accent1"/>
+              </a:fillRef>
+              <a:effectRef idx="0">
+                <a:schemeClr val="accent1"/>
+              </a:effectRef>
+              <a:fontRef idx="minor">
+                <a:schemeClr val="tx1"/>
+              </a:fontRef>
+            </p:style>
+          </p:cxnSp>
+          <p:sp>
+            <p:nvSpPr>
+              <p:cNvPr id="6" name="Freeform: Shape 5">
+                <a:extLst>
+                  <a:ext uri="{FF2B5EF4-FFF2-40B4-BE49-F238E27FC236}">
+                    <a16:creationId xmlns:a16="http://schemas.microsoft.com/office/drawing/2014/main" xmlns="" id="{22E2F5B9-5AB0-48E7-93E8-7F1D28222840}"/>
+                  </a:ext>
+                </a:extLst>
+              </p:cNvPr>
+              <p:cNvSpPr/>
+              <p:nvPr/>
+            </p:nvSpPr>
+            <p:spPr>
+              <a:xfrm rot="2738072">
+                <a:off x="783598" y="1542698"/>
+                <a:ext cx="1876223" cy="243860"/>
+              </a:xfrm>
+              <a:custGeom>
+                <a:avLst/>
+                <a:gdLst>
+                  <a:gd name="connsiteX0" fmla="*/ 0 w 2602523"/>
+                  <a:gd name="connsiteY0" fmla="*/ 146580 h 395437"/>
+                  <a:gd name="connsiteX1" fmla="*/ 457200 w 2602523"/>
+                  <a:gd name="connsiteY1" fmla="*/ 5903 h 395437"/>
+                  <a:gd name="connsiteX2" fmla="*/ 949569 w 2602523"/>
+                  <a:gd name="connsiteY2" fmla="*/ 322426 h 395437"/>
+                  <a:gd name="connsiteX3" fmla="*/ 1547446 w 2602523"/>
+                  <a:gd name="connsiteY3" fmla="*/ 5903 h 395437"/>
+                  <a:gd name="connsiteX4" fmla="*/ 2039815 w 2602523"/>
+                  <a:gd name="connsiteY4" fmla="*/ 392764 h 395437"/>
+                  <a:gd name="connsiteX5" fmla="*/ 2602523 w 2602523"/>
+                  <a:gd name="connsiteY5" fmla="*/ 146580 h 395437"/>
+                </a:gdLst>
+                <a:ahLst/>
+                <a:cxnLst>
+                  <a:cxn ang="0">
+                    <a:pos x="connsiteX0" y="connsiteY0"/>
+                  </a:cxn>
+                  <a:cxn ang="0">
+                    <a:pos x="connsiteX1" y="connsiteY1"/>
+                  </a:cxn>
+                  <a:cxn ang="0">
+                    <a:pos x="connsiteX2" y="connsiteY2"/>
+                  </a:cxn>
+                  <a:cxn ang="0">
+                    <a:pos x="connsiteX3" y="connsiteY3"/>
+                  </a:cxn>
+                  <a:cxn ang="0">
+                    <a:pos x="connsiteX4" y="connsiteY4"/>
+                  </a:cxn>
+                  <a:cxn ang="0">
+                    <a:pos x="connsiteX5" y="connsiteY5"/>
+                  </a:cxn>
+                </a:cxnLst>
+                <a:rect l="l" t="t" r="r" b="b"/>
+                <a:pathLst>
+                  <a:path w="2602523" h="395437">
+                    <a:moveTo>
+                      <a:pt x="0" y="146580"/>
+                    </a:moveTo>
+                    <a:cubicBezTo>
+                      <a:pt x="149469" y="61587"/>
+                      <a:pt x="298939" y="-23405"/>
+                      <a:pt x="457200" y="5903"/>
+                    </a:cubicBezTo>
+                    <a:cubicBezTo>
+                      <a:pt x="615461" y="35211"/>
+                      <a:pt x="767861" y="322426"/>
+                      <a:pt x="949569" y="322426"/>
+                    </a:cubicBezTo>
+                    <a:cubicBezTo>
+                      <a:pt x="1131277" y="322426"/>
+                      <a:pt x="1365738" y="-5820"/>
+                      <a:pt x="1547446" y="5903"/>
+                    </a:cubicBezTo>
+                    <a:cubicBezTo>
+                      <a:pt x="1729154" y="17626"/>
+                      <a:pt x="1863969" y="369318"/>
+                      <a:pt x="2039815" y="392764"/>
+                    </a:cubicBezTo>
+                    <a:cubicBezTo>
+                      <a:pt x="2215661" y="416210"/>
+                      <a:pt x="2409092" y="281395"/>
+                      <a:pt x="2602523" y="146580"/>
+                    </a:cubicBezTo>
+                  </a:path>
+                </a:pathLst>
+              </a:custGeom>
+              <a:noFill/>
+              <a:ln w="76200">
+                <a:solidFill>
+                  <a:schemeClr val="tx1"/>
+                </a:solidFill>
+                <a:tailEnd type="triangle"/>
+              </a:ln>
+            </p:spPr>
+            <p:style>
+              <a:lnRef idx="2">
+                <a:schemeClr val="accent1">
+                  <a:shade val="50000"/>
+                </a:schemeClr>
+              </a:lnRef>
+              <a:fillRef idx="1">
+                <a:schemeClr val="accent1"/>
+              </a:fillRef>
+              <a:effectRef idx="0">
+                <a:schemeClr val="accent1"/>
+              </a:effectRef>
+              <a:fontRef idx="minor">
+                <a:schemeClr val="lt1"/>
+              </a:fontRef>
+            </p:style>
+            <p:txBody>
+              <a:bodyPr rtlCol="0" anchor="ctr"/>
+              <a:lstStyle/>
+              <a:p>
+                <a:pPr algn="ctr"/>
+                <a:endParaRPr lang="en-US"/>
+              </a:p>
+            </p:txBody>
+          </p:sp>
+        </p:grpSp>
+        <p:grpSp>
+          <p:nvGrpSpPr>
+            <p:cNvPr id="12" name="Group 11">
+              <a:extLst>
+                <a:ext uri="{FF2B5EF4-FFF2-40B4-BE49-F238E27FC236}">
+                  <a16:creationId xmlns:a16="http://schemas.microsoft.com/office/drawing/2014/main" xmlns="" id="{45F03716-9E92-4FA1-9A31-A7E48ECF65AA}"/>
+                </a:ext>
+              </a:extLst>
+            </p:cNvPr>
+            <p:cNvGrpSpPr/>
+            <p:nvPr/>
+          </p:nvGrpSpPr>
+          <p:grpSpPr>
+            <a:xfrm>
+              <a:off x="1228439" y="2886581"/>
+              <a:ext cx="3657600" cy="1084837"/>
+              <a:chOff x="611560" y="2289463"/>
+              <a:chExt cx="8136904" cy="2279071"/>
+            </a:xfrm>
+          </p:grpSpPr>
+          <p:sp>
+            <p:nvSpPr>
+              <p:cNvPr id="13" name="Rectangle 12">
+                <a:extLst>
+                  <a:ext uri="{FF2B5EF4-FFF2-40B4-BE49-F238E27FC236}">
+                    <a16:creationId xmlns:a16="http://schemas.microsoft.com/office/drawing/2014/main" xmlns="" id="{D6550D2B-743E-4BD1-9DE6-7698B5C5AD68}"/>
+                  </a:ext>
+                </a:extLst>
+              </p:cNvPr>
+              <p:cNvSpPr/>
+              <p:nvPr/>
+            </p:nvSpPr>
+            <p:spPr>
+              <a:xfrm flipH="1" flipV="1">
+                <a:off x="2432292" y="2289463"/>
+                <a:ext cx="4562827" cy="2279071"/>
+              </a:xfrm>
+              <a:prstGeom prst="rect">
+                <a:avLst/>
+              </a:prstGeom>
+              <a:ln w="57150">
+                <a:solidFill>
+                  <a:schemeClr val="tx1"/>
+                </a:solidFill>
+              </a:ln>
+            </p:spPr>
+            <p:style>
+              <a:lnRef idx="2">
+                <a:schemeClr val="accent6"/>
+              </a:lnRef>
+              <a:fillRef idx="1">
+                <a:schemeClr val="lt1"/>
+              </a:fillRef>
+              <a:effectRef idx="0">
+                <a:schemeClr val="accent6"/>
+              </a:effectRef>
+              <a:fontRef idx="minor">
+                <a:schemeClr val="dk1"/>
+              </a:fontRef>
+            </p:style>
+            <p:txBody>
+              <a:bodyPr rtlCol="0" anchor="ctr"/>
+              <a:lstStyle/>
+              <a:p>
+                <a:pPr algn="ctr"/>
+                <a:endParaRPr lang="en-US"/>
+              </a:p>
+            </p:txBody>
+          </p:sp>
+          <p:cxnSp>
+            <p:nvCxnSpPr>
+              <p:cNvPr id="14" name="Straight Arrow Connector 13">
+                <a:extLst>
+                  <a:ext uri="{FF2B5EF4-FFF2-40B4-BE49-F238E27FC236}">
+                    <a16:creationId xmlns:a16="http://schemas.microsoft.com/office/drawing/2014/main" xmlns="" id="{F16272F1-E463-43B9-99D9-B9525966D0CA}"/>
+                  </a:ext>
+                </a:extLst>
+              </p:cNvPr>
+              <p:cNvCxnSpPr>
+                <a:cxnSpLocks/>
+              </p:cNvCxnSpPr>
+              <p:nvPr/>
+            </p:nvCxnSpPr>
+            <p:spPr>
+              <a:xfrm>
+                <a:off x="611560" y="3429000"/>
+                <a:ext cx="1753344" cy="0"/>
+              </a:xfrm>
+              <a:prstGeom prst="straightConnector1">
+                <a:avLst/>
+              </a:prstGeom>
+              <a:ln w="76200">
+                <a:solidFill>
+                  <a:schemeClr val="tx1"/>
+                </a:solidFill>
+                <a:tailEnd type="triangle"/>
+              </a:ln>
+            </p:spPr>
+            <p:style>
+              <a:lnRef idx="1">
+                <a:schemeClr val="accent1"/>
+              </a:lnRef>
+              <a:fillRef idx="0">
+                <a:schemeClr val="accent1"/>
+              </a:fillRef>
+              <a:effectRef idx="0">
+                <a:schemeClr val="accent1"/>
+              </a:effectRef>
+              <a:fontRef idx="minor">
+                <a:schemeClr val="tx1"/>
+              </a:fontRef>
+            </p:style>
+          </p:cxnSp>
+          <p:cxnSp>
+            <p:nvCxnSpPr>
+              <p:cNvPr id="15" name="Straight Arrow Connector 14">
+                <a:extLst>
+                  <a:ext uri="{FF2B5EF4-FFF2-40B4-BE49-F238E27FC236}">
+                    <a16:creationId xmlns:a16="http://schemas.microsoft.com/office/drawing/2014/main" xmlns="" id="{98C38396-F925-4357-8924-F3165A365EB9}"/>
+                  </a:ext>
+                </a:extLst>
+              </p:cNvPr>
+              <p:cNvCxnSpPr/>
+              <p:nvPr/>
+            </p:nvCxnSpPr>
+            <p:spPr>
+              <a:xfrm>
+                <a:off x="6995120" y="3429000"/>
+                <a:ext cx="1753344" cy="0"/>
+              </a:xfrm>
+              <a:prstGeom prst="straightConnector1">
+                <a:avLst/>
+              </a:prstGeom>
+              <a:ln w="76200">
+                <a:solidFill>
+                  <a:schemeClr val="tx1"/>
+                </a:solidFill>
+                <a:tailEnd type="triangle"/>
+              </a:ln>
+            </p:spPr>
+            <p:style>
+              <a:lnRef idx="1">
+                <a:schemeClr val="accent1"/>
+              </a:lnRef>
+              <a:fillRef idx="0">
+                <a:schemeClr val="accent1"/>
+              </a:fillRef>
+              <a:effectRef idx="0">
+                <a:schemeClr val="accent1"/>
+              </a:effectRef>
+              <a:fontRef idx="minor">
+                <a:schemeClr val="tx1"/>
+              </a:fontRef>
+            </p:style>
+          </p:cxnSp>
+        </p:grpSp>
+      </p:grpSp>
+      <p:sp>
+        <p:nvSpPr>
+          <p:cNvPr id="8" name="TextBox 7"/>
+          <p:cNvSpPr txBox="1"/>
+          <p:nvPr/>
+        </p:nvSpPr>
+        <p:spPr>
+          <a:xfrm>
+            <a:off x="2853655" y="3611434"/>
+            <a:ext cx="612668" cy="369332"/>
+          </a:xfrm>
+          <a:prstGeom prst="rect">
+            <a:avLst/>
+          </a:prstGeom>
+          <a:noFill/>
+        </p:spPr>
+        <p:txBody>
+          <a:bodyPr wrap="none" rtlCol="0">
+            <a:spAutoFit/>
+          </a:bodyPr>
+          <a:lstStyle/>
+          <a:p>
+            <a:r>
+              <a:rPr lang="en-NZ" dirty="0"/>
+              <a:t>t</a:t>
+            </a:r>
+            <a:r>
+              <a:rPr lang="en-NZ" dirty="0" smtClean="0"/>
+              <a:t>=1</a:t>
+            </a:r>
+            <a:endParaRPr lang="en-NZ" dirty="0"/>
+          </a:p>
+        </p:txBody>
+      </p:sp>
+      <p:sp>
+        <p:nvSpPr>
+          <p:cNvPr id="18" name="TextBox 17"/>
+          <p:cNvSpPr txBox="1"/>
+          <p:nvPr/>
+        </p:nvSpPr>
+        <p:spPr>
+          <a:xfrm>
+            <a:off x="5707968" y="3611435"/>
+            <a:ext cx="612668" cy="369332"/>
+          </a:xfrm>
+          <a:prstGeom prst="rect">
+            <a:avLst/>
+          </a:prstGeom>
+          <a:noFill/>
+        </p:spPr>
+        <p:txBody>
+          <a:bodyPr wrap="none" rtlCol="0">
+            <a:spAutoFit/>
+          </a:bodyPr>
+          <a:lstStyle/>
+          <a:p>
+            <a:r>
+              <a:rPr lang="en-NZ" dirty="0" smtClean="0"/>
+              <a:t>t=2</a:t>
+            </a:r>
+            <a:endParaRPr lang="en-NZ" dirty="0"/>
+          </a:p>
+        </p:txBody>
+      </p:sp>
+      <mc:AlternateContent xmlns:mc="http://schemas.openxmlformats.org/markup-compatibility/2006">
+        <mc:Choice xmlns:a14="http://schemas.microsoft.com/office/drawing/2010/main" Requires="a14">
+          <p:sp>
+            <p:nvSpPr>
+              <p:cNvPr id="9" name="TextBox 8"/>
+              <p:cNvSpPr txBox="1"/>
+              <p:nvPr/>
+            </p:nvSpPr>
+            <p:spPr>
+              <a:xfrm>
+                <a:off x="4130186" y="3861048"/>
+                <a:ext cx="956929" cy="338554"/>
+              </a:xfrm>
+              <a:prstGeom prst="rect">
+                <a:avLst/>
+              </a:prstGeom>
+              <a:noFill/>
+            </p:spPr>
+            <p:txBody>
+              <a:bodyPr wrap="none" rtlCol="0">
+                <a:spAutoFit/>
+              </a:bodyPr>
+              <a:lstStyle/>
+              <a:p>
+                <a14:m>
+                  <m:oMathPara xmlns:m="http://schemas.openxmlformats.org/officeDocument/2006/math">
+                    <m:oMathParaPr>
+                      <m:jc m:val="centerGroup"/>
+                    </m:oMathParaPr>
+                    <m:oMath xmlns:m="http://schemas.openxmlformats.org/officeDocument/2006/math">
+                      <m:sSubSup>
+                        <m:sSubSupPr>
+                          <m:ctrlPr>
+                            <a:rPr lang="en-NZ" sz="1600" b="1" i="1" smtClean="0">
+                              <a:solidFill>
+                                <a:srgbClr val="FF0000"/>
+                              </a:solidFill>
+                              <a:latin typeface="Cambria Math"/>
+                            </a:rPr>
+                          </m:ctrlPr>
+                        </m:sSubSupPr>
+                        <m:e>
+                          <m:r>
+                            <a:rPr lang="en-NZ" sz="1600" b="1" i="1" smtClean="0">
+                              <a:solidFill>
+                                <a:srgbClr val="FF0000"/>
+                              </a:solidFill>
+                              <a:latin typeface="Cambria Math"/>
+                            </a:rPr>
+                            <m:t>𝒙</m:t>
+                          </m:r>
+                        </m:e>
+                        <m:sub>
+                          <m:r>
+                            <a:rPr lang="en-NZ" sz="1600" b="1" i="1" smtClean="0">
+                              <a:solidFill>
+                                <a:srgbClr val="FF0000"/>
+                              </a:solidFill>
+                              <a:latin typeface="Cambria Math"/>
+                            </a:rPr>
+                            <m:t>𝟏</m:t>
+                          </m:r>
+                        </m:sub>
+                        <m:sup>
+                          <m:r>
+                            <a:rPr lang="en-NZ" sz="1600" b="1" i="1" smtClean="0">
+                              <a:solidFill>
+                                <a:srgbClr val="FF0000"/>
+                              </a:solidFill>
+                              <a:latin typeface="Cambria Math"/>
+                            </a:rPr>
+                            <m:t>′</m:t>
+                          </m:r>
+                        </m:sup>
+                      </m:sSubSup>
+                      <m:r>
+                        <a:rPr lang="en-NZ" sz="1600" b="1" i="1" smtClean="0">
+                          <a:solidFill>
+                            <a:srgbClr val="FF0000"/>
+                          </a:solidFill>
+                          <a:latin typeface="Cambria Math"/>
+                        </a:rPr>
+                        <m:t>=</m:t>
+                      </m:r>
+                      <m:sSub>
+                        <m:sSubPr>
+                          <m:ctrlPr>
+                            <a:rPr lang="en-NZ" sz="1600" b="1" i="1" smtClean="0">
+                              <a:solidFill>
+                                <a:srgbClr val="FF0000"/>
+                              </a:solidFill>
+                              <a:latin typeface="Cambria Math"/>
+                            </a:rPr>
+                          </m:ctrlPr>
+                        </m:sSubPr>
+                        <m:e>
+                          <m:r>
+                            <a:rPr lang="en-NZ" sz="1600" b="1" i="1" smtClean="0">
+                              <a:solidFill>
+                                <a:srgbClr val="FF0000"/>
+                              </a:solidFill>
+                              <a:latin typeface="Cambria Math"/>
+                            </a:rPr>
+                            <m:t>𝒙</m:t>
+                          </m:r>
+                        </m:e>
+                        <m:sub>
+                          <m:r>
+                            <a:rPr lang="en-NZ" sz="1600" b="1" i="1" smtClean="0">
+                              <a:solidFill>
+                                <a:srgbClr val="FF0000"/>
+                              </a:solidFill>
+                              <a:latin typeface="Cambria Math"/>
+                            </a:rPr>
+                            <m:t>𝟐</m:t>
+                          </m:r>
+                        </m:sub>
+                      </m:sSub>
+                    </m:oMath>
+                  </m:oMathPara>
+                </a14:m>
+                <a:endParaRPr lang="en-NZ" sz="1600" b="1" dirty="0">
+                  <a:solidFill>
+                    <a:srgbClr val="FF0000"/>
+                  </a:solidFill>
+                </a:endParaRPr>
+              </a:p>
+            </p:txBody>
+          </p:sp>
+        </mc:Choice>
+        <mc:Fallback>
+          <p:sp>
+            <p:nvSpPr>
+              <p:cNvPr id="9" name="TextBox 8"/>
+              <p:cNvSpPr txBox="1">
+                <a:spLocks noRot="1" noChangeAspect="1" noMove="1" noResize="1" noEditPoints="1" noAdjustHandles="1" noChangeArrowheads="1" noChangeShapeType="1" noTextEdit="1"/>
+              </p:cNvSpPr>
+              <p:nvPr/>
+            </p:nvSpPr>
+            <p:spPr>
+              <a:xfrm>
+                <a:off x="4130186" y="3861048"/>
+                <a:ext cx="956929" cy="338554"/>
+              </a:xfrm>
+              <a:prstGeom prst="rect">
+                <a:avLst/>
+              </a:prstGeom>
+              <a:blipFill rotWithShape="1">
+                <a:blip r:embed="rId2"/>
+                <a:stretch>
+                  <a:fillRect/>
+                </a:stretch>
+              </a:blipFill>
+            </p:spPr>
+            <p:txBody>
+              <a:bodyPr/>
+              <a:lstStyle/>
+              <a:p>
+                <a:r>
+                  <a:rPr lang="en-NZ">
+                    <a:noFill/>
+                  </a:rPr>
+                  <a:t> </a:t>
+                </a:r>
+              </a:p>
+            </p:txBody>
+          </p:sp>
+        </mc:Fallback>
+      </mc:AlternateContent>
+    </p:spTree>
+    <p:extLst>
+      <p:ext uri="{BB962C8B-B14F-4D97-AF65-F5344CB8AC3E}">
+        <p14:creationId xmlns:p14="http://schemas.microsoft.com/office/powerpoint/2010/main" val="4135704390"/>
+      </p:ext>
+    </p:extLst>
+  </p:cSld>
+  <p:clrMapOvr>
+    <a:masterClrMapping/>
+  </p:clrMapOvr>
+</p:sld>
+</file>
+
+<file path=ppt/slides/slide17.xml><?xml version="1.0" encoding="utf-8"?>
+<p:sld xmlns:a="http://schemas.openxmlformats.org/drawingml/2006/main" xmlns:r="http://schemas.openxmlformats.org/officeDocument/2006/relationships" xmlns:p="http://schemas.openxmlformats.org/presentationml/2006/main">
+  <p:cSld>
+    <p:spTree>
+      <p:nvGrpSpPr>
+        <p:cNvPr id="1" name=""/>
+        <p:cNvGrpSpPr/>
+        <p:nvPr/>
+      </p:nvGrpSpPr>
+      <p:grpSpPr>
+        <a:xfrm>
+          <a:off x="0" y="0"/>
+          <a:ext cx="0" cy="0"/>
+          <a:chOff x="0" y="0"/>
+          <a:chExt cx="0" cy="0"/>
+        </a:xfrm>
+      </p:grpSpPr>
+      <p:grpSp>
+        <p:nvGrpSpPr>
+          <p:cNvPr id="16" name="Group 15">
+            <a:extLst>
+              <a:ext uri="{FF2B5EF4-FFF2-40B4-BE49-F238E27FC236}">
+                <a16:creationId xmlns:a16="http://schemas.microsoft.com/office/drawing/2014/main" xmlns="" id="{59A0DF96-3167-4938-9578-61DB3E76387F}"/>
+              </a:ext>
+            </a:extLst>
+          </p:cNvPr>
+          <p:cNvGrpSpPr/>
+          <p:nvPr/>
+        </p:nvGrpSpPr>
+        <p:grpSpPr>
+          <a:xfrm>
+            <a:off x="1316044" y="2509719"/>
+            <a:ext cx="6511913" cy="1838562"/>
+            <a:chOff x="1228439" y="2132856"/>
+            <a:chExt cx="6511913" cy="1838562"/>
+          </a:xfrm>
+        </p:grpSpPr>
+        <p:grpSp>
+          <p:nvGrpSpPr>
+            <p:cNvPr id="2" name="Group 1">
+              <a:extLst>
+                <a:ext uri="{FF2B5EF4-FFF2-40B4-BE49-F238E27FC236}">
+                  <a16:creationId xmlns:a16="http://schemas.microsoft.com/office/drawing/2014/main" xmlns="" id="{5F983A16-F716-41BA-B955-53B27E2124A8}"/>
+                </a:ext>
+              </a:extLst>
+            </p:cNvPr>
+            <p:cNvGrpSpPr/>
+            <p:nvPr/>
+          </p:nvGrpSpPr>
+          <p:grpSpPr>
+            <a:xfrm>
+              <a:off x="4082752" y="2132856"/>
+              <a:ext cx="3657600" cy="1828800"/>
+              <a:chOff x="611560" y="726516"/>
+              <a:chExt cx="8136904" cy="3842018"/>
+            </a:xfrm>
+          </p:grpSpPr>
+          <p:sp>
+            <p:nvSpPr>
+              <p:cNvPr id="3" name="Rectangle 2">
+                <a:extLst>
+                  <a:ext uri="{FF2B5EF4-FFF2-40B4-BE49-F238E27FC236}">
+                    <a16:creationId xmlns:a16="http://schemas.microsoft.com/office/drawing/2014/main" xmlns="" id="{E9AAB40C-9AB0-4193-AF99-3BBDB72687CC}"/>
+                  </a:ext>
+                </a:extLst>
+              </p:cNvPr>
+              <p:cNvSpPr/>
+              <p:nvPr/>
+            </p:nvSpPr>
+            <p:spPr>
+              <a:xfrm flipH="1" flipV="1">
+                <a:off x="2432292" y="2289463"/>
+                <a:ext cx="4562827" cy="2279071"/>
+              </a:xfrm>
+              <a:prstGeom prst="rect">
+                <a:avLst/>
+              </a:prstGeom>
+              <a:ln w="57150">
+                <a:solidFill>
+                  <a:schemeClr val="tx1"/>
+                </a:solidFill>
+              </a:ln>
+            </p:spPr>
+            <p:style>
+              <a:lnRef idx="2">
+                <a:schemeClr val="accent6"/>
+              </a:lnRef>
+              <a:fillRef idx="1">
+                <a:schemeClr val="lt1"/>
+              </a:fillRef>
+              <a:effectRef idx="0">
+                <a:schemeClr val="accent6"/>
+              </a:effectRef>
+              <a:fontRef idx="minor">
+                <a:schemeClr val="dk1"/>
+              </a:fontRef>
+            </p:style>
+            <p:txBody>
+              <a:bodyPr rtlCol="0" anchor="ctr"/>
+              <a:lstStyle/>
+              <a:p>
+                <a:pPr algn="ctr"/>
+                <a:endParaRPr lang="en-US"/>
+              </a:p>
+            </p:txBody>
+          </p:sp>
+          <p:cxnSp>
+            <p:nvCxnSpPr>
+              <p:cNvPr id="4" name="Straight Arrow Connector 3">
+                <a:extLst>
+                  <a:ext uri="{FF2B5EF4-FFF2-40B4-BE49-F238E27FC236}">
+                    <a16:creationId xmlns:a16="http://schemas.microsoft.com/office/drawing/2014/main" xmlns="" id="{62ACEE98-BEE5-49B6-BA8C-13BB0B757132}"/>
+                  </a:ext>
+                </a:extLst>
+              </p:cNvPr>
+              <p:cNvCxnSpPr>
+                <a:cxnSpLocks/>
+              </p:cNvCxnSpPr>
+              <p:nvPr/>
+            </p:nvCxnSpPr>
+            <p:spPr>
+              <a:xfrm>
+                <a:off x="611560" y="3429000"/>
+                <a:ext cx="1753344" cy="0"/>
+              </a:xfrm>
+              <a:prstGeom prst="straightConnector1">
+                <a:avLst/>
+              </a:prstGeom>
+              <a:ln w="76200">
+                <a:solidFill>
+                  <a:schemeClr val="tx1"/>
+                </a:solidFill>
+                <a:tailEnd type="triangle"/>
+              </a:ln>
+            </p:spPr>
+            <p:style>
+              <a:lnRef idx="1">
+                <a:schemeClr val="accent1"/>
+              </a:lnRef>
+              <a:fillRef idx="0">
+                <a:schemeClr val="accent1"/>
+              </a:fillRef>
+              <a:effectRef idx="0">
+                <a:schemeClr val="accent1"/>
+              </a:effectRef>
+              <a:fontRef idx="minor">
+                <a:schemeClr val="tx1"/>
+              </a:fontRef>
+            </p:style>
+          </p:cxnSp>
+          <p:cxnSp>
+            <p:nvCxnSpPr>
+              <p:cNvPr id="5" name="Straight Arrow Connector 4">
+                <a:extLst>
+                  <a:ext uri="{FF2B5EF4-FFF2-40B4-BE49-F238E27FC236}">
+                    <a16:creationId xmlns:a16="http://schemas.microsoft.com/office/drawing/2014/main" xmlns="" id="{F86A276F-58CC-44AB-B619-618DA5671AA2}"/>
+                  </a:ext>
+                </a:extLst>
+              </p:cNvPr>
+              <p:cNvCxnSpPr/>
+              <p:nvPr/>
+            </p:nvCxnSpPr>
+            <p:spPr>
+              <a:xfrm>
+                <a:off x="6995120" y="3429000"/>
+                <a:ext cx="1753344" cy="0"/>
+              </a:xfrm>
+              <a:prstGeom prst="straightConnector1">
+                <a:avLst/>
+              </a:prstGeom>
+              <a:ln w="76200">
+                <a:solidFill>
+                  <a:schemeClr val="tx1"/>
+                </a:solidFill>
+                <a:tailEnd type="triangle"/>
+              </a:ln>
+            </p:spPr>
+            <p:style>
+              <a:lnRef idx="1">
+                <a:schemeClr val="accent1"/>
+              </a:lnRef>
+              <a:fillRef idx="0">
+                <a:schemeClr val="accent1"/>
+              </a:fillRef>
+              <a:effectRef idx="0">
+                <a:schemeClr val="accent1"/>
+              </a:effectRef>
+              <a:fontRef idx="minor">
+                <a:schemeClr val="tx1"/>
+              </a:fontRef>
+            </p:style>
+          </p:cxnSp>
+          <p:sp>
+            <p:nvSpPr>
+              <p:cNvPr id="6" name="Freeform: Shape 5">
+                <a:extLst>
+                  <a:ext uri="{FF2B5EF4-FFF2-40B4-BE49-F238E27FC236}">
+                    <a16:creationId xmlns:a16="http://schemas.microsoft.com/office/drawing/2014/main" xmlns="" id="{22E2F5B9-5AB0-48E7-93E8-7F1D28222840}"/>
+                  </a:ext>
+                </a:extLst>
+              </p:cNvPr>
+              <p:cNvSpPr/>
+              <p:nvPr/>
+            </p:nvSpPr>
+            <p:spPr>
+              <a:xfrm rot="2738072">
+                <a:off x="783598" y="1542698"/>
+                <a:ext cx="1876223" cy="243860"/>
+              </a:xfrm>
+              <a:custGeom>
+                <a:avLst/>
+                <a:gdLst>
+                  <a:gd name="connsiteX0" fmla="*/ 0 w 2602523"/>
+                  <a:gd name="connsiteY0" fmla="*/ 146580 h 395437"/>
+                  <a:gd name="connsiteX1" fmla="*/ 457200 w 2602523"/>
+                  <a:gd name="connsiteY1" fmla="*/ 5903 h 395437"/>
+                  <a:gd name="connsiteX2" fmla="*/ 949569 w 2602523"/>
+                  <a:gd name="connsiteY2" fmla="*/ 322426 h 395437"/>
+                  <a:gd name="connsiteX3" fmla="*/ 1547446 w 2602523"/>
+                  <a:gd name="connsiteY3" fmla="*/ 5903 h 395437"/>
+                  <a:gd name="connsiteX4" fmla="*/ 2039815 w 2602523"/>
+                  <a:gd name="connsiteY4" fmla="*/ 392764 h 395437"/>
+                  <a:gd name="connsiteX5" fmla="*/ 2602523 w 2602523"/>
+                  <a:gd name="connsiteY5" fmla="*/ 146580 h 395437"/>
+                </a:gdLst>
+                <a:ahLst/>
+                <a:cxnLst>
+                  <a:cxn ang="0">
+                    <a:pos x="connsiteX0" y="connsiteY0"/>
+                  </a:cxn>
+                  <a:cxn ang="0">
+                    <a:pos x="connsiteX1" y="connsiteY1"/>
+                  </a:cxn>
+                  <a:cxn ang="0">
+                    <a:pos x="connsiteX2" y="connsiteY2"/>
+                  </a:cxn>
+                  <a:cxn ang="0">
+                    <a:pos x="connsiteX3" y="connsiteY3"/>
+                  </a:cxn>
+                  <a:cxn ang="0">
+                    <a:pos x="connsiteX4" y="connsiteY4"/>
+                  </a:cxn>
+                  <a:cxn ang="0">
+                    <a:pos x="connsiteX5" y="connsiteY5"/>
+                  </a:cxn>
+                </a:cxnLst>
+                <a:rect l="l" t="t" r="r" b="b"/>
+                <a:pathLst>
+                  <a:path w="2602523" h="395437">
+                    <a:moveTo>
+                      <a:pt x="0" y="146580"/>
+                    </a:moveTo>
+                    <a:cubicBezTo>
+                      <a:pt x="149469" y="61587"/>
+                      <a:pt x="298939" y="-23405"/>
+                      <a:pt x="457200" y="5903"/>
+                    </a:cubicBezTo>
+                    <a:cubicBezTo>
+                      <a:pt x="615461" y="35211"/>
+                      <a:pt x="767861" y="322426"/>
+                      <a:pt x="949569" y="322426"/>
+                    </a:cubicBezTo>
+                    <a:cubicBezTo>
+                      <a:pt x="1131277" y="322426"/>
+                      <a:pt x="1365738" y="-5820"/>
+                      <a:pt x="1547446" y="5903"/>
+                    </a:cubicBezTo>
+                    <a:cubicBezTo>
+                      <a:pt x="1729154" y="17626"/>
+                      <a:pt x="1863969" y="369318"/>
+                      <a:pt x="2039815" y="392764"/>
+                    </a:cubicBezTo>
+                    <a:cubicBezTo>
+                      <a:pt x="2215661" y="416210"/>
+                      <a:pt x="2409092" y="281395"/>
+                      <a:pt x="2602523" y="146580"/>
+                    </a:cubicBezTo>
+                  </a:path>
+                </a:pathLst>
+              </a:custGeom>
+              <a:noFill/>
+              <a:ln w="76200">
+                <a:solidFill>
+                  <a:schemeClr val="tx1"/>
+                </a:solidFill>
+                <a:tailEnd type="triangle"/>
+              </a:ln>
+            </p:spPr>
+            <p:style>
+              <a:lnRef idx="2">
+                <a:schemeClr val="accent1">
+                  <a:shade val="50000"/>
+                </a:schemeClr>
+              </a:lnRef>
+              <a:fillRef idx="1">
+                <a:schemeClr val="accent1"/>
+              </a:fillRef>
+              <a:effectRef idx="0">
+                <a:schemeClr val="accent1"/>
+              </a:effectRef>
+              <a:fontRef idx="minor">
+                <a:schemeClr val="lt1"/>
+              </a:fontRef>
+            </p:style>
+            <p:txBody>
+              <a:bodyPr rtlCol="0" anchor="ctr"/>
+              <a:lstStyle/>
+              <a:p>
+                <a:pPr algn="ctr"/>
+                <a:endParaRPr lang="en-US"/>
+              </a:p>
+            </p:txBody>
+          </p:sp>
+        </p:grpSp>
+        <p:grpSp>
+          <p:nvGrpSpPr>
+            <p:cNvPr id="12" name="Group 11">
+              <a:extLst>
+                <a:ext uri="{FF2B5EF4-FFF2-40B4-BE49-F238E27FC236}">
+                  <a16:creationId xmlns:a16="http://schemas.microsoft.com/office/drawing/2014/main" xmlns="" id="{45F03716-9E92-4FA1-9A31-A7E48ECF65AA}"/>
+                </a:ext>
+              </a:extLst>
+            </p:cNvPr>
+            <p:cNvGrpSpPr/>
+            <p:nvPr/>
+          </p:nvGrpSpPr>
+          <p:grpSpPr>
+            <a:xfrm>
+              <a:off x="1228439" y="2886581"/>
+              <a:ext cx="3657600" cy="1084837"/>
+              <a:chOff x="611560" y="2289463"/>
+              <a:chExt cx="8136904" cy="2279071"/>
+            </a:xfrm>
+          </p:grpSpPr>
+          <p:sp>
+            <p:nvSpPr>
+              <p:cNvPr id="13" name="Rectangle 12">
+                <a:extLst>
+                  <a:ext uri="{FF2B5EF4-FFF2-40B4-BE49-F238E27FC236}">
+                    <a16:creationId xmlns:a16="http://schemas.microsoft.com/office/drawing/2014/main" xmlns="" id="{D6550D2B-743E-4BD1-9DE6-7698B5C5AD68}"/>
+                  </a:ext>
+                </a:extLst>
+              </p:cNvPr>
+              <p:cNvSpPr/>
+              <p:nvPr/>
+            </p:nvSpPr>
+            <p:spPr>
+              <a:xfrm flipH="1" flipV="1">
+                <a:off x="2432292" y="2289463"/>
+                <a:ext cx="4562827" cy="2279071"/>
+              </a:xfrm>
+              <a:prstGeom prst="rect">
+                <a:avLst/>
+              </a:prstGeom>
+              <a:ln w="57150">
+                <a:solidFill>
+                  <a:schemeClr val="tx1"/>
+                </a:solidFill>
+              </a:ln>
+            </p:spPr>
+            <p:style>
+              <a:lnRef idx="2">
+                <a:schemeClr val="accent6"/>
+              </a:lnRef>
+              <a:fillRef idx="1">
+                <a:schemeClr val="lt1"/>
+              </a:fillRef>
+              <a:effectRef idx="0">
+                <a:schemeClr val="accent6"/>
+              </a:effectRef>
+              <a:fontRef idx="minor">
+                <a:schemeClr val="dk1"/>
+              </a:fontRef>
+            </p:style>
+            <p:txBody>
+              <a:bodyPr rtlCol="0" anchor="ctr"/>
+              <a:lstStyle/>
+              <a:p>
+                <a:pPr algn="ctr"/>
+                <a:endParaRPr lang="en-US"/>
+              </a:p>
+            </p:txBody>
+          </p:sp>
+          <p:cxnSp>
+            <p:nvCxnSpPr>
+              <p:cNvPr id="14" name="Straight Arrow Connector 13">
+                <a:extLst>
+                  <a:ext uri="{FF2B5EF4-FFF2-40B4-BE49-F238E27FC236}">
+                    <a16:creationId xmlns:a16="http://schemas.microsoft.com/office/drawing/2014/main" xmlns="" id="{F16272F1-E463-43B9-99D9-B9525966D0CA}"/>
+                  </a:ext>
+                </a:extLst>
+              </p:cNvPr>
+              <p:cNvCxnSpPr>
+                <a:cxnSpLocks/>
+              </p:cNvCxnSpPr>
+              <p:nvPr/>
+            </p:nvCxnSpPr>
+            <p:spPr>
+              <a:xfrm>
+                <a:off x="611560" y="3429000"/>
+                <a:ext cx="1753344" cy="0"/>
+              </a:xfrm>
+              <a:prstGeom prst="straightConnector1">
+                <a:avLst/>
+              </a:prstGeom>
+              <a:ln w="76200">
+                <a:solidFill>
+                  <a:schemeClr val="tx1"/>
+                </a:solidFill>
+                <a:tailEnd type="triangle"/>
+              </a:ln>
+            </p:spPr>
+            <p:style>
+              <a:lnRef idx="1">
+                <a:schemeClr val="accent1"/>
+              </a:lnRef>
+              <a:fillRef idx="0">
+                <a:schemeClr val="accent1"/>
+              </a:fillRef>
+              <a:effectRef idx="0">
+                <a:schemeClr val="accent1"/>
+              </a:effectRef>
+              <a:fontRef idx="minor">
+                <a:schemeClr val="tx1"/>
+              </a:fontRef>
+            </p:style>
+          </p:cxnSp>
+          <p:cxnSp>
+            <p:nvCxnSpPr>
+              <p:cNvPr id="15" name="Straight Arrow Connector 14">
+                <a:extLst>
+                  <a:ext uri="{FF2B5EF4-FFF2-40B4-BE49-F238E27FC236}">
+                    <a16:creationId xmlns:a16="http://schemas.microsoft.com/office/drawing/2014/main" xmlns="" id="{98C38396-F925-4357-8924-F3165A365EB9}"/>
+                  </a:ext>
+                </a:extLst>
+              </p:cNvPr>
+              <p:cNvCxnSpPr/>
+              <p:nvPr/>
+            </p:nvCxnSpPr>
+            <p:spPr>
+              <a:xfrm>
+                <a:off x="6995120" y="3429000"/>
+                <a:ext cx="1753344" cy="0"/>
+              </a:xfrm>
+              <a:prstGeom prst="straightConnector1">
+                <a:avLst/>
+              </a:prstGeom>
+              <a:ln w="76200">
+                <a:solidFill>
+                  <a:schemeClr val="tx1"/>
+                </a:solidFill>
+                <a:tailEnd type="triangle"/>
+              </a:ln>
+            </p:spPr>
+            <p:style>
+              <a:lnRef idx="1">
+                <a:schemeClr val="accent1"/>
+              </a:lnRef>
+              <a:fillRef idx="0">
+                <a:schemeClr val="accent1"/>
+              </a:fillRef>
+              <a:effectRef idx="0">
+                <a:schemeClr val="accent1"/>
+              </a:effectRef>
+              <a:fontRef idx="minor">
+                <a:schemeClr val="tx1"/>
+              </a:fontRef>
+            </p:style>
+          </p:cxnSp>
+        </p:grpSp>
+      </p:grpSp>
+      <p:sp>
+        <p:nvSpPr>
+          <p:cNvPr id="7" name="TextBox 6"/>
+          <p:cNvSpPr txBox="1"/>
+          <p:nvPr/>
+        </p:nvSpPr>
+        <p:spPr>
+          <a:xfrm>
+            <a:off x="689289" y="3301910"/>
+            <a:ext cx="604653" cy="1015663"/>
+          </a:xfrm>
+          <a:prstGeom prst="rect">
+            <a:avLst/>
+          </a:prstGeom>
+          <a:noFill/>
+        </p:spPr>
+        <p:txBody>
+          <a:bodyPr wrap="none" rtlCol="0">
+            <a:spAutoFit/>
+          </a:bodyPr>
+          <a:lstStyle/>
+          <a:p>
+            <a:r>
+              <a:rPr lang="en-NZ" sz="6000" dirty="0" smtClean="0">
+                <a:solidFill>
+                  <a:srgbClr val="FF0000"/>
+                </a:solidFill>
+              </a:rPr>
+              <a:t>?</a:t>
+            </a:r>
+            <a:endParaRPr lang="en-NZ" dirty="0">
+              <a:solidFill>
+                <a:srgbClr val="FF0000"/>
+              </a:solidFill>
+            </a:endParaRPr>
+          </a:p>
+        </p:txBody>
+      </p:sp>
+      <p:sp>
+        <p:nvSpPr>
+          <p:cNvPr id="17" name="TextBox 16"/>
+          <p:cNvSpPr txBox="1"/>
+          <p:nvPr/>
+        </p:nvSpPr>
+        <p:spPr>
+          <a:xfrm>
+            <a:off x="7884368" y="3301910"/>
+            <a:ext cx="604653" cy="1015663"/>
+          </a:xfrm>
+          <a:prstGeom prst="rect">
+            <a:avLst/>
+          </a:prstGeom>
+          <a:noFill/>
+        </p:spPr>
+        <p:txBody>
+          <a:bodyPr wrap="none" rtlCol="0">
+            <a:spAutoFit/>
+          </a:bodyPr>
+          <a:lstStyle/>
+          <a:p>
+            <a:r>
+              <a:rPr lang="en-NZ" sz="6000" dirty="0" smtClean="0">
+                <a:solidFill>
+                  <a:srgbClr val="FF0000"/>
+                </a:solidFill>
+              </a:rPr>
+              <a:t>?</a:t>
+            </a:r>
+            <a:endParaRPr lang="en-NZ" dirty="0">
+              <a:solidFill>
+                <a:srgbClr val="FF0000"/>
+              </a:solidFill>
+            </a:endParaRPr>
+          </a:p>
+        </p:txBody>
+      </p:sp>
+      <p:sp>
+        <p:nvSpPr>
+          <p:cNvPr id="8" name="TextBox 7"/>
+          <p:cNvSpPr txBox="1"/>
+          <p:nvPr/>
+        </p:nvSpPr>
+        <p:spPr>
+          <a:xfrm>
+            <a:off x="2853655" y="3611434"/>
+            <a:ext cx="612668" cy="369332"/>
+          </a:xfrm>
+          <a:prstGeom prst="rect">
+            <a:avLst/>
+          </a:prstGeom>
+          <a:noFill/>
+        </p:spPr>
+        <p:txBody>
+          <a:bodyPr wrap="none" rtlCol="0">
+            <a:spAutoFit/>
+          </a:bodyPr>
+          <a:lstStyle/>
+          <a:p>
+            <a:r>
+              <a:rPr lang="en-NZ" dirty="0"/>
+              <a:t>t</a:t>
+            </a:r>
+            <a:r>
+              <a:rPr lang="en-NZ" dirty="0" smtClean="0"/>
+              <a:t>=1</a:t>
+            </a:r>
+            <a:endParaRPr lang="en-NZ" dirty="0"/>
+          </a:p>
+        </p:txBody>
+      </p:sp>
+      <p:sp>
+        <p:nvSpPr>
+          <p:cNvPr id="18" name="TextBox 17"/>
+          <p:cNvSpPr txBox="1"/>
+          <p:nvPr/>
+        </p:nvSpPr>
+        <p:spPr>
+          <a:xfrm>
+            <a:off x="5707968" y="3611435"/>
+            <a:ext cx="612668" cy="369332"/>
+          </a:xfrm>
+          <a:prstGeom prst="rect">
+            <a:avLst/>
+          </a:prstGeom>
+          <a:noFill/>
+        </p:spPr>
+        <p:txBody>
+          <a:bodyPr wrap="none" rtlCol="0">
+            <a:spAutoFit/>
+          </a:bodyPr>
+          <a:lstStyle/>
+          <a:p>
+            <a:r>
+              <a:rPr lang="en-NZ" dirty="0" smtClean="0"/>
+              <a:t>t=2</a:t>
+            </a:r>
+            <a:endParaRPr lang="en-NZ" dirty="0"/>
+          </a:p>
+        </p:txBody>
+      </p:sp>
+      <mc:AlternateContent xmlns:mc="http://schemas.openxmlformats.org/markup-compatibility/2006">
+        <mc:Choice xmlns:a14="http://schemas.microsoft.com/office/drawing/2010/main" Requires="a14">
+          <p:sp>
+            <p:nvSpPr>
+              <p:cNvPr id="9" name="TextBox 8"/>
+              <p:cNvSpPr txBox="1"/>
+              <p:nvPr/>
+            </p:nvSpPr>
+            <p:spPr>
+              <a:xfrm>
+                <a:off x="4130186" y="3861048"/>
+                <a:ext cx="924163" cy="338554"/>
+              </a:xfrm>
+              <a:prstGeom prst="rect">
+                <a:avLst/>
+              </a:prstGeom>
+              <a:noFill/>
+            </p:spPr>
+            <p:txBody>
+              <a:bodyPr wrap="none" rtlCol="0">
+                <a:spAutoFit/>
+              </a:bodyPr>
+              <a:lstStyle/>
+              <a:p>
+                <a14:m>
+                  <m:oMathPara xmlns:m="http://schemas.openxmlformats.org/officeDocument/2006/math">
+                    <m:oMathParaPr>
+                      <m:jc m:val="centerGroup"/>
+                    </m:oMathParaPr>
+                    <m:oMath xmlns:m="http://schemas.openxmlformats.org/officeDocument/2006/math">
+                      <m:sSubSup>
+                        <m:sSubSupPr>
+                          <m:ctrlPr>
+                            <a:rPr lang="en-NZ" sz="1600" b="0" i="1" smtClean="0">
+                              <a:latin typeface="Cambria Math"/>
+                            </a:rPr>
+                          </m:ctrlPr>
+                        </m:sSubSupPr>
+                        <m:e>
+                          <m:r>
+                            <a:rPr lang="en-NZ" sz="1600" b="0" i="1" smtClean="0">
+                              <a:latin typeface="Cambria Math"/>
+                            </a:rPr>
+                            <m:t>𝑥</m:t>
+                          </m:r>
+                        </m:e>
+                        <m:sub>
+                          <m:r>
+                            <a:rPr lang="en-NZ" sz="1600" b="0" i="1" smtClean="0">
+                              <a:latin typeface="Cambria Math"/>
+                            </a:rPr>
+                            <m:t>1</m:t>
+                          </m:r>
+                        </m:sub>
+                        <m:sup>
+                          <m:r>
+                            <a:rPr lang="en-NZ" sz="1600" b="0" i="1" smtClean="0">
+                              <a:latin typeface="Cambria Math"/>
+                            </a:rPr>
+                            <m:t>′</m:t>
+                          </m:r>
+                        </m:sup>
+                      </m:sSubSup>
+                      <m:r>
+                        <a:rPr lang="en-NZ" sz="1600" b="0" i="1" smtClean="0">
+                          <a:latin typeface="Cambria Math"/>
+                        </a:rPr>
+                        <m:t>=</m:t>
+                      </m:r>
+                      <m:sSub>
+                        <m:sSubPr>
+                          <m:ctrlPr>
+                            <a:rPr lang="en-NZ" sz="1600" b="0" i="1" smtClean="0">
+                              <a:latin typeface="Cambria Math"/>
+                            </a:rPr>
+                          </m:ctrlPr>
+                        </m:sSubPr>
+                        <m:e>
+                          <m:r>
+                            <a:rPr lang="en-NZ" sz="1600" b="0" i="1" smtClean="0">
+                              <a:latin typeface="Cambria Math"/>
+                            </a:rPr>
+                            <m:t>𝑥</m:t>
+                          </m:r>
+                        </m:e>
+                        <m:sub>
+                          <m:r>
+                            <a:rPr lang="en-NZ" sz="1600" b="0" i="1" smtClean="0">
+                              <a:latin typeface="Cambria Math"/>
+                            </a:rPr>
+                            <m:t>2</m:t>
+                          </m:r>
+                        </m:sub>
+                      </m:sSub>
+                    </m:oMath>
+                  </m:oMathPara>
+                </a14:m>
+                <a:endParaRPr lang="en-NZ" sz="1600" dirty="0"/>
+              </a:p>
+            </p:txBody>
+          </p:sp>
+        </mc:Choice>
+        <mc:Fallback>
+          <p:sp>
+            <p:nvSpPr>
+              <p:cNvPr id="9" name="TextBox 8"/>
+              <p:cNvSpPr txBox="1">
+                <a:spLocks noRot="1" noChangeAspect="1" noMove="1" noResize="1" noEditPoints="1" noAdjustHandles="1" noChangeArrowheads="1" noChangeShapeType="1" noTextEdit="1"/>
+              </p:cNvSpPr>
+              <p:nvPr/>
+            </p:nvSpPr>
+            <p:spPr>
+              <a:xfrm>
+                <a:off x="4130186" y="3861048"/>
+                <a:ext cx="924163" cy="338554"/>
+              </a:xfrm>
+              <a:prstGeom prst="rect">
+                <a:avLst/>
+              </a:prstGeom>
+              <a:blipFill rotWithShape="1">
+                <a:blip r:embed="rId2"/>
+                <a:stretch>
+                  <a:fillRect/>
+                </a:stretch>
+              </a:blipFill>
+            </p:spPr>
+            <p:txBody>
+              <a:bodyPr/>
+              <a:lstStyle/>
+              <a:p>
+                <a:r>
+                  <a:rPr lang="en-NZ">
+                    <a:noFill/>
+                  </a:rPr>
+                  <a:t> </a:t>
+                </a:r>
+              </a:p>
+            </p:txBody>
+          </p:sp>
+        </mc:Fallback>
+      </mc:AlternateContent>
+    </p:spTree>
+    <p:extLst>
+      <p:ext uri="{BB962C8B-B14F-4D97-AF65-F5344CB8AC3E}">
+        <p14:creationId xmlns:p14="http://schemas.microsoft.com/office/powerpoint/2010/main" val="3832510328"/>
+      </p:ext>
+    </p:extLst>
+  </p:cSld>
+  <p:clrMapOvr>
+    <a:masterClrMapping/>
+  </p:clrMapOvr>
+</p:sld>
+</file>
+
+<file path=ppt/slides/slide18.xml><?xml version="1.0" encoding="utf-8"?>
+<p:sld xmlns:a="http://schemas.openxmlformats.org/drawingml/2006/main" xmlns:r="http://schemas.openxmlformats.org/officeDocument/2006/relationships" xmlns:p="http://schemas.openxmlformats.org/presentationml/2006/main">
+  <p:cSld>
+    <p:spTree>
+      <p:nvGrpSpPr>
+        <p:cNvPr id="1" name=""/>
+        <p:cNvGrpSpPr/>
+        <p:nvPr/>
+      </p:nvGrpSpPr>
+      <p:grpSpPr>
+        <a:xfrm>
+          <a:off x="0" y="0"/>
+          <a:ext cx="0" cy="0"/>
+          <a:chOff x="0" y="0"/>
+          <a:chExt cx="0" cy="0"/>
+        </a:xfrm>
+      </p:grpSpPr>
+      <p:grpSp>
+        <p:nvGrpSpPr>
+          <p:cNvPr id="16" name="Group 15">
+            <a:extLst>
+              <a:ext uri="{FF2B5EF4-FFF2-40B4-BE49-F238E27FC236}">
+                <a16:creationId xmlns:a16="http://schemas.microsoft.com/office/drawing/2014/main" xmlns="" id="{59A0DF96-3167-4938-9578-61DB3E76387F}"/>
+              </a:ext>
+            </a:extLst>
+          </p:cNvPr>
+          <p:cNvGrpSpPr/>
+          <p:nvPr/>
+        </p:nvGrpSpPr>
+        <p:grpSpPr>
+          <a:xfrm>
+            <a:off x="1316044" y="2509719"/>
+            <a:ext cx="5723771" cy="1838562"/>
+            <a:chOff x="1228439" y="2132856"/>
+            <a:chExt cx="5723771" cy="1838562"/>
+          </a:xfrm>
+        </p:grpSpPr>
+        <p:grpSp>
+          <p:nvGrpSpPr>
+            <p:cNvPr id="2" name="Group 1">
+              <a:extLst>
+                <a:ext uri="{FF2B5EF4-FFF2-40B4-BE49-F238E27FC236}">
+                  <a16:creationId xmlns:a16="http://schemas.microsoft.com/office/drawing/2014/main" xmlns="" id="{5F983A16-F716-41BA-B955-53B27E2124A8}"/>
+                </a:ext>
+              </a:extLst>
+            </p:cNvPr>
+            <p:cNvGrpSpPr/>
+            <p:nvPr/>
+          </p:nvGrpSpPr>
+          <p:grpSpPr>
+            <a:xfrm>
+              <a:off x="4082752" y="2132856"/>
+              <a:ext cx="2869458" cy="1828800"/>
+              <a:chOff x="611560" y="726516"/>
+              <a:chExt cx="6383559" cy="3842018"/>
+            </a:xfrm>
+          </p:grpSpPr>
+          <p:sp>
+            <p:nvSpPr>
+              <p:cNvPr id="3" name="Rectangle 2">
+                <a:extLst>
+                  <a:ext uri="{FF2B5EF4-FFF2-40B4-BE49-F238E27FC236}">
+                    <a16:creationId xmlns:a16="http://schemas.microsoft.com/office/drawing/2014/main" xmlns="" id="{E9AAB40C-9AB0-4193-AF99-3BBDB72687CC}"/>
+                  </a:ext>
+                </a:extLst>
+              </p:cNvPr>
+              <p:cNvSpPr/>
+              <p:nvPr/>
+            </p:nvSpPr>
+            <p:spPr>
+              <a:xfrm flipH="1" flipV="1">
+                <a:off x="2432292" y="2289463"/>
+                <a:ext cx="4562827" cy="2279071"/>
+              </a:xfrm>
+              <a:prstGeom prst="rect">
+                <a:avLst/>
+              </a:prstGeom>
+              <a:ln w="57150">
+                <a:solidFill>
+                  <a:schemeClr val="tx1"/>
+                </a:solidFill>
+              </a:ln>
+            </p:spPr>
+            <p:style>
+              <a:lnRef idx="2">
+                <a:schemeClr val="accent6"/>
+              </a:lnRef>
+              <a:fillRef idx="1">
+                <a:schemeClr val="lt1"/>
+              </a:fillRef>
+              <a:effectRef idx="0">
+                <a:schemeClr val="accent6"/>
+              </a:effectRef>
+              <a:fontRef idx="minor">
+                <a:schemeClr val="dk1"/>
+              </a:fontRef>
+            </p:style>
+            <p:txBody>
+              <a:bodyPr rtlCol="0" anchor="ctr"/>
+              <a:lstStyle/>
+              <a:p>
+                <a:pPr algn="ctr"/>
+                <a:endParaRPr lang="en-US"/>
+              </a:p>
+            </p:txBody>
+          </p:sp>
+          <p:cxnSp>
+            <p:nvCxnSpPr>
+              <p:cNvPr id="4" name="Straight Arrow Connector 3">
+                <a:extLst>
+                  <a:ext uri="{FF2B5EF4-FFF2-40B4-BE49-F238E27FC236}">
+                    <a16:creationId xmlns:a16="http://schemas.microsoft.com/office/drawing/2014/main" xmlns="" id="{62ACEE98-BEE5-49B6-BA8C-13BB0B757132}"/>
+                  </a:ext>
+                </a:extLst>
+              </p:cNvPr>
+              <p:cNvCxnSpPr>
+                <a:cxnSpLocks/>
+              </p:cNvCxnSpPr>
+              <p:nvPr/>
+            </p:nvCxnSpPr>
+            <p:spPr>
+              <a:xfrm>
+                <a:off x="611560" y="3429000"/>
+                <a:ext cx="1753344" cy="0"/>
+              </a:xfrm>
+              <a:prstGeom prst="straightConnector1">
+                <a:avLst/>
+              </a:prstGeom>
+              <a:ln w="76200">
+                <a:solidFill>
+                  <a:schemeClr val="tx1"/>
+                </a:solidFill>
+                <a:tailEnd type="triangle"/>
+              </a:ln>
+            </p:spPr>
+            <p:style>
+              <a:lnRef idx="1">
+                <a:schemeClr val="accent1"/>
+              </a:lnRef>
+              <a:fillRef idx="0">
+                <a:schemeClr val="accent1"/>
+              </a:fillRef>
+              <a:effectRef idx="0">
+                <a:schemeClr val="accent1"/>
+              </a:effectRef>
+              <a:fontRef idx="minor">
+                <a:schemeClr val="tx1"/>
+              </a:fontRef>
+            </p:style>
+          </p:cxnSp>
+          <p:sp>
+            <p:nvSpPr>
+              <p:cNvPr id="6" name="Freeform: Shape 5">
+                <a:extLst>
+                  <a:ext uri="{FF2B5EF4-FFF2-40B4-BE49-F238E27FC236}">
+                    <a16:creationId xmlns:a16="http://schemas.microsoft.com/office/drawing/2014/main" xmlns="" id="{22E2F5B9-5AB0-48E7-93E8-7F1D28222840}"/>
+                  </a:ext>
+                </a:extLst>
+              </p:cNvPr>
+              <p:cNvSpPr/>
+              <p:nvPr/>
+            </p:nvSpPr>
+            <p:spPr>
+              <a:xfrm rot="2738072">
+                <a:off x="783598" y="1542698"/>
+                <a:ext cx="1876223" cy="243860"/>
+              </a:xfrm>
+              <a:custGeom>
+                <a:avLst/>
+                <a:gdLst>
+                  <a:gd name="connsiteX0" fmla="*/ 0 w 2602523"/>
+                  <a:gd name="connsiteY0" fmla="*/ 146580 h 395437"/>
+                  <a:gd name="connsiteX1" fmla="*/ 457200 w 2602523"/>
+                  <a:gd name="connsiteY1" fmla="*/ 5903 h 395437"/>
+                  <a:gd name="connsiteX2" fmla="*/ 949569 w 2602523"/>
+                  <a:gd name="connsiteY2" fmla="*/ 322426 h 395437"/>
+                  <a:gd name="connsiteX3" fmla="*/ 1547446 w 2602523"/>
+                  <a:gd name="connsiteY3" fmla="*/ 5903 h 395437"/>
+                  <a:gd name="connsiteX4" fmla="*/ 2039815 w 2602523"/>
+                  <a:gd name="connsiteY4" fmla="*/ 392764 h 395437"/>
+                  <a:gd name="connsiteX5" fmla="*/ 2602523 w 2602523"/>
+                  <a:gd name="connsiteY5" fmla="*/ 146580 h 395437"/>
+                </a:gdLst>
+                <a:ahLst/>
+                <a:cxnLst>
+                  <a:cxn ang="0">
+                    <a:pos x="connsiteX0" y="connsiteY0"/>
+                  </a:cxn>
+                  <a:cxn ang="0">
+                    <a:pos x="connsiteX1" y="connsiteY1"/>
+                  </a:cxn>
+                  <a:cxn ang="0">
+                    <a:pos x="connsiteX2" y="connsiteY2"/>
+                  </a:cxn>
+                  <a:cxn ang="0">
+                    <a:pos x="connsiteX3" y="connsiteY3"/>
+                  </a:cxn>
+                  <a:cxn ang="0">
+                    <a:pos x="connsiteX4" y="connsiteY4"/>
+                  </a:cxn>
+                  <a:cxn ang="0">
+                    <a:pos x="connsiteX5" y="connsiteY5"/>
+                  </a:cxn>
+                </a:cxnLst>
+                <a:rect l="l" t="t" r="r" b="b"/>
+                <a:pathLst>
+                  <a:path w="2602523" h="395437">
+                    <a:moveTo>
+                      <a:pt x="0" y="146580"/>
+                    </a:moveTo>
+                    <a:cubicBezTo>
+                      <a:pt x="149469" y="61587"/>
+                      <a:pt x="298939" y="-23405"/>
+                      <a:pt x="457200" y="5903"/>
+                    </a:cubicBezTo>
+                    <a:cubicBezTo>
+                      <a:pt x="615461" y="35211"/>
+                      <a:pt x="767861" y="322426"/>
+                      <a:pt x="949569" y="322426"/>
+                    </a:cubicBezTo>
+                    <a:cubicBezTo>
+                      <a:pt x="1131277" y="322426"/>
+                      <a:pt x="1365738" y="-5820"/>
+                      <a:pt x="1547446" y="5903"/>
+                    </a:cubicBezTo>
+                    <a:cubicBezTo>
+                      <a:pt x="1729154" y="17626"/>
+                      <a:pt x="1863969" y="369318"/>
+                      <a:pt x="2039815" y="392764"/>
+                    </a:cubicBezTo>
+                    <a:cubicBezTo>
+                      <a:pt x="2215661" y="416210"/>
+                      <a:pt x="2409092" y="281395"/>
+                      <a:pt x="2602523" y="146580"/>
+                    </a:cubicBezTo>
+                  </a:path>
+                </a:pathLst>
+              </a:custGeom>
+              <a:noFill/>
+              <a:ln w="76200">
+                <a:solidFill>
+                  <a:schemeClr val="tx1"/>
+                </a:solidFill>
+                <a:tailEnd type="triangle"/>
+              </a:ln>
+            </p:spPr>
+            <p:style>
+              <a:lnRef idx="2">
+                <a:schemeClr val="accent1">
+                  <a:shade val="50000"/>
+                </a:schemeClr>
+              </a:lnRef>
+              <a:fillRef idx="1">
+                <a:schemeClr val="accent1"/>
+              </a:fillRef>
+              <a:effectRef idx="0">
+                <a:schemeClr val="accent1"/>
+              </a:effectRef>
+              <a:fontRef idx="minor">
+                <a:schemeClr val="lt1"/>
+              </a:fontRef>
+            </p:style>
+            <p:txBody>
+              <a:bodyPr rtlCol="0" anchor="ctr"/>
+              <a:lstStyle/>
+              <a:p>
+                <a:pPr algn="ctr"/>
+                <a:endParaRPr lang="en-US"/>
+              </a:p>
+            </p:txBody>
+          </p:sp>
+        </p:grpSp>
+        <p:grpSp>
+          <p:nvGrpSpPr>
+            <p:cNvPr id="12" name="Group 11">
+              <a:extLst>
+                <a:ext uri="{FF2B5EF4-FFF2-40B4-BE49-F238E27FC236}">
+                  <a16:creationId xmlns:a16="http://schemas.microsoft.com/office/drawing/2014/main" xmlns="" id="{45F03716-9E92-4FA1-9A31-A7E48ECF65AA}"/>
+                </a:ext>
+              </a:extLst>
+            </p:cNvPr>
+            <p:cNvGrpSpPr/>
+            <p:nvPr/>
+          </p:nvGrpSpPr>
+          <p:grpSpPr>
+            <a:xfrm>
+              <a:off x="1228439" y="2886581"/>
+              <a:ext cx="3657600" cy="1084837"/>
+              <a:chOff x="611560" y="2289463"/>
+              <a:chExt cx="8136904" cy="2279071"/>
+            </a:xfrm>
+          </p:grpSpPr>
+          <p:sp>
+            <p:nvSpPr>
+              <p:cNvPr id="13" name="Rectangle 12">
+                <a:extLst>
+                  <a:ext uri="{FF2B5EF4-FFF2-40B4-BE49-F238E27FC236}">
+                    <a16:creationId xmlns:a16="http://schemas.microsoft.com/office/drawing/2014/main" xmlns="" id="{D6550D2B-743E-4BD1-9DE6-7698B5C5AD68}"/>
+                  </a:ext>
+                </a:extLst>
+              </p:cNvPr>
+              <p:cNvSpPr/>
+              <p:nvPr/>
+            </p:nvSpPr>
+            <p:spPr>
+              <a:xfrm flipH="1" flipV="1">
+                <a:off x="2432292" y="2289463"/>
+                <a:ext cx="4562827" cy="2279071"/>
+              </a:xfrm>
+              <a:prstGeom prst="rect">
+                <a:avLst/>
+              </a:prstGeom>
+              <a:ln w="57150">
+                <a:solidFill>
+                  <a:schemeClr val="tx1"/>
+                </a:solidFill>
+              </a:ln>
+            </p:spPr>
+            <p:style>
+              <a:lnRef idx="2">
+                <a:schemeClr val="accent6"/>
+              </a:lnRef>
+              <a:fillRef idx="1">
+                <a:schemeClr val="lt1"/>
+              </a:fillRef>
+              <a:effectRef idx="0">
+                <a:schemeClr val="accent6"/>
+              </a:effectRef>
+              <a:fontRef idx="minor">
+                <a:schemeClr val="dk1"/>
+              </a:fontRef>
+            </p:style>
+            <p:txBody>
+              <a:bodyPr rtlCol="0" anchor="ctr"/>
+              <a:lstStyle/>
+              <a:p>
+                <a:pPr algn="ctr"/>
+                <a:endParaRPr lang="en-US"/>
+              </a:p>
+            </p:txBody>
+          </p:sp>
+          <p:cxnSp>
+            <p:nvCxnSpPr>
+              <p:cNvPr id="14" name="Straight Arrow Connector 13">
+                <a:extLst>
+                  <a:ext uri="{FF2B5EF4-FFF2-40B4-BE49-F238E27FC236}">
+                    <a16:creationId xmlns:a16="http://schemas.microsoft.com/office/drawing/2014/main" xmlns="" id="{F16272F1-E463-43B9-99D9-B9525966D0CA}"/>
+                  </a:ext>
+                </a:extLst>
+              </p:cNvPr>
+              <p:cNvCxnSpPr>
+                <a:cxnSpLocks/>
+              </p:cNvCxnSpPr>
+              <p:nvPr/>
+            </p:nvCxnSpPr>
+            <p:spPr>
+              <a:xfrm>
+                <a:off x="611560" y="3429000"/>
+                <a:ext cx="1753344" cy="0"/>
+              </a:xfrm>
+              <a:prstGeom prst="straightConnector1">
+                <a:avLst/>
+              </a:prstGeom>
+              <a:ln w="76200">
+                <a:solidFill>
+                  <a:schemeClr val="tx1"/>
+                </a:solidFill>
+                <a:tailEnd type="triangle"/>
+              </a:ln>
+            </p:spPr>
+            <p:style>
+              <a:lnRef idx="1">
+                <a:schemeClr val="accent1"/>
+              </a:lnRef>
+              <a:fillRef idx="0">
+                <a:schemeClr val="accent1"/>
+              </a:fillRef>
+              <a:effectRef idx="0">
+                <a:schemeClr val="accent1"/>
+              </a:effectRef>
+              <a:fontRef idx="minor">
+                <a:schemeClr val="tx1"/>
+              </a:fontRef>
+            </p:style>
+          </p:cxnSp>
+          <p:cxnSp>
+            <p:nvCxnSpPr>
+              <p:cNvPr id="15" name="Straight Arrow Connector 14">
+                <a:extLst>
+                  <a:ext uri="{FF2B5EF4-FFF2-40B4-BE49-F238E27FC236}">
+                    <a16:creationId xmlns:a16="http://schemas.microsoft.com/office/drawing/2014/main" xmlns="" id="{98C38396-F925-4357-8924-F3165A365EB9}"/>
+                  </a:ext>
+                </a:extLst>
+              </p:cNvPr>
+              <p:cNvCxnSpPr/>
+              <p:nvPr/>
+            </p:nvCxnSpPr>
+            <p:spPr>
+              <a:xfrm>
+                <a:off x="6995120" y="3429000"/>
+                <a:ext cx="1753344" cy="0"/>
+              </a:xfrm>
+              <a:prstGeom prst="straightConnector1">
+                <a:avLst/>
+              </a:prstGeom>
+              <a:ln w="76200">
+                <a:solidFill>
+                  <a:schemeClr val="tx1"/>
+                </a:solidFill>
+                <a:tailEnd type="triangle"/>
+              </a:ln>
+            </p:spPr>
+            <p:style>
+              <a:lnRef idx="1">
+                <a:schemeClr val="accent1"/>
+              </a:lnRef>
+              <a:fillRef idx="0">
+                <a:schemeClr val="accent1"/>
+              </a:fillRef>
+              <a:effectRef idx="0">
+                <a:schemeClr val="accent1"/>
+              </a:effectRef>
+              <a:fontRef idx="minor">
+                <a:schemeClr val="tx1"/>
+              </a:fontRef>
+            </p:style>
+          </p:cxnSp>
+        </p:grpSp>
+      </p:grpSp>
+      <p:sp>
+        <p:nvSpPr>
+          <p:cNvPr id="7" name="TextBox 6"/>
+          <p:cNvSpPr txBox="1"/>
+          <p:nvPr/>
+        </p:nvSpPr>
+        <p:spPr>
+          <a:xfrm>
+            <a:off x="689289" y="3301910"/>
+            <a:ext cx="604653" cy="1015663"/>
+          </a:xfrm>
+          <a:prstGeom prst="rect">
+            <a:avLst/>
+          </a:prstGeom>
+          <a:noFill/>
+        </p:spPr>
+        <p:txBody>
+          <a:bodyPr wrap="none" rtlCol="0">
+            <a:spAutoFit/>
+          </a:bodyPr>
+          <a:lstStyle/>
+          <a:p>
+            <a:r>
+              <a:rPr lang="en-NZ" sz="6000" dirty="0" smtClean="0">
+                <a:solidFill>
+                  <a:srgbClr val="FF0000"/>
+                </a:solidFill>
+              </a:rPr>
+              <a:t>?</a:t>
+            </a:r>
+            <a:endParaRPr lang="en-NZ" dirty="0">
+              <a:solidFill>
+                <a:srgbClr val="FF0000"/>
+              </a:solidFill>
+            </a:endParaRPr>
+          </a:p>
+        </p:txBody>
+      </p:sp>
+      <p:sp>
+        <p:nvSpPr>
+          <p:cNvPr id="8" name="TextBox 7"/>
+          <p:cNvSpPr txBox="1"/>
+          <p:nvPr/>
+        </p:nvSpPr>
+        <p:spPr>
+          <a:xfrm>
+            <a:off x="2853655" y="3611434"/>
+            <a:ext cx="612668" cy="369332"/>
+          </a:xfrm>
+          <a:prstGeom prst="rect">
+            <a:avLst/>
+          </a:prstGeom>
+          <a:noFill/>
+        </p:spPr>
+        <p:txBody>
+          <a:bodyPr wrap="none" rtlCol="0">
+            <a:spAutoFit/>
+          </a:bodyPr>
+          <a:lstStyle/>
+          <a:p>
+            <a:r>
+              <a:rPr lang="en-NZ" dirty="0"/>
+              <a:t>t</a:t>
+            </a:r>
+            <a:r>
+              <a:rPr lang="en-NZ" dirty="0" smtClean="0"/>
+              <a:t>=1</a:t>
+            </a:r>
+            <a:endParaRPr lang="en-NZ" dirty="0"/>
+          </a:p>
+        </p:txBody>
+      </p:sp>
+      <p:sp>
+        <p:nvSpPr>
+          <p:cNvPr id="18" name="TextBox 17"/>
+          <p:cNvSpPr txBox="1"/>
+          <p:nvPr/>
+        </p:nvSpPr>
+        <p:spPr>
+          <a:xfrm>
+            <a:off x="5707968" y="3611435"/>
+            <a:ext cx="612668" cy="369332"/>
+          </a:xfrm>
+          <a:prstGeom prst="rect">
+            <a:avLst/>
+          </a:prstGeom>
+          <a:noFill/>
+        </p:spPr>
+        <p:txBody>
+          <a:bodyPr wrap="none" rtlCol="0">
+            <a:spAutoFit/>
+          </a:bodyPr>
+          <a:lstStyle/>
+          <a:p>
+            <a:r>
+              <a:rPr lang="en-NZ" dirty="0" smtClean="0"/>
+              <a:t>t=2</a:t>
+            </a:r>
+            <a:endParaRPr lang="en-NZ" dirty="0"/>
+          </a:p>
+        </p:txBody>
+      </p:sp>
+      <mc:AlternateContent xmlns:mc="http://schemas.openxmlformats.org/markup-compatibility/2006">
+        <mc:Choice xmlns:a14="http://schemas.microsoft.com/office/drawing/2010/main" Requires="a14">
+          <p:sp>
+            <p:nvSpPr>
+              <p:cNvPr id="9" name="TextBox 8"/>
+              <p:cNvSpPr txBox="1"/>
+              <p:nvPr/>
+            </p:nvSpPr>
+            <p:spPr>
+              <a:xfrm>
+                <a:off x="4130186" y="3861048"/>
+                <a:ext cx="924163" cy="338554"/>
+              </a:xfrm>
+              <a:prstGeom prst="rect">
+                <a:avLst/>
+              </a:prstGeom>
+              <a:noFill/>
+            </p:spPr>
+            <p:txBody>
+              <a:bodyPr wrap="none" rtlCol="0">
+                <a:spAutoFit/>
+              </a:bodyPr>
+              <a:lstStyle/>
+              <a:p>
+                <a14:m>
+                  <m:oMathPara xmlns:m="http://schemas.openxmlformats.org/officeDocument/2006/math">
+                    <m:oMathParaPr>
+                      <m:jc m:val="centerGroup"/>
+                    </m:oMathParaPr>
+                    <m:oMath xmlns:m="http://schemas.openxmlformats.org/officeDocument/2006/math">
+                      <m:sSubSup>
+                        <m:sSubSupPr>
+                          <m:ctrlPr>
+                            <a:rPr lang="en-NZ" sz="1600" b="0" i="1" smtClean="0">
+                              <a:latin typeface="Cambria Math"/>
+                            </a:rPr>
+                          </m:ctrlPr>
+                        </m:sSubSupPr>
+                        <m:e>
+                          <m:r>
+                            <a:rPr lang="en-NZ" sz="1600" b="0" i="1" smtClean="0">
+                              <a:latin typeface="Cambria Math"/>
+                            </a:rPr>
+                            <m:t>𝑥</m:t>
+                          </m:r>
+                        </m:e>
+                        <m:sub>
+                          <m:r>
+                            <a:rPr lang="en-NZ" sz="1600" b="0" i="1" smtClean="0">
+                              <a:latin typeface="Cambria Math"/>
+                            </a:rPr>
+                            <m:t>1</m:t>
+                          </m:r>
+                        </m:sub>
+                        <m:sup>
+                          <m:r>
+                            <a:rPr lang="en-NZ" sz="1600" b="0" i="1" smtClean="0">
+                              <a:latin typeface="Cambria Math"/>
+                            </a:rPr>
+                            <m:t>′</m:t>
+                          </m:r>
+                        </m:sup>
+                      </m:sSubSup>
+                      <m:r>
+                        <a:rPr lang="en-NZ" sz="1600" b="0" i="1" smtClean="0">
+                          <a:latin typeface="Cambria Math"/>
+                        </a:rPr>
+                        <m:t>=</m:t>
+                      </m:r>
+                      <m:sSub>
+                        <m:sSubPr>
+                          <m:ctrlPr>
+                            <a:rPr lang="en-NZ" sz="1600" b="0" i="1" smtClean="0">
+                              <a:latin typeface="Cambria Math"/>
+                            </a:rPr>
+                          </m:ctrlPr>
+                        </m:sSubPr>
+                        <m:e>
+                          <m:r>
+                            <a:rPr lang="en-NZ" sz="1600" b="0" i="1" smtClean="0">
+                              <a:latin typeface="Cambria Math"/>
+                            </a:rPr>
+                            <m:t>𝑥</m:t>
+                          </m:r>
+                        </m:e>
+                        <m:sub>
+                          <m:r>
+                            <a:rPr lang="en-NZ" sz="1600" b="0" i="1" smtClean="0">
+                              <a:latin typeface="Cambria Math"/>
+                            </a:rPr>
+                            <m:t>2</m:t>
+                          </m:r>
+                        </m:sub>
+                      </m:sSub>
+                    </m:oMath>
+                  </m:oMathPara>
+                </a14:m>
+                <a:endParaRPr lang="en-NZ" sz="1600" dirty="0"/>
+              </a:p>
+            </p:txBody>
+          </p:sp>
+        </mc:Choice>
+        <mc:Fallback>
+          <p:sp>
+            <p:nvSpPr>
+              <p:cNvPr id="9" name="TextBox 8"/>
+              <p:cNvSpPr txBox="1">
+                <a:spLocks noRot="1" noChangeAspect="1" noMove="1" noResize="1" noEditPoints="1" noAdjustHandles="1" noChangeArrowheads="1" noChangeShapeType="1" noTextEdit="1"/>
+              </p:cNvSpPr>
+              <p:nvPr/>
+            </p:nvSpPr>
+            <p:spPr>
+              <a:xfrm>
+                <a:off x="4130186" y="3861048"/>
+                <a:ext cx="924163" cy="338554"/>
+              </a:xfrm>
+              <a:prstGeom prst="rect">
+                <a:avLst/>
+              </a:prstGeom>
+              <a:blipFill rotWithShape="1">
+                <a:blip r:embed="rId2"/>
+                <a:stretch>
+                  <a:fillRect/>
+                </a:stretch>
+              </a:blipFill>
+            </p:spPr>
+            <p:txBody>
+              <a:bodyPr/>
+              <a:lstStyle/>
+              <a:p>
+                <a:r>
+                  <a:rPr lang="en-NZ">
+                    <a:noFill/>
+                  </a:rPr>
+                  <a:t> </a:t>
+                </a:r>
+              </a:p>
+            </p:txBody>
+          </p:sp>
+        </mc:Fallback>
+      </mc:AlternateContent>
+    </p:spTree>
+    <p:extLst>
+      <p:ext uri="{BB962C8B-B14F-4D97-AF65-F5344CB8AC3E}">
+        <p14:creationId xmlns:p14="http://schemas.microsoft.com/office/powerpoint/2010/main" val="529749499"/>
+      </p:ext>
+    </p:extLst>
+  </p:cSld>
+  <p:clrMapOvr>
+    <a:masterClrMapping/>
+  </p:clrMapOvr>
+</p:sld>
+</file>
+
+<file path=ppt/slides/slide19.xml><?xml version="1.0" encoding="utf-8"?>
+<p:sld xmlns:a="http://schemas.openxmlformats.org/drawingml/2006/main" xmlns:r="http://schemas.openxmlformats.org/officeDocument/2006/relationships" xmlns:p="http://schemas.openxmlformats.org/presentationml/2006/main">
+  <p:cSld>
+    <p:spTree>
+      <p:nvGrpSpPr>
+        <p:cNvPr id="1" name=""/>
+        <p:cNvGrpSpPr/>
+        <p:nvPr/>
+      </p:nvGrpSpPr>
+      <p:grpSpPr>
+        <a:xfrm>
+          <a:off x="0" y="0"/>
+          <a:ext cx="0" cy="0"/>
+          <a:chOff x="0" y="0"/>
+          <a:chExt cx="0" cy="0"/>
+        </a:xfrm>
+      </p:grpSpPr>
+      <p:grpSp>
+        <p:nvGrpSpPr>
+          <p:cNvPr id="16" name="Group 15">
+            <a:extLst>
+              <a:ext uri="{FF2B5EF4-FFF2-40B4-BE49-F238E27FC236}">
+                <a16:creationId xmlns:a16="http://schemas.microsoft.com/office/drawing/2014/main" xmlns="" id="{59A0DF96-3167-4938-9578-61DB3E76387F}"/>
+              </a:ext>
+            </a:extLst>
+          </p:cNvPr>
+          <p:cNvGrpSpPr/>
+          <p:nvPr/>
+        </p:nvGrpSpPr>
+        <p:grpSpPr>
+          <a:xfrm>
+            <a:off x="1316044" y="2509719"/>
+            <a:ext cx="5723771" cy="1838562"/>
+            <a:chOff x="1228439" y="2132856"/>
+            <a:chExt cx="5723771" cy="1838562"/>
+          </a:xfrm>
+        </p:grpSpPr>
+        <p:grpSp>
+          <p:nvGrpSpPr>
+            <p:cNvPr id="2" name="Group 1">
+              <a:extLst>
+                <a:ext uri="{FF2B5EF4-FFF2-40B4-BE49-F238E27FC236}">
+                  <a16:creationId xmlns:a16="http://schemas.microsoft.com/office/drawing/2014/main" xmlns="" id="{5F983A16-F716-41BA-B955-53B27E2124A8}"/>
+                </a:ext>
+              </a:extLst>
+            </p:cNvPr>
+            <p:cNvGrpSpPr/>
+            <p:nvPr/>
+          </p:nvGrpSpPr>
+          <p:grpSpPr>
+            <a:xfrm>
+              <a:off x="4082752" y="2132856"/>
+              <a:ext cx="2869458" cy="1828800"/>
+              <a:chOff x="611560" y="726516"/>
+              <a:chExt cx="6383559" cy="3842018"/>
+            </a:xfrm>
+          </p:grpSpPr>
+          <p:sp>
+            <p:nvSpPr>
+              <p:cNvPr id="3" name="Rectangle 2">
+                <a:extLst>
+                  <a:ext uri="{FF2B5EF4-FFF2-40B4-BE49-F238E27FC236}">
+                    <a16:creationId xmlns:a16="http://schemas.microsoft.com/office/drawing/2014/main" xmlns="" id="{E9AAB40C-9AB0-4193-AF99-3BBDB72687CC}"/>
+                  </a:ext>
+                </a:extLst>
+              </p:cNvPr>
+              <p:cNvSpPr/>
+              <p:nvPr/>
+            </p:nvSpPr>
+            <p:spPr>
+              <a:xfrm flipH="1" flipV="1">
+                <a:off x="2432292" y="2289463"/>
+                <a:ext cx="4562827" cy="2279071"/>
+              </a:xfrm>
+              <a:prstGeom prst="rect">
+                <a:avLst/>
+              </a:prstGeom>
+              <a:ln w="57150">
+                <a:solidFill>
+                  <a:schemeClr val="tx1"/>
+                </a:solidFill>
+              </a:ln>
+            </p:spPr>
+            <p:style>
+              <a:lnRef idx="2">
+                <a:schemeClr val="accent6"/>
+              </a:lnRef>
+              <a:fillRef idx="1">
+                <a:schemeClr val="lt1"/>
+              </a:fillRef>
+              <a:effectRef idx="0">
+                <a:schemeClr val="accent6"/>
+              </a:effectRef>
+              <a:fontRef idx="minor">
+                <a:schemeClr val="dk1"/>
+              </a:fontRef>
+            </p:style>
+            <p:txBody>
+              <a:bodyPr rtlCol="0" anchor="ctr"/>
+              <a:lstStyle/>
+              <a:p>
+                <a:pPr algn="ctr"/>
+                <a:endParaRPr lang="en-US"/>
+              </a:p>
+            </p:txBody>
+          </p:sp>
+          <p:cxnSp>
+            <p:nvCxnSpPr>
+              <p:cNvPr id="4" name="Straight Arrow Connector 3">
+                <a:extLst>
+                  <a:ext uri="{FF2B5EF4-FFF2-40B4-BE49-F238E27FC236}">
+                    <a16:creationId xmlns:a16="http://schemas.microsoft.com/office/drawing/2014/main" xmlns="" id="{62ACEE98-BEE5-49B6-BA8C-13BB0B757132}"/>
+                  </a:ext>
+                </a:extLst>
+              </p:cNvPr>
+              <p:cNvCxnSpPr>
+                <a:cxnSpLocks/>
+              </p:cNvCxnSpPr>
+              <p:nvPr/>
+            </p:nvCxnSpPr>
+            <p:spPr>
+              <a:xfrm>
+                <a:off x="611560" y="3429000"/>
+                <a:ext cx="1753344" cy="0"/>
+              </a:xfrm>
+              <a:prstGeom prst="straightConnector1">
+                <a:avLst/>
+              </a:prstGeom>
+              <a:ln w="76200">
+                <a:solidFill>
+                  <a:schemeClr val="tx1"/>
+                </a:solidFill>
+                <a:tailEnd type="triangle"/>
+              </a:ln>
+            </p:spPr>
+            <p:style>
+              <a:lnRef idx="1">
+                <a:schemeClr val="accent1"/>
+              </a:lnRef>
+              <a:fillRef idx="0">
+                <a:schemeClr val="accent1"/>
+              </a:fillRef>
+              <a:effectRef idx="0">
+                <a:schemeClr val="accent1"/>
+              </a:effectRef>
+              <a:fontRef idx="minor">
+                <a:schemeClr val="tx1"/>
+              </a:fontRef>
+            </p:style>
+          </p:cxnSp>
+          <p:sp>
+            <p:nvSpPr>
+              <p:cNvPr id="6" name="Freeform: Shape 5">
+                <a:extLst>
+                  <a:ext uri="{FF2B5EF4-FFF2-40B4-BE49-F238E27FC236}">
+                    <a16:creationId xmlns:a16="http://schemas.microsoft.com/office/drawing/2014/main" xmlns="" id="{22E2F5B9-5AB0-48E7-93E8-7F1D28222840}"/>
+                  </a:ext>
+                </a:extLst>
+              </p:cNvPr>
+              <p:cNvSpPr/>
+              <p:nvPr/>
+            </p:nvSpPr>
+            <p:spPr>
+              <a:xfrm rot="2738072">
+                <a:off x="783598" y="1542698"/>
+                <a:ext cx="1876223" cy="243860"/>
+              </a:xfrm>
+              <a:custGeom>
+                <a:avLst/>
+                <a:gdLst>
+                  <a:gd name="connsiteX0" fmla="*/ 0 w 2602523"/>
+                  <a:gd name="connsiteY0" fmla="*/ 146580 h 395437"/>
+                  <a:gd name="connsiteX1" fmla="*/ 457200 w 2602523"/>
+                  <a:gd name="connsiteY1" fmla="*/ 5903 h 395437"/>
+                  <a:gd name="connsiteX2" fmla="*/ 949569 w 2602523"/>
+                  <a:gd name="connsiteY2" fmla="*/ 322426 h 395437"/>
+                  <a:gd name="connsiteX3" fmla="*/ 1547446 w 2602523"/>
+                  <a:gd name="connsiteY3" fmla="*/ 5903 h 395437"/>
+                  <a:gd name="connsiteX4" fmla="*/ 2039815 w 2602523"/>
+                  <a:gd name="connsiteY4" fmla="*/ 392764 h 395437"/>
+                  <a:gd name="connsiteX5" fmla="*/ 2602523 w 2602523"/>
+                  <a:gd name="connsiteY5" fmla="*/ 146580 h 395437"/>
+                </a:gdLst>
+                <a:ahLst/>
+                <a:cxnLst>
+                  <a:cxn ang="0">
+                    <a:pos x="connsiteX0" y="connsiteY0"/>
+                  </a:cxn>
+                  <a:cxn ang="0">
+                    <a:pos x="connsiteX1" y="connsiteY1"/>
+                  </a:cxn>
+                  <a:cxn ang="0">
+                    <a:pos x="connsiteX2" y="connsiteY2"/>
+                  </a:cxn>
+                  <a:cxn ang="0">
+                    <a:pos x="connsiteX3" y="connsiteY3"/>
+                  </a:cxn>
+                  <a:cxn ang="0">
+                    <a:pos x="connsiteX4" y="connsiteY4"/>
+                  </a:cxn>
+                  <a:cxn ang="0">
+                    <a:pos x="connsiteX5" y="connsiteY5"/>
+                  </a:cxn>
+                </a:cxnLst>
+                <a:rect l="l" t="t" r="r" b="b"/>
+                <a:pathLst>
+                  <a:path w="2602523" h="395437">
+                    <a:moveTo>
+                      <a:pt x="0" y="146580"/>
+                    </a:moveTo>
+                    <a:cubicBezTo>
+                      <a:pt x="149469" y="61587"/>
+                      <a:pt x="298939" y="-23405"/>
+                      <a:pt x="457200" y="5903"/>
+                    </a:cubicBezTo>
+                    <a:cubicBezTo>
+                      <a:pt x="615461" y="35211"/>
+                      <a:pt x="767861" y="322426"/>
+                      <a:pt x="949569" y="322426"/>
+                    </a:cubicBezTo>
+                    <a:cubicBezTo>
+                      <a:pt x="1131277" y="322426"/>
+                      <a:pt x="1365738" y="-5820"/>
+                      <a:pt x="1547446" y="5903"/>
+                    </a:cubicBezTo>
+                    <a:cubicBezTo>
+                      <a:pt x="1729154" y="17626"/>
+                      <a:pt x="1863969" y="369318"/>
+                      <a:pt x="2039815" y="392764"/>
+                    </a:cubicBezTo>
+                    <a:cubicBezTo>
+                      <a:pt x="2215661" y="416210"/>
+                      <a:pt x="2409092" y="281395"/>
+                      <a:pt x="2602523" y="146580"/>
+                    </a:cubicBezTo>
+                  </a:path>
+                </a:pathLst>
+              </a:custGeom>
+              <a:noFill/>
+              <a:ln w="76200">
+                <a:solidFill>
+                  <a:schemeClr val="tx1"/>
+                </a:solidFill>
+                <a:tailEnd type="triangle"/>
+              </a:ln>
+            </p:spPr>
+            <p:style>
+              <a:lnRef idx="2">
+                <a:schemeClr val="accent1">
+                  <a:shade val="50000"/>
+                </a:schemeClr>
+              </a:lnRef>
+              <a:fillRef idx="1">
+                <a:schemeClr val="accent1"/>
+              </a:fillRef>
+              <a:effectRef idx="0">
+                <a:schemeClr val="accent1"/>
+              </a:effectRef>
+              <a:fontRef idx="minor">
+                <a:schemeClr val="lt1"/>
+              </a:fontRef>
+            </p:style>
+            <p:txBody>
+              <a:bodyPr rtlCol="0" anchor="ctr"/>
+              <a:lstStyle/>
+              <a:p>
+                <a:pPr algn="ctr"/>
+                <a:endParaRPr lang="en-US"/>
+              </a:p>
+            </p:txBody>
+          </p:sp>
+        </p:grpSp>
+        <p:grpSp>
+          <p:nvGrpSpPr>
+            <p:cNvPr id="12" name="Group 11">
+              <a:extLst>
+                <a:ext uri="{FF2B5EF4-FFF2-40B4-BE49-F238E27FC236}">
+                  <a16:creationId xmlns:a16="http://schemas.microsoft.com/office/drawing/2014/main" xmlns="" id="{45F03716-9E92-4FA1-9A31-A7E48ECF65AA}"/>
+                </a:ext>
+              </a:extLst>
+            </p:cNvPr>
+            <p:cNvGrpSpPr/>
+            <p:nvPr/>
+          </p:nvGrpSpPr>
+          <p:grpSpPr>
+            <a:xfrm>
+              <a:off x="1228439" y="2886581"/>
+              <a:ext cx="3657600" cy="1084837"/>
+              <a:chOff x="611560" y="2289463"/>
+              <a:chExt cx="8136904" cy="2279071"/>
+            </a:xfrm>
+          </p:grpSpPr>
+          <p:sp>
+            <p:nvSpPr>
+              <p:cNvPr id="13" name="Rectangle 12">
+                <a:extLst>
+                  <a:ext uri="{FF2B5EF4-FFF2-40B4-BE49-F238E27FC236}">
+                    <a16:creationId xmlns:a16="http://schemas.microsoft.com/office/drawing/2014/main" xmlns="" id="{D6550D2B-743E-4BD1-9DE6-7698B5C5AD68}"/>
+                  </a:ext>
+                </a:extLst>
+              </p:cNvPr>
+              <p:cNvSpPr/>
+              <p:nvPr/>
+            </p:nvSpPr>
+            <p:spPr>
+              <a:xfrm flipH="1" flipV="1">
+                <a:off x="2432292" y="2289463"/>
+                <a:ext cx="4562827" cy="2279071"/>
+              </a:xfrm>
+              <a:prstGeom prst="rect">
+                <a:avLst/>
+              </a:prstGeom>
+              <a:ln w="57150">
+                <a:solidFill>
+                  <a:schemeClr val="tx1"/>
+                </a:solidFill>
+              </a:ln>
+            </p:spPr>
+            <p:style>
+              <a:lnRef idx="2">
+                <a:schemeClr val="accent6"/>
+              </a:lnRef>
+              <a:fillRef idx="1">
+                <a:schemeClr val="lt1"/>
+              </a:fillRef>
+              <a:effectRef idx="0">
+                <a:schemeClr val="accent6"/>
+              </a:effectRef>
+              <a:fontRef idx="minor">
+                <a:schemeClr val="dk1"/>
+              </a:fontRef>
+            </p:style>
+            <p:txBody>
+              <a:bodyPr rtlCol="0" anchor="ctr"/>
+              <a:lstStyle/>
+              <a:p>
+                <a:pPr algn="ctr"/>
+                <a:endParaRPr lang="en-US"/>
+              </a:p>
+            </p:txBody>
+          </p:sp>
+          <p:cxnSp>
+            <p:nvCxnSpPr>
+              <p:cNvPr id="14" name="Straight Arrow Connector 13">
+                <a:extLst>
+                  <a:ext uri="{FF2B5EF4-FFF2-40B4-BE49-F238E27FC236}">
+                    <a16:creationId xmlns:a16="http://schemas.microsoft.com/office/drawing/2014/main" xmlns="" id="{F16272F1-E463-43B9-99D9-B9525966D0CA}"/>
+                  </a:ext>
+                </a:extLst>
+              </p:cNvPr>
+              <p:cNvCxnSpPr>
+                <a:cxnSpLocks/>
+              </p:cNvCxnSpPr>
+              <p:nvPr/>
+            </p:nvCxnSpPr>
+            <p:spPr>
+              <a:xfrm>
+                <a:off x="611560" y="3429000"/>
+                <a:ext cx="1753344" cy="0"/>
+              </a:xfrm>
+              <a:prstGeom prst="straightConnector1">
+                <a:avLst/>
+              </a:prstGeom>
+              <a:ln w="76200">
+                <a:solidFill>
+                  <a:schemeClr val="tx1"/>
+                </a:solidFill>
+                <a:tailEnd type="triangle"/>
+              </a:ln>
+            </p:spPr>
+            <p:style>
+              <a:lnRef idx="1">
+                <a:schemeClr val="accent1"/>
+              </a:lnRef>
+              <a:fillRef idx="0">
+                <a:schemeClr val="accent1"/>
+              </a:fillRef>
+              <a:effectRef idx="0">
+                <a:schemeClr val="accent1"/>
+              </a:effectRef>
+              <a:fontRef idx="minor">
+                <a:schemeClr val="tx1"/>
+              </a:fontRef>
+            </p:style>
+          </p:cxnSp>
+          <p:cxnSp>
+            <p:nvCxnSpPr>
+              <p:cNvPr id="15" name="Straight Arrow Connector 14">
+                <a:extLst>
+                  <a:ext uri="{FF2B5EF4-FFF2-40B4-BE49-F238E27FC236}">
+                    <a16:creationId xmlns:a16="http://schemas.microsoft.com/office/drawing/2014/main" xmlns="" id="{98C38396-F925-4357-8924-F3165A365EB9}"/>
+                  </a:ext>
+                </a:extLst>
+              </p:cNvPr>
+              <p:cNvCxnSpPr/>
+              <p:nvPr/>
+            </p:nvCxnSpPr>
+            <p:spPr>
+              <a:xfrm>
+                <a:off x="6995120" y="3429000"/>
+                <a:ext cx="1753344" cy="0"/>
+              </a:xfrm>
+              <a:prstGeom prst="straightConnector1">
+                <a:avLst/>
+              </a:prstGeom>
+              <a:ln w="76200">
+                <a:solidFill>
+                  <a:schemeClr val="tx1"/>
+                </a:solidFill>
+                <a:tailEnd type="triangle"/>
+              </a:ln>
+            </p:spPr>
+            <p:style>
+              <a:lnRef idx="1">
+                <a:schemeClr val="accent1"/>
+              </a:lnRef>
+              <a:fillRef idx="0">
+                <a:schemeClr val="accent1"/>
+              </a:fillRef>
+              <a:effectRef idx="0">
+                <a:schemeClr val="accent1"/>
+              </a:effectRef>
+              <a:fontRef idx="minor">
+                <a:schemeClr val="tx1"/>
+              </a:fontRef>
+            </p:style>
+          </p:cxnSp>
+        </p:grpSp>
+      </p:grpSp>
+      <p:sp>
+        <p:nvSpPr>
+          <p:cNvPr id="8" name="TextBox 7"/>
+          <p:cNvSpPr txBox="1"/>
+          <p:nvPr/>
+        </p:nvSpPr>
+        <p:spPr>
+          <a:xfrm>
+            <a:off x="2853655" y="3611434"/>
+            <a:ext cx="612668" cy="369332"/>
+          </a:xfrm>
+          <a:prstGeom prst="rect">
+            <a:avLst/>
+          </a:prstGeom>
+          <a:noFill/>
+        </p:spPr>
+        <p:txBody>
+          <a:bodyPr wrap="none" rtlCol="0">
+            <a:spAutoFit/>
+          </a:bodyPr>
+          <a:lstStyle/>
+          <a:p>
+            <a:r>
+              <a:rPr lang="en-NZ" dirty="0"/>
+              <a:t>t</a:t>
+            </a:r>
+            <a:r>
+              <a:rPr lang="en-NZ" dirty="0" smtClean="0"/>
+              <a:t>=1</a:t>
+            </a:r>
+            <a:endParaRPr lang="en-NZ" dirty="0"/>
+          </a:p>
+        </p:txBody>
+      </p:sp>
+      <p:sp>
+        <p:nvSpPr>
+          <p:cNvPr id="18" name="TextBox 17"/>
+          <p:cNvSpPr txBox="1"/>
+          <p:nvPr/>
+        </p:nvSpPr>
+        <p:spPr>
+          <a:xfrm>
+            <a:off x="5707968" y="3611435"/>
+            <a:ext cx="612668" cy="369332"/>
+          </a:xfrm>
+          <a:prstGeom prst="rect">
+            <a:avLst/>
+          </a:prstGeom>
+          <a:noFill/>
+        </p:spPr>
+        <p:txBody>
+          <a:bodyPr wrap="none" rtlCol="0">
+            <a:spAutoFit/>
+          </a:bodyPr>
+          <a:lstStyle/>
+          <a:p>
+            <a:r>
+              <a:rPr lang="en-NZ" dirty="0" smtClean="0"/>
+              <a:t>t=2</a:t>
+            </a:r>
+            <a:endParaRPr lang="en-NZ" dirty="0"/>
+          </a:p>
+        </p:txBody>
+      </p:sp>
+      <mc:AlternateContent xmlns:mc="http://schemas.openxmlformats.org/markup-compatibility/2006">
+        <mc:Choice xmlns:a14="http://schemas.microsoft.com/office/drawing/2010/main" Requires="a14">
+          <p:sp>
+            <p:nvSpPr>
+              <p:cNvPr id="9" name="TextBox 8"/>
+              <p:cNvSpPr txBox="1"/>
+              <p:nvPr/>
+            </p:nvSpPr>
+            <p:spPr>
+              <a:xfrm>
+                <a:off x="4130186" y="3861048"/>
+                <a:ext cx="924163" cy="338554"/>
+              </a:xfrm>
+              <a:prstGeom prst="rect">
+                <a:avLst/>
+              </a:prstGeom>
+              <a:noFill/>
+            </p:spPr>
+            <p:txBody>
+              <a:bodyPr wrap="none" rtlCol="0">
+                <a:spAutoFit/>
+              </a:bodyPr>
+              <a:lstStyle/>
+              <a:p>
+                <a14:m>
+                  <m:oMathPara xmlns:m="http://schemas.openxmlformats.org/officeDocument/2006/math">
+                    <m:oMathParaPr>
+                      <m:jc m:val="centerGroup"/>
+                    </m:oMathParaPr>
+                    <m:oMath xmlns:m="http://schemas.openxmlformats.org/officeDocument/2006/math">
+                      <m:sSubSup>
+                        <m:sSubSupPr>
+                          <m:ctrlPr>
+                            <a:rPr lang="en-NZ" sz="1600" b="0" i="1" smtClean="0">
+                              <a:latin typeface="Cambria Math"/>
+                            </a:rPr>
+                          </m:ctrlPr>
+                        </m:sSubSupPr>
+                        <m:e>
+                          <m:r>
+                            <a:rPr lang="en-NZ" sz="1600" b="0" i="1" smtClean="0">
+                              <a:latin typeface="Cambria Math"/>
+                            </a:rPr>
+                            <m:t>𝑥</m:t>
+                          </m:r>
+                        </m:e>
+                        <m:sub>
+                          <m:r>
+                            <a:rPr lang="en-NZ" sz="1600" b="0" i="1" smtClean="0">
+                              <a:latin typeface="Cambria Math"/>
+                            </a:rPr>
+                            <m:t>1</m:t>
+                          </m:r>
+                        </m:sub>
+                        <m:sup>
+                          <m:r>
+                            <a:rPr lang="en-NZ" sz="1600" b="0" i="1" smtClean="0">
+                              <a:latin typeface="Cambria Math"/>
+                            </a:rPr>
+                            <m:t>′</m:t>
+                          </m:r>
+                        </m:sup>
+                      </m:sSubSup>
+                      <m:r>
+                        <a:rPr lang="en-NZ" sz="1600" b="0" i="1" smtClean="0">
+                          <a:latin typeface="Cambria Math"/>
+                        </a:rPr>
+                        <m:t>=</m:t>
+                      </m:r>
+                      <m:sSub>
+                        <m:sSubPr>
+                          <m:ctrlPr>
+                            <a:rPr lang="en-NZ" sz="1600" b="0" i="1" smtClean="0">
+                              <a:latin typeface="Cambria Math"/>
+                            </a:rPr>
+                          </m:ctrlPr>
+                        </m:sSubPr>
+                        <m:e>
+                          <m:r>
+                            <a:rPr lang="en-NZ" sz="1600" b="0" i="1" smtClean="0">
+                              <a:latin typeface="Cambria Math"/>
+                            </a:rPr>
+                            <m:t>𝑥</m:t>
+                          </m:r>
+                        </m:e>
+                        <m:sub>
+                          <m:r>
+                            <a:rPr lang="en-NZ" sz="1600" b="0" i="1" smtClean="0">
+                              <a:latin typeface="Cambria Math"/>
+                            </a:rPr>
+                            <m:t>2</m:t>
+                          </m:r>
+                        </m:sub>
+                      </m:sSub>
+                    </m:oMath>
+                  </m:oMathPara>
+                </a14:m>
+                <a:endParaRPr lang="en-NZ" sz="1600" dirty="0"/>
+              </a:p>
+            </p:txBody>
+          </p:sp>
+        </mc:Choice>
+        <mc:Fallback>
+          <p:sp>
+            <p:nvSpPr>
+              <p:cNvPr id="9" name="TextBox 8"/>
+              <p:cNvSpPr txBox="1">
+                <a:spLocks noRot="1" noChangeAspect="1" noMove="1" noResize="1" noEditPoints="1" noAdjustHandles="1" noChangeArrowheads="1" noChangeShapeType="1" noTextEdit="1"/>
+              </p:cNvSpPr>
+              <p:nvPr/>
+            </p:nvSpPr>
+            <p:spPr>
+              <a:xfrm>
+                <a:off x="4130186" y="3861048"/>
+                <a:ext cx="924163" cy="338554"/>
+              </a:xfrm>
+              <a:prstGeom prst="rect">
+                <a:avLst/>
+              </a:prstGeom>
+              <a:blipFill rotWithShape="1">
+                <a:blip r:embed="rId2"/>
+                <a:stretch>
+                  <a:fillRect/>
+                </a:stretch>
+              </a:blipFill>
+            </p:spPr>
+            <p:txBody>
+              <a:bodyPr/>
+              <a:lstStyle/>
+              <a:p>
+                <a:r>
+                  <a:rPr lang="en-NZ">
+                    <a:noFill/>
+                  </a:rPr>
+                  <a:t> </a:t>
+                </a:r>
+              </a:p>
+            </p:txBody>
+          </p:sp>
+        </mc:Fallback>
+      </mc:AlternateContent>
+      <p:sp>
+        <p:nvSpPr>
+          <p:cNvPr id="5" name="Oval 4"/>
+          <p:cNvSpPr/>
+          <p:nvPr/>
+        </p:nvSpPr>
+        <p:spPr>
+          <a:xfrm>
+            <a:off x="430256" y="3362968"/>
+            <a:ext cx="885788" cy="885788"/>
+          </a:xfrm>
+          <a:prstGeom prst="ellipse">
+            <a:avLst/>
+          </a:prstGeom>
+          <a:noFill/>
+          <a:ln w="57150">
+            <a:solidFill>
+              <a:schemeClr val="tx1"/>
+            </a:solidFill>
+          </a:ln>
+        </p:spPr>
+        <p:style>
+          <a:lnRef idx="2">
+            <a:schemeClr val="accent1">
+              <a:shade val="50000"/>
+            </a:schemeClr>
+          </a:lnRef>
+          <a:fillRef idx="1">
+            <a:schemeClr val="accent1"/>
+          </a:fillRef>
+          <a:effectRef idx="0">
+            <a:schemeClr val="accent1"/>
+          </a:effectRef>
+          <a:fontRef idx="minor">
+            <a:schemeClr val="lt1"/>
+          </a:fontRef>
+        </p:style>
+        <p:txBody>
+          <a:bodyPr rtlCol="0" anchor="ctr"/>
+          <a:lstStyle/>
+          <a:p>
+            <a:pPr algn="ctr"/>
+            <a:r>
+              <a:rPr lang="en-NZ" dirty="0" smtClean="0">
+                <a:solidFill>
+                  <a:schemeClr val="tx1"/>
+                </a:solidFill>
+              </a:rPr>
+              <a:t>t=R</a:t>
+            </a:r>
+            <a:endParaRPr lang="en-NZ" dirty="0">
+              <a:solidFill>
+                <a:schemeClr val="tx1"/>
+              </a:solidFill>
+            </a:endParaRPr>
+          </a:p>
+        </p:txBody>
+      </p:sp>
+      <mc:AlternateContent xmlns:mc="http://schemas.openxmlformats.org/markup-compatibility/2006">
+        <mc:Choice xmlns:a14="http://schemas.microsoft.com/office/drawing/2010/main" Requires="a14">
+          <p:sp>
+            <p:nvSpPr>
+              <p:cNvPr id="17" name="TextBox 16"/>
+              <p:cNvSpPr txBox="1"/>
+              <p:nvPr/>
+            </p:nvSpPr>
+            <p:spPr>
+              <a:xfrm>
+                <a:off x="1265747" y="3900677"/>
+                <a:ext cx="939937" cy="338554"/>
+              </a:xfrm>
+              <a:prstGeom prst="rect">
+                <a:avLst/>
+              </a:prstGeom>
+              <a:noFill/>
+            </p:spPr>
+            <p:txBody>
+              <a:bodyPr wrap="none" rtlCol="0">
+                <a:spAutoFit/>
+              </a:bodyPr>
+              <a:lstStyle/>
+              <a:p>
+                <a14:m>
+                  <m:oMathPara xmlns:m="http://schemas.openxmlformats.org/officeDocument/2006/math">
+                    <m:oMathParaPr>
+                      <m:jc m:val="centerGroup"/>
+                    </m:oMathParaPr>
+                    <m:oMath xmlns:m="http://schemas.openxmlformats.org/officeDocument/2006/math">
+                      <m:sSubSup>
+                        <m:sSubSupPr>
+                          <m:ctrlPr>
+                            <a:rPr lang="en-NZ" sz="1600" b="0" i="1" smtClean="0">
+                              <a:latin typeface="Cambria Math"/>
+                            </a:rPr>
+                          </m:ctrlPr>
+                        </m:sSubSupPr>
+                        <m:e>
+                          <m:r>
+                            <a:rPr lang="en-NZ" sz="1600" b="0" i="1" smtClean="0">
+                              <a:latin typeface="Cambria Math"/>
+                            </a:rPr>
+                            <m:t>𝑥</m:t>
+                          </m:r>
+                        </m:e>
+                        <m:sub>
+                          <m:r>
+                            <a:rPr lang="en-NZ" sz="1600" b="0" i="1" smtClean="0">
+                              <a:latin typeface="Cambria Math"/>
+                            </a:rPr>
+                            <m:t>𝑅</m:t>
+                          </m:r>
+                        </m:sub>
+                        <m:sup>
+                          <m:r>
+                            <a:rPr lang="en-NZ" sz="1600" b="0" i="1" smtClean="0">
+                              <a:latin typeface="Cambria Math"/>
+                            </a:rPr>
+                            <m:t>′</m:t>
+                          </m:r>
+                        </m:sup>
+                      </m:sSubSup>
+                      <m:r>
+                        <a:rPr lang="en-NZ" sz="1600" b="0" i="1" smtClean="0">
+                          <a:latin typeface="Cambria Math"/>
+                        </a:rPr>
+                        <m:t>=</m:t>
+                      </m:r>
+                      <m:sSub>
+                        <m:sSubPr>
+                          <m:ctrlPr>
+                            <a:rPr lang="en-NZ" sz="1600" b="0" i="1" smtClean="0">
+                              <a:latin typeface="Cambria Math"/>
+                            </a:rPr>
+                          </m:ctrlPr>
+                        </m:sSubPr>
+                        <m:e>
+                          <m:r>
+                            <a:rPr lang="en-NZ" sz="1600" b="0" i="1" smtClean="0">
+                              <a:latin typeface="Cambria Math"/>
+                            </a:rPr>
+                            <m:t>𝑥</m:t>
+                          </m:r>
+                        </m:e>
+                        <m:sub>
+                          <m:r>
+                            <a:rPr lang="en-NZ" sz="1600" b="0" i="1" smtClean="0">
+                              <a:latin typeface="Cambria Math"/>
+                            </a:rPr>
+                            <m:t>1</m:t>
+                          </m:r>
+                        </m:sub>
+                      </m:sSub>
+                    </m:oMath>
+                  </m:oMathPara>
+                </a14:m>
+                <a:endParaRPr lang="en-NZ" sz="1600" dirty="0"/>
+              </a:p>
+            </p:txBody>
+          </p:sp>
+        </mc:Choice>
+        <mc:Fallback>
+          <p:sp>
+            <p:nvSpPr>
+              <p:cNvPr id="17" name="TextBox 16"/>
+              <p:cNvSpPr txBox="1">
+                <a:spLocks noRot="1" noChangeAspect="1" noMove="1" noResize="1" noEditPoints="1" noAdjustHandles="1" noChangeArrowheads="1" noChangeShapeType="1" noTextEdit="1"/>
+              </p:cNvSpPr>
+              <p:nvPr/>
+            </p:nvSpPr>
+            <p:spPr>
+              <a:xfrm>
+                <a:off x="1265747" y="3900677"/>
+                <a:ext cx="939937" cy="338554"/>
+              </a:xfrm>
+              <a:prstGeom prst="rect">
+                <a:avLst/>
+              </a:prstGeom>
+              <a:blipFill rotWithShape="1">
+                <a:blip r:embed="rId3"/>
+                <a:stretch>
+                  <a:fillRect b="-1818"/>
+                </a:stretch>
+              </a:blipFill>
+            </p:spPr>
+            <p:txBody>
+              <a:bodyPr/>
+              <a:lstStyle/>
+              <a:p>
+                <a:r>
+                  <a:rPr lang="en-NZ">
+                    <a:noFill/>
+                  </a:rPr>
+                  <a:t> </a:t>
+                </a:r>
+              </a:p>
+            </p:txBody>
+          </p:sp>
+        </mc:Fallback>
+      </mc:AlternateContent>
+    </p:spTree>
+    <p:extLst>
+      <p:ext uri="{BB962C8B-B14F-4D97-AF65-F5344CB8AC3E}">
+        <p14:creationId xmlns:p14="http://schemas.microsoft.com/office/powerpoint/2010/main" val="1969455391"/>
+      </p:ext>
+    </p:extLst>
+  </p:cSld>
+  <p:clrMapOvr>
+    <a:masterClrMapping/>
+  </p:clrMapOvr>
+</p:sld>
+</file>
+
 <file path=ppt/slides/slide2.xml><?xml version="1.0" encoding="utf-8"?>
 <p:sld xmlns:a="http://schemas.openxmlformats.org/drawingml/2006/main" xmlns:r="http://schemas.openxmlformats.org/officeDocument/2006/relationships" xmlns:p="http://schemas.openxmlformats.org/presentationml/2006/main">
   <p:cSld>
@@ -9870,7 +12950,7 @@
           <p:cNvPr id="4" name="TextBox 3">
             <a:extLst>
               <a:ext uri="{FF2B5EF4-FFF2-40B4-BE49-F238E27FC236}">
-                <a16:creationId xmlns:a16="http://schemas.microsoft.com/office/drawing/2014/main" id="{6A003F16-90A5-4089-A690-8028B99A5A2A}"/>
+                <a16:creationId xmlns:a16="http://schemas.microsoft.com/office/drawing/2014/main" xmlns="" id="{6A003F16-90A5-4089-A690-8028B99A5A2A}"/>
               </a:ext>
             </a:extLst>
           </p:cNvPr>
@@ -9950,7 +13030,7 @@
 </p:sld>
 </file>
 
-<file path=ppt/slides/slide3.xml><?xml version="1.0" encoding="utf-8"?>
+<file path=ppt/slides/slide20.xml><?xml version="1.0" encoding="utf-8"?>
 <p:sld xmlns:a="http://schemas.openxmlformats.org/drawingml/2006/main" xmlns:r="http://schemas.openxmlformats.org/officeDocument/2006/relationships" xmlns:p="http://schemas.openxmlformats.org/presentationml/2006/main">
   <p:cSld>
     <p:spTree>
@@ -9974,7 +13054,873 @@
               <p:cNvPr id="4" name="TextBox 3">
                 <a:extLst>
                   <a:ext uri="{FF2B5EF4-FFF2-40B4-BE49-F238E27FC236}">
-                    <a16:creationId xmlns:a16="http://schemas.microsoft.com/office/drawing/2014/main" id="{6A003F16-90A5-4089-A690-8028B99A5A2A}"/>
+                    <a16:creationId xmlns:a16="http://schemas.microsoft.com/office/drawing/2014/main" xmlns="" id="{6A003F16-90A5-4089-A690-8028B99A5A2A}"/>
+                  </a:ext>
+                </a:extLst>
+              </p:cNvPr>
+              <p:cNvSpPr txBox="1"/>
+              <p:nvPr/>
+            </p:nvSpPr>
+            <p:spPr>
+              <a:xfrm>
+                <a:off x="539552" y="2828835"/>
+                <a:ext cx="7776864" cy="1285608"/>
+              </a:xfrm>
+              <a:prstGeom prst="rect">
+                <a:avLst/>
+              </a:prstGeom>
+              <a:noFill/>
+            </p:spPr>
+            <p:txBody>
+              <a:bodyPr wrap="square" rtlCol="0">
+                <a:spAutoFit/>
+              </a:bodyPr>
+              <a:lstStyle/>
+              <a:p>
+                <a:pPr>
+                  <a:lnSpc>
+                    <a:spcPct val="150000"/>
+                  </a:lnSpc>
+                </a:pPr>
+                <a:r>
+                  <a:rPr lang="en-NZ" b="1" dirty="0" smtClean="0"/>
+                  <a:t>Definition 8.</a:t>
+                </a:r>
+                <a:r>
+                  <a:rPr lang="en-NZ" dirty="0" smtClean="0"/>
+                  <a:t> The </a:t>
+                </a:r>
+                <a:r>
+                  <a:rPr lang="en-NZ" b="1" i="1" dirty="0" smtClean="0">
+                    <a:solidFill>
+                      <a:srgbClr val="FF0000"/>
+                    </a:solidFill>
+                  </a:rPr>
+                  <a:t>root node</a:t>
+                </a:r>
+                <a:r>
+                  <a:rPr lang="en-NZ" dirty="0" smtClean="0"/>
+                  <a:t> </a:t>
+                </a:r>
+                <a:r>
+                  <a:rPr lang="en-NZ" dirty="0"/>
+                  <a:t>is the current point-of-view of the agent in the decision making process and stores an initial state </a:t>
+                </a:r>
+                <a:r>
+                  <a:rPr lang="en-NZ" dirty="0" smtClean="0"/>
+                  <a:t>variable </a:t>
+                </a:r>
+                <a14:m>
+                  <m:oMath xmlns:m="http://schemas.openxmlformats.org/officeDocument/2006/math">
+                    <m:sSubSup>
+                      <m:sSubSupPr>
+                        <m:ctrlPr>
+                          <a:rPr lang="en-NZ" b="0" i="1" smtClean="0">
+                            <a:latin typeface="Cambria Math"/>
+                          </a:rPr>
+                        </m:ctrlPr>
+                      </m:sSubSupPr>
+                      <m:e>
+                        <m:r>
+                          <a:rPr lang="en-NZ" b="0" i="1" smtClean="0">
+                            <a:latin typeface="Cambria Math"/>
+                          </a:rPr>
+                          <m:t>𝑥</m:t>
+                        </m:r>
+                      </m:e>
+                      <m:sub>
+                        <m:r>
+                          <a:rPr lang="en-NZ" b="0" i="1" smtClean="0">
+                            <a:latin typeface="Cambria Math"/>
+                          </a:rPr>
+                          <m:t>𝑅</m:t>
+                        </m:r>
+                      </m:sub>
+                      <m:sup>
+                        <m:r>
+                          <a:rPr lang="en-NZ" b="0" i="1" smtClean="0">
+                            <a:latin typeface="Cambria Math"/>
+                          </a:rPr>
+                          <m:t>′</m:t>
+                        </m:r>
+                      </m:sup>
+                    </m:sSubSup>
+                  </m:oMath>
+                </a14:m>
+                <a:r>
+                  <a:rPr lang="en-NZ" dirty="0" smtClean="0"/>
+                  <a:t>.</a:t>
+                </a:r>
+                <a:endParaRPr lang="en-NZ" dirty="0"/>
+              </a:p>
+            </p:txBody>
+          </p:sp>
+        </mc:Choice>
+        <mc:Fallback>
+          <p:sp>
+            <p:nvSpPr>
+              <p:cNvPr id="4" name="TextBox 3">
+                <a:extLst>
+                  <a:ext uri="{FF2B5EF4-FFF2-40B4-BE49-F238E27FC236}">
+                    <a16:creationId xmlns:a16="http://schemas.microsoft.com/office/drawing/2014/main" xmlns:a14="http://schemas.microsoft.com/office/drawing/2010/main" xmlns="" id="{6A003F16-90A5-4089-A690-8028B99A5A2A}"/>
+                  </a:ext>
+                </a:extLst>
+              </p:cNvPr>
+              <p:cNvSpPr txBox="1">
+                <a:spLocks noRot="1" noChangeAspect="1" noMove="1" noResize="1" noEditPoints="1" noAdjustHandles="1" noChangeArrowheads="1" noChangeShapeType="1" noTextEdit="1"/>
+              </p:cNvSpPr>
+              <p:nvPr/>
+            </p:nvSpPr>
+            <p:spPr>
+              <a:xfrm>
+                <a:off x="539552" y="2828835"/>
+                <a:ext cx="7776864" cy="1285608"/>
+              </a:xfrm>
+              <a:prstGeom prst="rect">
+                <a:avLst/>
+              </a:prstGeom>
+              <a:blipFill rotWithShape="1">
+                <a:blip r:embed="rId2"/>
+                <a:stretch>
+                  <a:fillRect l="-706" b="-6635"/>
+                </a:stretch>
+              </a:blipFill>
+            </p:spPr>
+            <p:txBody>
+              <a:bodyPr/>
+              <a:lstStyle/>
+              <a:p>
+                <a:r>
+                  <a:rPr lang="en-NZ">
+                    <a:noFill/>
+                  </a:rPr>
+                  <a:t> </a:t>
+                </a:r>
+              </a:p>
+            </p:txBody>
+          </p:sp>
+        </mc:Fallback>
+      </mc:AlternateContent>
+    </p:spTree>
+    <p:extLst>
+      <p:ext uri="{BB962C8B-B14F-4D97-AF65-F5344CB8AC3E}">
+        <p14:creationId xmlns:p14="http://schemas.microsoft.com/office/powerpoint/2010/main" val="2690882314"/>
+      </p:ext>
+    </p:extLst>
+  </p:cSld>
+  <p:clrMapOvr>
+    <a:masterClrMapping/>
+  </p:clrMapOvr>
+</p:sld>
+</file>
+
+<file path=ppt/slides/slide21.xml><?xml version="1.0" encoding="utf-8"?>
+<p:sld xmlns:a="http://schemas.openxmlformats.org/drawingml/2006/main" xmlns:r="http://schemas.openxmlformats.org/officeDocument/2006/relationships" xmlns:p="http://schemas.openxmlformats.org/presentationml/2006/main">
+  <p:cSld>
+    <p:spTree>
+      <p:nvGrpSpPr>
+        <p:cNvPr id="1" name=""/>
+        <p:cNvGrpSpPr/>
+        <p:nvPr/>
+      </p:nvGrpSpPr>
+      <p:grpSpPr>
+        <a:xfrm>
+          <a:off x="0" y="0"/>
+          <a:ext cx="0" cy="0"/>
+          <a:chOff x="0" y="0"/>
+          <a:chExt cx="0" cy="0"/>
+        </a:xfrm>
+      </p:grpSpPr>
+      <mc:AlternateContent xmlns:mc="http://schemas.openxmlformats.org/markup-compatibility/2006">
+        <mc:Choice xmlns:a14="http://schemas.microsoft.com/office/drawing/2010/main" Requires="a14">
+          <p:sp>
+            <p:nvSpPr>
+              <p:cNvPr id="4" name="TextBox 3">
+                <a:extLst>
+                  <a:ext uri="{FF2B5EF4-FFF2-40B4-BE49-F238E27FC236}">
+                    <a16:creationId xmlns:a16="http://schemas.microsoft.com/office/drawing/2014/main" xmlns="" id="{6A003F16-90A5-4089-A690-8028B99A5A2A}"/>
+                  </a:ext>
+                </a:extLst>
+              </p:cNvPr>
+              <p:cNvSpPr txBox="1"/>
+              <p:nvPr/>
+            </p:nvSpPr>
+            <p:spPr>
+              <a:xfrm>
+                <a:off x="539552" y="2828835"/>
+                <a:ext cx="7776864" cy="3101234"/>
+              </a:xfrm>
+              <a:prstGeom prst="rect">
+                <a:avLst/>
+              </a:prstGeom>
+              <a:noFill/>
+            </p:spPr>
+            <p:txBody>
+              <a:bodyPr wrap="square" rtlCol="0">
+                <a:spAutoFit/>
+              </a:bodyPr>
+              <a:lstStyle/>
+              <a:p>
+                <a:pPr>
+                  <a:lnSpc>
+                    <a:spcPct val="150000"/>
+                  </a:lnSpc>
+                </a:pPr>
+                <a:r>
+                  <a:rPr lang="en-NZ" b="1" dirty="0" smtClean="0"/>
+                  <a:t>Definition 8.</a:t>
+                </a:r>
+                <a:r>
+                  <a:rPr lang="en-NZ" dirty="0" smtClean="0"/>
+                  <a:t> </a:t>
+                </a:r>
+                <a:r>
+                  <a:rPr lang="en-NZ" dirty="0"/>
+                  <a:t>A </a:t>
+                </a:r>
+                <a:r>
+                  <a:rPr lang="en-NZ" b="1" i="1" dirty="0" smtClean="0">
+                    <a:solidFill>
+                      <a:srgbClr val="FF0000"/>
+                    </a:solidFill>
+                  </a:rPr>
+                  <a:t>policy graph </a:t>
+                </a:r>
+                <a14:m>
+                  <m:oMath xmlns:m="http://schemas.openxmlformats.org/officeDocument/2006/math">
+                    <m:r>
+                      <a:rPr lang="en-NZ" b="1" i="1" smtClean="0">
+                        <a:latin typeface="Cambria Math"/>
+                      </a:rPr>
+                      <m:t>𝑮</m:t>
+                    </m:r>
+                    <m:r>
+                      <a:rPr lang="en-NZ" b="1" i="1" smtClean="0">
+                        <a:latin typeface="Cambria Math"/>
+                      </a:rPr>
+                      <m:t>=(</m:t>
+                    </m:r>
+                    <m:r>
+                      <a:rPr lang="en-NZ" b="1" i="1" smtClean="0">
+                        <a:latin typeface="Cambria Math"/>
+                      </a:rPr>
+                      <m:t>𝑹</m:t>
+                    </m:r>
+                    <m:r>
+                      <a:rPr lang="en-NZ" b="1" i="1" smtClean="0">
+                        <a:latin typeface="Cambria Math"/>
+                      </a:rPr>
+                      <m:t>, </m:t>
+                    </m:r>
+                    <m:r>
+                      <a:rPr lang="en-NZ" b="1" i="1" smtClean="0">
+                        <a:latin typeface="Cambria Math"/>
+                      </a:rPr>
+                      <m:t>𝓥</m:t>
+                    </m:r>
+                    <m:r>
+                      <a:rPr lang="en-NZ" b="1" i="1" smtClean="0">
+                        <a:latin typeface="Cambria Math"/>
+                      </a:rPr>
+                      <m:t>,</m:t>
+                    </m:r>
+                    <m:r>
+                      <a:rPr lang="en-NZ" b="1" i="1" smtClean="0">
+                        <a:latin typeface="Cambria Math"/>
+                      </a:rPr>
+                      <m:t>𝓐</m:t>
+                    </m:r>
+                    <m:r>
+                      <a:rPr lang="en-NZ" b="1" i="1" smtClean="0">
+                        <a:latin typeface="Cambria Math"/>
+                      </a:rPr>
+                      <m:t>, </m:t>
+                    </m:r>
+                    <m:r>
+                      <a:rPr lang="en-NZ" b="1" i="0" smtClean="0">
+                        <a:latin typeface="Cambria Math"/>
+                      </a:rPr>
+                      <m:t>𝚽</m:t>
+                    </m:r>
+                    <m:r>
+                      <a:rPr lang="en-NZ" b="1" i="0" smtClean="0">
+                        <a:latin typeface="Cambria Math"/>
+                      </a:rPr>
+                      <m:t>)</m:t>
+                    </m:r>
+                  </m:oMath>
+                </a14:m>
+                <a:r>
+                  <a:rPr lang="en-NZ" dirty="0" smtClean="0"/>
+                  <a:t> is </a:t>
+                </a:r>
+                <a:r>
+                  <a:rPr lang="en-NZ" dirty="0"/>
+                  <a:t>defined by a tuple containing the root node </a:t>
+                </a:r>
+                <a14:m>
+                  <m:oMath xmlns:m="http://schemas.openxmlformats.org/officeDocument/2006/math">
+                    <m:r>
+                      <a:rPr lang="en-NZ" b="1" i="1">
+                        <a:latin typeface="Cambria Math"/>
+                      </a:rPr>
+                      <m:t>𝑹</m:t>
+                    </m:r>
+                  </m:oMath>
+                </a14:m>
+                <a:r>
+                  <a:rPr lang="en-NZ" dirty="0"/>
+                  <a:t>, along with the set of </a:t>
+                </a:r>
+                <a:r>
+                  <a:rPr lang="en-NZ" dirty="0" err="1"/>
+                  <a:t>subproblems</a:t>
+                </a:r>
+                <a:r>
+                  <a:rPr lang="en-NZ" dirty="0"/>
+                  <a:t> </a:t>
+                </a:r>
+                <a14:m>
+                  <m:oMath xmlns:m="http://schemas.openxmlformats.org/officeDocument/2006/math">
+                    <m:r>
+                      <a:rPr lang="en-NZ" b="1" i="1">
+                        <a:latin typeface="Cambria Math"/>
+                      </a:rPr>
+                      <m:t>𝓥</m:t>
+                    </m:r>
+                  </m:oMath>
+                </a14:m>
+                <a:r>
+                  <a:rPr lang="en-NZ" dirty="0"/>
+                  <a:t> and arcs </a:t>
+                </a:r>
+                <a14:m>
+                  <m:oMath xmlns:m="http://schemas.openxmlformats.org/officeDocument/2006/math">
+                    <m:r>
+                      <a:rPr lang="en-NZ" b="1" i="1">
+                        <a:latin typeface="Cambria Math"/>
+                      </a:rPr>
+                      <m:t>𝓐</m:t>
+                    </m:r>
+                    <m:r>
+                      <a:rPr lang="en-NZ" b="1" i="1">
+                        <a:latin typeface="Cambria Math"/>
+                      </a:rPr>
+                      <m:t> </m:t>
+                    </m:r>
+                  </m:oMath>
+                </a14:m>
+                <a:r>
+                  <a:rPr lang="en-NZ" dirty="0" smtClean="0"/>
+                  <a:t>. </a:t>
+                </a:r>
+                <a14:m>
+                  <m:oMath xmlns:m="http://schemas.openxmlformats.org/officeDocument/2006/math">
+                    <m:r>
+                      <a:rPr lang="en-NZ" b="1">
+                        <a:latin typeface="Cambria Math"/>
+                      </a:rPr>
+                      <m:t>𝚽</m:t>
+                    </m:r>
+                    <m:r>
+                      <a:rPr lang="en-NZ" b="1" i="1">
+                        <a:latin typeface="Cambria Math"/>
+                      </a:rPr>
+                      <m:t> </m:t>
+                    </m:r>
+                  </m:oMath>
+                </a14:m>
+                <a:r>
+                  <a:rPr lang="en-NZ" dirty="0"/>
+                  <a:t>is a matrix of the transition probabilities between </a:t>
+                </a:r>
+                <a:r>
+                  <a:rPr lang="en-NZ" dirty="0" err="1"/>
+                  <a:t>subproblems</a:t>
+                </a:r>
+                <a:r>
+                  <a:rPr lang="en-NZ" dirty="0"/>
+                  <a:t> with entries </a:t>
+                </a:r>
+                <a14:m>
+                  <m:oMath xmlns:m="http://schemas.openxmlformats.org/officeDocument/2006/math">
+                    <m:sSub>
+                      <m:sSubPr>
+                        <m:ctrlPr>
+                          <a:rPr lang="en-NZ" b="0" i="1" smtClean="0">
+                            <a:latin typeface="Cambria Math"/>
+                          </a:rPr>
+                        </m:ctrlPr>
+                      </m:sSubPr>
+                      <m:e>
+                        <m:r>
+                          <a:rPr lang="en-NZ" b="0" i="1" smtClean="0">
+                            <a:latin typeface="Cambria Math"/>
+                          </a:rPr>
+                          <m:t>𝜙</m:t>
+                        </m:r>
+                      </m:e>
+                      <m:sub>
+                        <m:r>
+                          <a:rPr lang="en-NZ" b="0" i="1" smtClean="0">
+                            <a:latin typeface="Cambria Math"/>
+                          </a:rPr>
+                          <m:t>𝑖</m:t>
+                        </m:r>
+                        <m:r>
+                          <a:rPr lang="en-NZ" b="0" i="1" smtClean="0">
+                            <a:latin typeface="Cambria Math"/>
+                          </a:rPr>
+                          <m:t>,</m:t>
+                        </m:r>
+                        <m:r>
+                          <a:rPr lang="en-NZ" b="0" i="1" smtClean="0">
+                            <a:latin typeface="Cambria Math"/>
+                          </a:rPr>
+                          <m:t>𝑗</m:t>
+                        </m:r>
+                      </m:sub>
+                    </m:sSub>
+                  </m:oMath>
+                </a14:m>
+                <a:r>
+                  <a:rPr lang="en-NZ" dirty="0" smtClean="0"/>
+                  <a:t> </a:t>
+                </a:r>
+                <a:r>
+                  <a:rPr lang="en-NZ" dirty="0"/>
+                  <a:t>such that if there exists an arc </a:t>
+                </a:r>
+                <a14:m>
+                  <m:oMath xmlns:m="http://schemas.openxmlformats.org/officeDocument/2006/math">
+                    <m:r>
+                      <a:rPr lang="en-NZ" b="1" i="1" smtClean="0">
+                        <a:latin typeface="Cambria Math"/>
+                      </a:rPr>
+                      <m:t>(</m:t>
+                    </m:r>
+                    <m:r>
+                      <a:rPr lang="en-NZ" b="0" i="1" smtClean="0">
+                        <a:latin typeface="Cambria Math"/>
+                      </a:rPr>
+                      <m:t>𝑖</m:t>
+                    </m:r>
+                    <m:r>
+                      <a:rPr lang="en-NZ" b="1" i="1" smtClean="0">
+                        <a:latin typeface="Cambria Math"/>
+                      </a:rPr>
+                      <m:t>,</m:t>
+                    </m:r>
+                    <m:r>
+                      <a:rPr lang="en-NZ" b="0" i="1" smtClean="0">
+                        <a:latin typeface="Cambria Math"/>
+                      </a:rPr>
+                      <m:t>𝑗</m:t>
+                    </m:r>
+                    <m:r>
+                      <a:rPr lang="en-NZ" b="1" i="1" smtClean="0">
+                        <a:latin typeface="Cambria Math"/>
+                      </a:rPr>
+                      <m:t>)</m:t>
+                    </m:r>
+                    <m:r>
+                      <a:rPr lang="en-NZ" b="1" i="1">
+                        <a:latin typeface="Cambria Math"/>
+                      </a:rPr>
+                      <m:t> </m:t>
+                    </m:r>
+                  </m:oMath>
+                </a14:m>
+                <a:r>
+                  <a:rPr lang="en-NZ" dirty="0" smtClean="0"/>
+                  <a:t>in </a:t>
+                </a:r>
+                <a14:m>
+                  <m:oMath xmlns:m="http://schemas.openxmlformats.org/officeDocument/2006/math">
+                    <m:r>
+                      <a:rPr lang="en-NZ" b="1" i="1">
+                        <a:latin typeface="Cambria Math"/>
+                      </a:rPr>
+                      <m:t>𝓐</m:t>
+                    </m:r>
+                  </m:oMath>
+                </a14:m>
+                <a:r>
+                  <a:rPr lang="en-NZ" dirty="0" smtClean="0"/>
+                  <a:t> </a:t>
+                </a:r>
+                <a:r>
+                  <a:rPr lang="en-NZ" dirty="0"/>
+                  <a:t>for two </a:t>
+                </a:r>
+                <a:r>
+                  <a:rPr lang="en-NZ" dirty="0" err="1"/>
+                  <a:t>subproblems</a:t>
+                </a:r>
+                <a:r>
+                  <a:rPr lang="en-NZ" dirty="0"/>
+                  <a:t> </a:t>
+                </a:r>
+                <a14:m>
+                  <m:oMath xmlns:m="http://schemas.openxmlformats.org/officeDocument/2006/math">
+                    <m:r>
+                      <a:rPr lang="en-NZ" b="0" i="1" smtClean="0">
+                        <a:latin typeface="Cambria Math"/>
+                      </a:rPr>
+                      <m:t>𝑖</m:t>
+                    </m:r>
+                    <m:r>
+                      <a:rPr lang="en-NZ" b="1" i="1" smtClean="0">
+                        <a:latin typeface="Cambria Math"/>
+                      </a:rPr>
+                      <m:t>∈</m:t>
+                    </m:r>
+                    <m:r>
+                      <a:rPr lang="en-NZ" b="1" i="1">
+                        <a:latin typeface="Cambria Math"/>
+                      </a:rPr>
+                      <m:t>𝓥</m:t>
+                    </m:r>
+                    <m:r>
+                      <a:rPr lang="en-NZ" b="1" i="1" smtClean="0">
+                        <a:latin typeface="Cambria Math"/>
+                      </a:rPr>
+                      <m:t>∪{</m:t>
+                    </m:r>
+                    <m:r>
+                      <a:rPr lang="en-NZ" b="1" i="1" smtClean="0">
+                        <a:latin typeface="Cambria Math"/>
+                      </a:rPr>
+                      <m:t>𝑹</m:t>
+                    </m:r>
+                    <m:r>
+                      <a:rPr lang="en-NZ" b="1" i="1" smtClean="0">
+                        <a:latin typeface="Cambria Math"/>
+                      </a:rPr>
+                      <m:t>}</m:t>
+                    </m:r>
+                  </m:oMath>
+                </a14:m>
+                <a:r>
+                  <a:rPr lang="en-NZ" dirty="0"/>
+                  <a:t> and </a:t>
+                </a:r>
+                <a14:m>
+                  <m:oMath xmlns:m="http://schemas.openxmlformats.org/officeDocument/2006/math">
+                    <m:r>
+                      <a:rPr lang="en-NZ" b="0" i="1" dirty="0" smtClean="0">
+                        <a:latin typeface="Cambria Math"/>
+                      </a:rPr>
+                      <m:t>𝑗</m:t>
+                    </m:r>
+                    <m:r>
+                      <a:rPr lang="en-NZ" b="1" i="1">
+                        <a:latin typeface="Cambria Math"/>
+                      </a:rPr>
+                      <m:t>∈</m:t>
+                    </m:r>
+                    <m:r>
+                      <a:rPr lang="en-NZ" b="1" i="1">
+                        <a:latin typeface="Cambria Math"/>
+                      </a:rPr>
+                      <m:t>𝓥</m:t>
+                    </m:r>
+                  </m:oMath>
+                </a14:m>
+                <a:r>
+                  <a:rPr lang="en-NZ" dirty="0"/>
+                  <a:t> </a:t>
+                </a:r>
+                <a:r>
+                  <a:rPr lang="en-NZ" dirty="0"/>
+                  <a:t>, </a:t>
+                </a:r>
+                <a:r>
+                  <a:rPr lang="en-NZ" dirty="0" smtClean="0"/>
+                  <a:t>then </a:t>
+                </a:r>
+                <a14:m>
+                  <m:oMath xmlns:m="http://schemas.openxmlformats.org/officeDocument/2006/math">
+                    <m:sSubSup>
+                      <m:sSubSupPr>
+                        <m:ctrlPr>
+                          <a:rPr lang="en-NZ" b="0" i="1" smtClean="0">
+                            <a:latin typeface="Cambria Math"/>
+                          </a:rPr>
+                        </m:ctrlPr>
+                      </m:sSubSupPr>
+                      <m:e>
+                        <m:r>
+                          <a:rPr lang="en-NZ" b="0" i="1" smtClean="0">
+                            <a:latin typeface="Cambria Math"/>
+                          </a:rPr>
+                          <m:t>𝑥</m:t>
+                        </m:r>
+                      </m:e>
+                      <m:sub>
+                        <m:r>
+                          <a:rPr lang="en-NZ" b="0" i="1" smtClean="0">
+                            <a:latin typeface="Cambria Math"/>
+                          </a:rPr>
+                          <m:t>𝑖</m:t>
+                        </m:r>
+                      </m:sub>
+                      <m:sup>
+                        <m:r>
+                          <a:rPr lang="en-NZ" b="0" i="1" smtClean="0">
+                            <a:latin typeface="Cambria Math"/>
+                          </a:rPr>
+                          <m:t>′</m:t>
+                        </m:r>
+                      </m:sup>
+                    </m:sSubSup>
+                    <m:r>
+                      <a:rPr lang="en-NZ" b="0" i="1" smtClean="0">
+                        <a:latin typeface="Cambria Math"/>
+                      </a:rPr>
+                      <m:t>=</m:t>
+                    </m:r>
+                    <m:sSub>
+                      <m:sSubPr>
+                        <m:ctrlPr>
+                          <a:rPr lang="en-NZ" b="0" i="1" smtClean="0">
+                            <a:latin typeface="Cambria Math"/>
+                          </a:rPr>
+                        </m:ctrlPr>
+                      </m:sSubPr>
+                      <m:e>
+                        <m:r>
+                          <a:rPr lang="en-NZ" b="0" i="1" smtClean="0">
+                            <a:latin typeface="Cambria Math"/>
+                          </a:rPr>
+                          <m:t>𝑥</m:t>
+                        </m:r>
+                      </m:e>
+                      <m:sub>
+                        <m:r>
+                          <a:rPr lang="en-NZ" b="0" i="1" smtClean="0">
+                            <a:latin typeface="Cambria Math"/>
+                          </a:rPr>
+                          <m:t>𝑗</m:t>
+                        </m:r>
+                      </m:sub>
+                    </m:sSub>
+                    <m:r>
+                      <a:rPr lang="en-NZ" i="1">
+                        <a:latin typeface="Cambria Math"/>
+                      </a:rPr>
+                      <m:t> </m:t>
+                    </m:r>
+                  </m:oMath>
+                </a14:m>
+                <a:r>
+                  <a:rPr lang="en-NZ" dirty="0" smtClean="0"/>
+                  <a:t> with </a:t>
+                </a:r>
+                <a:r>
+                  <a:rPr lang="en-NZ" dirty="0"/>
+                  <a:t>probability </a:t>
+                </a:r>
+                <a14:m>
+                  <m:oMath xmlns:m="http://schemas.openxmlformats.org/officeDocument/2006/math">
+                    <m:sSub>
+                      <m:sSubPr>
+                        <m:ctrlPr>
+                          <a:rPr lang="en-NZ" i="1">
+                            <a:latin typeface="Cambria Math"/>
+                          </a:rPr>
+                        </m:ctrlPr>
+                      </m:sSubPr>
+                      <m:e>
+                        <m:r>
+                          <a:rPr lang="en-NZ" i="1">
+                            <a:latin typeface="Cambria Math"/>
+                          </a:rPr>
+                          <m:t>𝜙</m:t>
+                        </m:r>
+                      </m:e>
+                      <m:sub>
+                        <m:r>
+                          <a:rPr lang="en-NZ" i="1">
+                            <a:latin typeface="Cambria Math"/>
+                          </a:rPr>
+                          <m:t>𝑖</m:t>
+                        </m:r>
+                        <m:r>
+                          <a:rPr lang="en-NZ" i="1">
+                            <a:latin typeface="Cambria Math"/>
+                          </a:rPr>
+                          <m:t>,</m:t>
+                        </m:r>
+                        <m:r>
+                          <a:rPr lang="en-NZ" i="1">
+                            <a:latin typeface="Cambria Math"/>
+                          </a:rPr>
+                          <m:t>𝑗</m:t>
+                        </m:r>
+                      </m:sub>
+                    </m:sSub>
+                    <m:r>
+                      <a:rPr lang="en-NZ" b="0" i="1" smtClean="0">
+                        <a:latin typeface="Cambria Math"/>
+                      </a:rPr>
+                      <m:t>≥0</m:t>
+                    </m:r>
+                  </m:oMath>
+                </a14:m>
+                <a:r>
+                  <a:rPr lang="en-NZ" dirty="0" smtClean="0"/>
+                  <a:t>. </a:t>
+                </a:r>
+                <a:r>
+                  <a:rPr lang="en-NZ" dirty="0"/>
+                  <a:t>If no arc exists, then </a:t>
+                </a:r>
+                <a14:m>
+                  <m:oMath xmlns:m="http://schemas.openxmlformats.org/officeDocument/2006/math">
+                    <m:sSub>
+                      <m:sSubPr>
+                        <m:ctrlPr>
+                          <a:rPr lang="en-NZ" i="1">
+                            <a:latin typeface="Cambria Math"/>
+                          </a:rPr>
+                        </m:ctrlPr>
+                      </m:sSubPr>
+                      <m:e>
+                        <m:r>
+                          <a:rPr lang="en-NZ" i="1">
+                            <a:latin typeface="Cambria Math"/>
+                          </a:rPr>
+                          <m:t>𝜙</m:t>
+                        </m:r>
+                      </m:e>
+                      <m:sub>
+                        <m:r>
+                          <a:rPr lang="en-NZ" i="1">
+                            <a:latin typeface="Cambria Math"/>
+                          </a:rPr>
+                          <m:t>𝑖</m:t>
+                        </m:r>
+                        <m:r>
+                          <a:rPr lang="en-NZ" i="1">
+                            <a:latin typeface="Cambria Math"/>
+                          </a:rPr>
+                          <m:t>,</m:t>
+                        </m:r>
+                        <m:r>
+                          <a:rPr lang="en-NZ" i="1">
+                            <a:latin typeface="Cambria Math"/>
+                          </a:rPr>
+                          <m:t>𝑗</m:t>
+                        </m:r>
+                      </m:sub>
+                    </m:sSub>
+                    <m:r>
+                      <a:rPr lang="en-NZ" b="0" i="1" smtClean="0">
+                        <a:latin typeface="Cambria Math"/>
+                      </a:rPr>
+                      <m:t>=</m:t>
+                    </m:r>
+                    <m:r>
+                      <a:rPr lang="en-NZ" i="1">
+                        <a:latin typeface="Cambria Math"/>
+                      </a:rPr>
+                      <m:t>0</m:t>
+                    </m:r>
+                  </m:oMath>
+                </a14:m>
+                <a:r>
+                  <a:rPr lang="en-NZ" dirty="0" smtClean="0"/>
+                  <a:t>.</a:t>
+                </a:r>
+                <a:endParaRPr lang="en-NZ" dirty="0"/>
+              </a:p>
+            </p:txBody>
+          </p:sp>
+        </mc:Choice>
+        <mc:Fallback>
+          <p:sp>
+            <p:nvSpPr>
+              <p:cNvPr id="4" name="TextBox 3">
+                <a:extLst>
+                  <a:ext uri="{FF2B5EF4-FFF2-40B4-BE49-F238E27FC236}">
+                    <a16:creationId xmlns:a16="http://schemas.microsoft.com/office/drawing/2014/main" xmlns:a14="http://schemas.microsoft.com/office/drawing/2010/main" xmlns="" id="{6A003F16-90A5-4089-A690-8028B99A5A2A}"/>
+                  </a:ext>
+                </a:extLst>
+              </p:cNvPr>
+              <p:cNvSpPr txBox="1">
+                <a:spLocks noRot="1" noChangeAspect="1" noMove="1" noResize="1" noEditPoints="1" noAdjustHandles="1" noChangeArrowheads="1" noChangeShapeType="1" noTextEdit="1"/>
+              </p:cNvSpPr>
+              <p:nvPr/>
+            </p:nvSpPr>
+            <p:spPr>
+              <a:xfrm>
+                <a:off x="539552" y="2828835"/>
+                <a:ext cx="7776864" cy="3101234"/>
+              </a:xfrm>
+              <a:prstGeom prst="rect">
+                <a:avLst/>
+              </a:prstGeom>
+              <a:blipFill rotWithShape="1">
+                <a:blip r:embed="rId2"/>
+                <a:stretch>
+                  <a:fillRect l="-706"/>
+                </a:stretch>
+              </a:blipFill>
+            </p:spPr>
+            <p:txBody>
+              <a:bodyPr/>
+              <a:lstStyle/>
+              <a:p>
+                <a:r>
+                  <a:rPr lang="en-NZ">
+                    <a:noFill/>
+                  </a:rPr>
+                  <a:t> </a:t>
+                </a:r>
+              </a:p>
+            </p:txBody>
+          </p:sp>
+        </mc:Fallback>
+      </mc:AlternateContent>
+    </p:spTree>
+    <p:extLst>
+      <p:ext uri="{BB962C8B-B14F-4D97-AF65-F5344CB8AC3E}">
+        <p14:creationId xmlns:p14="http://schemas.microsoft.com/office/powerpoint/2010/main" val="4026950609"/>
+      </p:ext>
+    </p:extLst>
+  </p:cSld>
+  <p:clrMapOvr>
+    <a:masterClrMapping/>
+  </p:clrMapOvr>
+</p:sld>
+</file>
+
+<file path=ppt/slides/slide3.xml><?xml version="1.0" encoding="utf-8"?>
+<p:sld xmlns:a="http://schemas.openxmlformats.org/drawingml/2006/main" xmlns:r="http://schemas.openxmlformats.org/officeDocument/2006/relationships" xmlns:p="http://schemas.openxmlformats.org/presentationml/2006/main">
+  <p:cSld>
+    <p:spTree>
+      <p:nvGrpSpPr>
+        <p:cNvPr id="1" name=""/>
+        <p:cNvGrpSpPr/>
+        <p:nvPr/>
+      </p:nvGrpSpPr>
+      <p:grpSpPr>
+        <a:xfrm>
+          <a:off x="0" y="0"/>
+          <a:ext cx="0" cy="0"/>
+          <a:chOff x="0" y="0"/>
+          <a:chExt cx="0" cy="0"/>
+        </a:xfrm>
+      </p:grpSpPr>
+      <mc:AlternateContent xmlns:mc="http://schemas.openxmlformats.org/markup-compatibility/2006" xmlns:a14="http://schemas.microsoft.com/office/drawing/2010/main">
+        <mc:Choice Requires="a14">
+          <p:sp>
+            <p:nvSpPr>
+              <p:cNvPr id="4" name="TextBox 3">
+                <a:extLst>
+                  <a:ext uri="{FF2B5EF4-FFF2-40B4-BE49-F238E27FC236}">
+                    <a16:creationId xmlns:a16="http://schemas.microsoft.com/office/drawing/2014/main" xmlns="" id="{6A003F16-90A5-4089-A690-8028B99A5A2A}"/>
                   </a:ext>
                 </a:extLst>
               </p:cNvPr>
@@ -10047,7 +13993,7 @@
                       <m:sSubPr>
                         <m:ctrlPr>
                           <a:rPr lang="en-NZ" b="0" i="1" smtClean="0">
-                            <a:latin typeface="Cambria Math" panose="02040503050406030204" pitchFamily="18" charset="0"/>
+                            <a:latin typeface="Cambria Math"/>
                           </a:rPr>
                         </m:ctrlPr>
                       </m:sSubPr>
@@ -10078,7 +14024,7 @@
                       <m:sSubPr>
                         <m:ctrlPr>
                           <a:rPr lang="en-NZ" b="0" i="1" smtClean="0">
-                            <a:latin typeface="Cambria Math" panose="02040503050406030204" pitchFamily="18" charset="0"/>
+                            <a:latin typeface="Cambria Math"/>
                           </a:rPr>
                         </m:ctrlPr>
                       </m:sSubPr>
@@ -10112,7 +14058,7 @@
             </p:txBody>
           </p:sp>
         </mc:Choice>
-        <mc:Fallback>
+        <mc:Fallback xmlns="">
           <p:sp>
             <p:nvSpPr>
               <p:cNvPr id="4" name="TextBox 3">
@@ -10192,7 +14138,7 @@
           <p:cNvPr id="4" name="TextBox 3">
             <a:extLst>
               <a:ext uri="{FF2B5EF4-FFF2-40B4-BE49-F238E27FC236}">
-                <a16:creationId xmlns:a16="http://schemas.microsoft.com/office/drawing/2014/main" id="{6A003F16-90A5-4089-A690-8028B99A5A2A}"/>
+                <a16:creationId xmlns:a16="http://schemas.microsoft.com/office/drawing/2014/main" xmlns="" id="{6A003F16-90A5-4089-A690-8028B99A5A2A}"/>
               </a:ext>
             </a:extLst>
           </p:cNvPr>
@@ -10273,14 +14219,14 @@
           <a:chExt cx="0" cy="0"/>
         </a:xfrm>
       </p:grpSpPr>
-      <mc:AlternateContent xmlns:mc="http://schemas.openxmlformats.org/markup-compatibility/2006">
-        <mc:Choice xmlns:a14="http://schemas.microsoft.com/office/drawing/2010/main" Requires="a14">
+      <mc:AlternateContent xmlns:mc="http://schemas.openxmlformats.org/markup-compatibility/2006" xmlns:a14="http://schemas.microsoft.com/office/drawing/2010/main">
+        <mc:Choice Requires="a14">
           <p:sp>
             <p:nvSpPr>
               <p:cNvPr id="4" name="TextBox 3">
                 <a:extLst>
                   <a:ext uri="{FF2B5EF4-FFF2-40B4-BE49-F238E27FC236}">
-                    <a16:creationId xmlns:a16="http://schemas.microsoft.com/office/drawing/2014/main" id="{6A003F16-90A5-4089-A690-8028B99A5A2A}"/>
+                    <a16:creationId xmlns:a16="http://schemas.microsoft.com/office/drawing/2014/main" xmlns="" id="{6A003F16-90A5-4089-A690-8028B99A5A2A}"/>
                   </a:ext>
                 </a:extLst>
               </p:cNvPr>
@@ -10365,7 +14311,7 @@
                       <m:sSubPr>
                         <m:ctrlPr>
                           <a:rPr lang="en-NZ" i="1">
-                            <a:latin typeface="Cambria Math" panose="02040503050406030204" pitchFamily="18" charset="0"/>
+                            <a:latin typeface="Cambria Math"/>
                           </a:rPr>
                         </m:ctrlPr>
                       </m:sSubPr>
@@ -10396,7 +14342,7 @@
             </p:txBody>
           </p:sp>
         </mc:Choice>
-        <mc:Fallback>
+        <mc:Fallback xmlns="">
           <p:sp>
             <p:nvSpPr>
               <p:cNvPr id="4" name="TextBox 3">
@@ -10471,14 +14417,14 @@
           <a:chExt cx="0" cy="0"/>
         </a:xfrm>
       </p:grpSpPr>
-      <mc:AlternateContent xmlns:mc="http://schemas.openxmlformats.org/markup-compatibility/2006">
-        <mc:Choice xmlns:a14="http://schemas.microsoft.com/office/drawing/2010/main" Requires="a14">
+      <mc:AlternateContent xmlns:mc="http://schemas.openxmlformats.org/markup-compatibility/2006" xmlns:a14="http://schemas.microsoft.com/office/drawing/2010/main">
+        <mc:Choice Requires="a14">
           <p:sp>
             <p:nvSpPr>
               <p:cNvPr id="4" name="TextBox 3">
                 <a:extLst>
                   <a:ext uri="{FF2B5EF4-FFF2-40B4-BE49-F238E27FC236}">
-                    <a16:creationId xmlns:a16="http://schemas.microsoft.com/office/drawing/2014/main" id="{6A003F16-90A5-4089-A690-8028B99A5A2A}"/>
+                    <a16:creationId xmlns:a16="http://schemas.microsoft.com/office/drawing/2014/main" xmlns="" id="{6A003F16-90A5-4089-A690-8028B99A5A2A}"/>
                   </a:ext>
                 </a:extLst>
               </p:cNvPr>
@@ -10563,7 +14509,7 @@
                       <m:sSubSupPr>
                         <m:ctrlPr>
                           <a:rPr lang="en-NZ" b="0" i="1" smtClean="0">
-                            <a:latin typeface="Cambria Math" panose="02040503050406030204" pitchFamily="18" charset="0"/>
+                            <a:latin typeface="Cambria Math"/>
                           </a:rPr>
                         </m:ctrlPr>
                       </m:sSubSupPr>
@@ -10602,7 +14548,7 @@
             </p:txBody>
           </p:sp>
         </mc:Choice>
-        <mc:Fallback>
+        <mc:Fallback xmlns="">
           <p:sp>
             <p:nvSpPr>
               <p:cNvPr id="4" name="TextBox 3">
@@ -10677,14 +14623,14 @@
           <a:chExt cx="0" cy="0"/>
         </a:xfrm>
       </p:grpSpPr>
-      <mc:AlternateContent xmlns:mc="http://schemas.openxmlformats.org/markup-compatibility/2006">
-        <mc:Choice xmlns:a14="http://schemas.microsoft.com/office/drawing/2010/main" Requires="a14">
+      <mc:AlternateContent xmlns:mc="http://schemas.openxmlformats.org/markup-compatibility/2006" xmlns:a14="http://schemas.microsoft.com/office/drawing/2010/main">
+        <mc:Choice Requires="a14">
           <p:sp>
             <p:nvSpPr>
               <p:cNvPr id="4" name="TextBox 3">
                 <a:extLst>
                   <a:ext uri="{FF2B5EF4-FFF2-40B4-BE49-F238E27FC236}">
-                    <a16:creationId xmlns:a16="http://schemas.microsoft.com/office/drawing/2014/main" id="{6A003F16-90A5-4089-A690-8028B99A5A2A}"/>
+                    <a16:creationId xmlns:a16="http://schemas.microsoft.com/office/drawing/2014/main" xmlns="" id="{6A003F16-90A5-4089-A690-8028B99A5A2A}"/>
                   </a:ext>
                 </a:extLst>
               </p:cNvPr>
@@ -10757,7 +14703,7 @@
                       <m:sSubPr>
                         <m:ctrlPr>
                           <a:rPr lang="en-NZ" i="1">
-                            <a:latin typeface="Cambria Math" panose="02040503050406030204" pitchFamily="18" charset="0"/>
+                            <a:latin typeface="Cambria Math"/>
                           </a:rPr>
                         </m:ctrlPr>
                       </m:sSubPr>
@@ -10788,7 +14734,7 @@
             </p:txBody>
           </p:sp>
         </mc:Choice>
-        <mc:Fallback>
+        <mc:Fallback xmlns="">
           <p:sp>
             <p:nvSpPr>
               <p:cNvPr id="4" name="TextBox 3">
@@ -10863,14 +14809,14 @@
           <a:chExt cx="0" cy="0"/>
         </a:xfrm>
       </p:grpSpPr>
-      <mc:AlternateContent xmlns:mc="http://schemas.openxmlformats.org/markup-compatibility/2006">
-        <mc:Choice xmlns:a14="http://schemas.microsoft.com/office/drawing/2010/main" Requires="a14">
+      <mc:AlternateContent xmlns:mc="http://schemas.openxmlformats.org/markup-compatibility/2006" xmlns:a14="http://schemas.microsoft.com/office/drawing/2010/main">
+        <mc:Choice Requires="a14">
           <p:sp>
             <p:nvSpPr>
               <p:cNvPr id="4" name="TextBox 3">
                 <a:extLst>
                   <a:ext uri="{FF2B5EF4-FFF2-40B4-BE49-F238E27FC236}">
-                    <a16:creationId xmlns:a16="http://schemas.microsoft.com/office/drawing/2014/main" id="{6A003F16-90A5-4089-A690-8028B99A5A2A}"/>
+                    <a16:creationId xmlns:a16="http://schemas.microsoft.com/office/drawing/2014/main" xmlns="" id="{6A003F16-90A5-4089-A690-8028B99A5A2A}"/>
                   </a:ext>
                 </a:extLst>
               </p:cNvPr>
@@ -10924,7 +14870,7 @@
                       <m:sSubPr>
                         <m:ctrlPr>
                           <a:rPr lang="en-NZ" i="1">
-                            <a:latin typeface="Cambria Math" panose="02040503050406030204" pitchFamily="18" charset="0"/>
+                            <a:latin typeface="Cambria Math"/>
                           </a:rPr>
                         </m:ctrlPr>
                       </m:sSubPr>
@@ -10957,7 +14903,7 @@
                       <m:sSubSupPr>
                         <m:ctrlPr>
                           <a:rPr lang="en-NZ" i="1">
-                            <a:latin typeface="Cambria Math" panose="02040503050406030204" pitchFamily="18" charset="0"/>
+                            <a:latin typeface="Cambria Math"/>
                           </a:rPr>
                         </m:ctrlPr>
                       </m:sSubSupPr>
@@ -10998,7 +14944,7 @@
                       <m:sSubPr>
                         <m:ctrlPr>
                           <a:rPr lang="en-NZ" i="1">
-                            <a:latin typeface="Cambria Math" panose="02040503050406030204" pitchFamily="18" charset="0"/>
+                            <a:latin typeface="Cambria Math"/>
                           </a:rPr>
                         </m:ctrlPr>
                       </m:sSubPr>
@@ -11031,7 +14977,7 @@
                       <m:sSubPr>
                         <m:ctrlPr>
                           <a:rPr lang="en-NZ" i="1">
-                            <a:latin typeface="Cambria Math" panose="02040503050406030204" pitchFamily="18" charset="0"/>
+                            <a:latin typeface="Cambria Math"/>
                           </a:rPr>
                         </m:ctrlPr>
                       </m:sSubPr>
@@ -11083,7 +15029,7 @@
                       <m:sSubPr>
                         <m:ctrlPr>
                           <a:rPr lang="en-NZ" i="1">
-                            <a:latin typeface="Cambria Math" panose="02040503050406030204" pitchFamily="18" charset="0"/>
+                            <a:latin typeface="Cambria Math"/>
                           </a:rPr>
                         </m:ctrlPr>
                       </m:sSubPr>
@@ -11092,7 +15038,7 @@
                           <m:sSubSupPr>
                             <m:ctrlPr>
                               <a:rPr lang="en-NZ" b="0" i="1" smtClean="0">
-                                <a:latin typeface="Cambria Math" panose="02040503050406030204" pitchFamily="18" charset="0"/>
+                                <a:latin typeface="Cambria Math"/>
                               </a:rPr>
                             </m:ctrlPr>
                           </m:sSubSupPr>
@@ -11153,7 +15099,7 @@
                       <m:sSubPr>
                         <m:ctrlPr>
                           <a:rPr lang="en-NZ" i="1">
-                            <a:latin typeface="Cambria Math" panose="02040503050406030204" pitchFamily="18" charset="0"/>
+                            <a:latin typeface="Cambria Math"/>
                           </a:rPr>
                         </m:ctrlPr>
                       </m:sSubPr>
@@ -11184,7 +15130,7 @@
                       <m:sSubPr>
                         <m:ctrlPr>
                           <a:rPr lang="en-NZ" i="1">
-                            <a:latin typeface="Cambria Math" panose="02040503050406030204" pitchFamily="18" charset="0"/>
+                            <a:latin typeface="Cambria Math"/>
                           </a:rPr>
                         </m:ctrlPr>
                       </m:sSubPr>
@@ -11215,7 +15161,7 @@
                       <m:sSubPr>
                         <m:ctrlPr>
                           <a:rPr lang="en-NZ" i="1">
-                            <a:latin typeface="Cambria Math" panose="02040503050406030204" pitchFamily="18" charset="0"/>
+                            <a:latin typeface="Cambria Math"/>
                           </a:rPr>
                         </m:ctrlPr>
                       </m:sSubPr>
@@ -11260,7 +15206,7 @@
             </p:txBody>
           </p:sp>
         </mc:Choice>
-        <mc:Fallback>
+        <mc:Fallback xmlns="">
           <p:sp>
             <p:nvSpPr>
               <p:cNvPr id="4" name="TextBox 3">
@@ -11335,14 +15281,14 @@
           <a:chExt cx="0" cy="0"/>
         </a:xfrm>
       </p:grpSpPr>
-      <mc:AlternateContent xmlns:mc="http://schemas.openxmlformats.org/markup-compatibility/2006">
-        <mc:Choice xmlns:a14="http://schemas.microsoft.com/office/drawing/2010/main" Requires="a14">
+      <mc:AlternateContent xmlns:mc="http://schemas.openxmlformats.org/markup-compatibility/2006" xmlns:a14="http://schemas.microsoft.com/office/drawing/2010/main">
+        <mc:Choice Requires="a14">
           <p:sp>
             <p:nvSpPr>
               <p:cNvPr id="4" name="TextBox 3">
                 <a:extLst>
                   <a:ext uri="{FF2B5EF4-FFF2-40B4-BE49-F238E27FC236}">
-                    <a16:creationId xmlns:a16="http://schemas.microsoft.com/office/drawing/2014/main" id="{6A003F16-90A5-4089-A690-8028B99A5A2A}"/>
+                    <a16:creationId xmlns:a16="http://schemas.microsoft.com/office/drawing/2014/main" xmlns="" id="{6A003F16-90A5-4089-A690-8028B99A5A2A}"/>
                   </a:ext>
                 </a:extLst>
               </p:cNvPr>
@@ -11404,7 +15350,7 @@
                       <m:sSubPr>
                         <m:ctrlPr>
                           <a:rPr lang="en-NZ" i="1">
-                            <a:latin typeface="Cambria Math" panose="02040503050406030204" pitchFamily="18" charset="0"/>
+                            <a:latin typeface="Cambria Math"/>
                           </a:rPr>
                         </m:ctrlPr>
                       </m:sSubPr>
@@ -11437,7 +15383,7 @@
                       <m:sSubPr>
                         <m:ctrlPr>
                           <a:rPr lang="en-NZ" i="1">
-                            <a:latin typeface="Cambria Math" panose="02040503050406030204" pitchFamily="18" charset="0"/>
+                            <a:latin typeface="Cambria Math"/>
                           </a:rPr>
                         </m:ctrlPr>
                       </m:sSubPr>
@@ -11470,7 +15416,7 @@
                       <m:sSubPr>
                         <m:ctrlPr>
                           <a:rPr lang="en-NZ" i="1">
-                            <a:latin typeface="Cambria Math" panose="02040503050406030204" pitchFamily="18" charset="0"/>
+                            <a:latin typeface="Cambria Math"/>
                           </a:rPr>
                         </m:ctrlPr>
                       </m:sSubPr>
@@ -11522,7 +15468,7 @@
                       <m:sSubPr>
                         <m:ctrlPr>
                           <a:rPr lang="en-NZ" b="0" i="1" smtClean="0">
-                            <a:latin typeface="Cambria Math" panose="02040503050406030204" pitchFamily="18" charset="0"/>
+                            <a:latin typeface="Cambria Math"/>
                           </a:rPr>
                         </m:ctrlPr>
                       </m:sSubPr>
@@ -11553,7 +15499,7 @@
                       <m:sSubPr>
                         <m:ctrlPr>
                           <a:rPr lang="en-NZ" b="0" i="1" smtClean="0">
-                            <a:latin typeface="Cambria Math" panose="02040503050406030204" pitchFamily="18" charset="0"/>
+                            <a:latin typeface="Cambria Math"/>
                           </a:rPr>
                         </m:ctrlPr>
                       </m:sSubPr>
@@ -11584,7 +15530,7 @@
                       <m:sSubPr>
                         <m:ctrlPr>
                           <a:rPr lang="en-NZ" b="0" i="1" smtClean="0">
-                            <a:latin typeface="Cambria Math" panose="02040503050406030204" pitchFamily="18" charset="0"/>
+                            <a:latin typeface="Cambria Math"/>
                           </a:rPr>
                         </m:ctrlPr>
                       </m:sSubPr>
@@ -11615,7 +15561,7 @@
                       <m:sSubPr>
                         <m:ctrlPr>
                           <a:rPr lang="en-NZ" b="0" i="1" smtClean="0">
-                            <a:latin typeface="Cambria Math" panose="02040503050406030204" pitchFamily="18" charset="0"/>
+                            <a:latin typeface="Cambria Math"/>
                           </a:rPr>
                         </m:ctrlPr>
                       </m:sSubPr>
@@ -11652,7 +15598,7 @@
             </p:txBody>
           </p:sp>
         </mc:Choice>
-        <mc:Fallback>
+        <mc:Fallback xmlns="">
           <p:sp>
             <p:nvSpPr>
               <p:cNvPr id="4" name="TextBox 3">
